--- a/presentation/review-dynamics-openstack.pptx
+++ b/presentation/review-dynamics-openstack.pptx
@@ -5,7 +5,7 @@
     <p:sldMasterId id="2147483668" r:id="rId1"/>
   </p:sldMasterIdLst>
   <p:notesMasterIdLst>
-    <p:notesMasterId r:id="rId44"/>
+    <p:notesMasterId r:id="rId47"/>
   </p:notesMasterIdLst>
   <p:sldIdLst>
     <p:sldId id="256" r:id="rId2"/>
@@ -28,8 +28,8 @@
     <p:sldId id="314" r:id="rId19"/>
     <p:sldId id="315" r:id="rId20"/>
     <p:sldId id="318" r:id="rId21"/>
-    <p:sldId id="316" r:id="rId22"/>
-    <p:sldId id="317" r:id="rId23"/>
+    <p:sldId id="317" r:id="rId22"/>
+    <p:sldId id="316" r:id="rId23"/>
     <p:sldId id="323" r:id="rId24"/>
     <p:sldId id="325" r:id="rId25"/>
     <p:sldId id="326" r:id="rId26"/>
@@ -37,19 +37,22 @@
     <p:sldId id="327" r:id="rId28"/>
     <p:sldId id="329" r:id="rId29"/>
     <p:sldId id="332" r:id="rId30"/>
-    <p:sldId id="331" r:id="rId31"/>
-    <p:sldId id="333" r:id="rId32"/>
-    <p:sldId id="334" r:id="rId33"/>
-    <p:sldId id="335" r:id="rId34"/>
-    <p:sldId id="336" r:id="rId35"/>
-    <p:sldId id="337" r:id="rId36"/>
-    <p:sldId id="338" r:id="rId37"/>
-    <p:sldId id="339" r:id="rId38"/>
-    <p:sldId id="340" r:id="rId39"/>
-    <p:sldId id="342" r:id="rId40"/>
-    <p:sldId id="341" r:id="rId41"/>
-    <p:sldId id="343" r:id="rId42"/>
-    <p:sldId id="344" r:id="rId43"/>
+    <p:sldId id="345" r:id="rId31"/>
+    <p:sldId id="331" r:id="rId32"/>
+    <p:sldId id="333" r:id="rId33"/>
+    <p:sldId id="334" r:id="rId34"/>
+    <p:sldId id="335" r:id="rId35"/>
+    <p:sldId id="336" r:id="rId36"/>
+    <p:sldId id="337" r:id="rId37"/>
+    <p:sldId id="338" r:id="rId38"/>
+    <p:sldId id="339" r:id="rId39"/>
+    <p:sldId id="340" r:id="rId40"/>
+    <p:sldId id="342" r:id="rId41"/>
+    <p:sldId id="341" r:id="rId42"/>
+    <p:sldId id="343" r:id="rId43"/>
+    <p:sldId id="344" r:id="rId44"/>
+    <p:sldId id="346" r:id="rId45"/>
+    <p:sldId id="347" r:id="rId46"/>
   </p:sldIdLst>
   <p:sldSz cx="12192000" cy="6858000"/>
   <p:notesSz cx="6858000" cy="9144000"/>
@@ -8491,7 +8494,7 @@
           <a:p>
             <a:fld id="{4B78E97C-1779-4CEE-80D0-5BBB1AC4023D}" type="datetimeFigureOut">
               <a:rPr lang="en-US" smtClean="0"/>
-              <a:t>4/7/21</a:t>
+              <a:t>4/10/21</a:t>
             </a:fld>
             <a:endParaRPr lang="en-US"/>
           </a:p>
@@ -8802,21 +8805,9 @@
           <a:bodyPr/>
           <a:lstStyle/>
           <a:p>
-            <a:pPr marL="171450" indent="-171450">
-              <a:buFont typeface="Arial" panose="020B0604020202020204" pitchFamily="34" charset="0"/>
-              <a:buChar char="•"/>
-            </a:pPr>
             <a:r>
-              <a:rPr lang="en-CA" sz="1200" b="0" i="0" kern="1200" dirty="0">
-                <a:solidFill>
-                  <a:schemeClr val="tx1"/>
-                </a:solidFill>
-                <a:effectLst/>
-                <a:latin typeface="+mn-lt"/>
-                <a:ea typeface="+mn-ea"/>
-                <a:cs typeface="+mn-cs"/>
-              </a:rPr>
-              <a:t>The OpenDev workflow is centered around Gerrit, which uses the concept of changes rather than pull requests</a:t>
+              <a:rPr lang="en-US" dirty="0"/>
+              <a:t>- </a:t>
             </a:r>
           </a:p>
         </p:txBody>
@@ -8838,7 +8829,7 @@
           <a:p>
             <a:fld id="{8CCEF7D1-689C-4BC1-B59B-4A4CE078ECDF}" type="slidenum">
               <a:rPr lang="en-US" smtClean="0"/>
-              <a:t>6</a:t>
+              <a:t>2</a:t>
             </a:fld>
             <a:endParaRPr lang="en-US"/>
           </a:p>
@@ -8847,7 +8838,7 @@
     </p:spTree>
     <p:extLst>
       <p:ext uri="{BB962C8B-B14F-4D97-AF65-F5344CB8AC3E}">
-        <p14:creationId xmlns:p14="http://schemas.microsoft.com/office/powerpoint/2010/main" val="3250144289"/>
+        <p14:creationId xmlns:p14="http://schemas.microsoft.com/office/powerpoint/2010/main" val="3011115508"/>
       </p:ext>
     </p:extLst>
   </p:cSld>
@@ -8858,6 +8849,94 @@
 </file>
 
 <file path=ppt/notesSlides/notesSlide10.xml><?xml version="1.0" encoding="utf-8"?>
+<p:notes xmlns:a="http://schemas.openxmlformats.org/drawingml/2006/main" xmlns:r="http://schemas.openxmlformats.org/officeDocument/2006/relationships" xmlns:p="http://schemas.openxmlformats.org/presentationml/2006/main">
+  <p:cSld>
+    <p:spTree>
+      <p:nvGrpSpPr>
+        <p:cNvPr id="1" name=""/>
+        <p:cNvGrpSpPr/>
+        <p:nvPr/>
+      </p:nvGrpSpPr>
+      <p:grpSpPr>
+        <a:xfrm>
+          <a:off x="0" y="0"/>
+          <a:ext cx="0" cy="0"/>
+          <a:chOff x="0" y="0"/>
+          <a:chExt cx="0" cy="0"/>
+        </a:xfrm>
+      </p:grpSpPr>
+      <p:sp>
+        <p:nvSpPr>
+          <p:cNvPr id="2" name="Slide Image Placeholder 1"/>
+          <p:cNvSpPr>
+            <a:spLocks noGrp="1" noRot="1" noChangeAspect="1"/>
+          </p:cNvSpPr>
+          <p:nvPr>
+            <p:ph type="sldImg"/>
+          </p:nvPr>
+        </p:nvSpPr>
+        <p:spPr/>
+      </p:sp>
+      <p:sp>
+        <p:nvSpPr>
+          <p:cNvPr id="3" name="Notes Placeholder 2"/>
+          <p:cNvSpPr>
+            <a:spLocks noGrp="1"/>
+          </p:cNvSpPr>
+          <p:nvPr>
+            <p:ph type="body" idx="1"/>
+          </p:nvPr>
+        </p:nvSpPr>
+        <p:spPr/>
+        <p:txBody>
+          <a:bodyPr/>
+          <a:lstStyle/>
+          <a:p>
+            <a:pPr marL="0" indent="0">
+              <a:buFont typeface="Arial" panose="020B0604020202020204" pitchFamily="34" charset="0"/>
+              <a:buNone/>
+            </a:pPr>
+            <a:endParaRPr lang="en-US" dirty="0"/>
+          </a:p>
+        </p:txBody>
+      </p:sp>
+      <p:sp>
+        <p:nvSpPr>
+          <p:cNvPr id="4" name="Slide Number Placeholder 3"/>
+          <p:cNvSpPr>
+            <a:spLocks noGrp="1"/>
+          </p:cNvSpPr>
+          <p:nvPr>
+            <p:ph type="sldNum" sz="quarter" idx="5"/>
+          </p:nvPr>
+        </p:nvSpPr>
+        <p:spPr/>
+        <p:txBody>
+          <a:bodyPr/>
+          <a:lstStyle/>
+          <a:p>
+            <a:fld id="{8CCEF7D1-689C-4BC1-B59B-4A4CE078ECDF}" type="slidenum">
+              <a:rPr lang="en-US" smtClean="0"/>
+              <a:t>18</a:t>
+            </a:fld>
+            <a:endParaRPr lang="en-US"/>
+          </a:p>
+        </p:txBody>
+      </p:sp>
+    </p:spTree>
+    <p:extLst>
+      <p:ext uri="{BB962C8B-B14F-4D97-AF65-F5344CB8AC3E}">
+        <p14:creationId xmlns:p14="http://schemas.microsoft.com/office/powerpoint/2010/main" val="3921939804"/>
+      </p:ext>
+    </p:extLst>
+  </p:cSld>
+  <p:clrMapOvr>
+    <a:masterClrMapping/>
+  </p:clrMapOvr>
+</p:notes>
+</file>
+
+<file path=ppt/notesSlides/notesSlide11.xml><?xml version="1.0" encoding="utf-8"?>
 <p:notes xmlns:a="http://schemas.openxmlformats.org/drawingml/2006/main" xmlns:r="http://schemas.openxmlformats.org/officeDocument/2006/relationships" xmlns:p="http://schemas.openxmlformats.org/presentationml/2006/main">
   <p:cSld>
     <p:spTree>
@@ -8945,7 +9024,7 @@
 </p:notes>
 </file>
 
-<file path=ppt/notesSlides/notesSlide11.xml><?xml version="1.0" encoding="utf-8"?>
+<file path=ppt/notesSlides/notesSlide12.xml><?xml version="1.0" encoding="utf-8"?>
 <p:notes xmlns:a="http://schemas.openxmlformats.org/drawingml/2006/main" xmlns:r="http://schemas.openxmlformats.org/officeDocument/2006/relationships" xmlns:p="http://schemas.openxmlformats.org/presentationml/2006/main">
   <p:cSld>
     <p:spTree>
@@ -9033,7 +9112,7 @@
 </p:notes>
 </file>
 
-<file path=ppt/notesSlides/notesSlide12.xml><?xml version="1.0" encoding="utf-8"?>
+<file path=ppt/notesSlides/notesSlide13.xml><?xml version="1.0" encoding="utf-8"?>
 <p:notes xmlns:a="http://schemas.openxmlformats.org/drawingml/2006/main" xmlns:r="http://schemas.openxmlformats.org/officeDocument/2006/relationships" xmlns:p="http://schemas.openxmlformats.org/presentationml/2006/main">
   <p:cSld>
     <p:spTree>
@@ -9111,7 +9190,7 @@
     </p:spTree>
     <p:extLst>
       <p:ext uri="{BB962C8B-B14F-4D97-AF65-F5344CB8AC3E}">
-        <p14:creationId xmlns:p14="http://schemas.microsoft.com/office/powerpoint/2010/main" val="2984369593"/>
+        <p14:creationId xmlns:p14="http://schemas.microsoft.com/office/powerpoint/2010/main" val="1586869177"/>
       </p:ext>
     </p:extLst>
   </p:cSld>
@@ -9121,7 +9200,7 @@
 </p:notes>
 </file>
 
-<file path=ppt/notesSlides/notesSlide13.xml><?xml version="1.0" encoding="utf-8"?>
+<file path=ppt/notesSlides/notesSlide14.xml><?xml version="1.0" encoding="utf-8"?>
 <p:notes xmlns:a="http://schemas.openxmlformats.org/drawingml/2006/main" xmlns:r="http://schemas.openxmlformats.org/officeDocument/2006/relationships" xmlns:p="http://schemas.openxmlformats.org/presentationml/2006/main">
   <p:cSld>
     <p:spTree>
@@ -9199,7 +9278,7 @@
     </p:spTree>
     <p:extLst>
       <p:ext uri="{BB962C8B-B14F-4D97-AF65-F5344CB8AC3E}">
-        <p14:creationId xmlns:p14="http://schemas.microsoft.com/office/powerpoint/2010/main" val="1586869177"/>
+        <p14:creationId xmlns:p14="http://schemas.microsoft.com/office/powerpoint/2010/main" val="2984369593"/>
       </p:ext>
     </p:extLst>
   </p:cSld>
@@ -9209,7 +9288,7 @@
 </p:notes>
 </file>
 
-<file path=ppt/notesSlides/notesSlide14.xml><?xml version="1.0" encoding="utf-8"?>
+<file path=ppt/notesSlides/notesSlide15.xml><?xml version="1.0" encoding="utf-8"?>
 <p:notes xmlns:a="http://schemas.openxmlformats.org/drawingml/2006/main" xmlns:r="http://schemas.openxmlformats.org/officeDocument/2006/relationships" xmlns:p="http://schemas.openxmlformats.org/presentationml/2006/main">
   <p:cSld>
     <p:spTree>
@@ -9313,7 +9392,7 @@
 </p:notes>
 </file>
 
-<file path=ppt/notesSlides/notesSlide15.xml><?xml version="1.0" encoding="utf-8"?>
+<file path=ppt/notesSlides/notesSlide16.xml><?xml version="1.0" encoding="utf-8"?>
 <p:notes xmlns:a="http://schemas.openxmlformats.org/drawingml/2006/main" xmlns:r="http://schemas.openxmlformats.org/officeDocument/2006/relationships" xmlns:p="http://schemas.openxmlformats.org/presentationml/2006/main">
   <p:cSld>
     <p:spTree>
@@ -9397,7 +9476,7 @@
 </p:notes>
 </file>
 
-<file path=ppt/notesSlides/notesSlide16.xml><?xml version="1.0" encoding="utf-8"?>
+<file path=ppt/notesSlides/notesSlide17.xml><?xml version="1.0" encoding="utf-8"?>
 <p:notes xmlns:a="http://schemas.openxmlformats.org/drawingml/2006/main" xmlns:r="http://schemas.openxmlformats.org/officeDocument/2006/relationships" xmlns:p="http://schemas.openxmlformats.org/presentationml/2006/main">
   <p:cSld>
     <p:spTree>
@@ -9498,7 +9577,7 @@
 </p:notes>
 </file>
 
-<file path=ppt/notesSlides/notesSlide17.xml><?xml version="1.0" encoding="utf-8"?>
+<file path=ppt/notesSlides/notesSlide18.xml><?xml version="1.0" encoding="utf-8"?>
 <p:notes xmlns:a="http://schemas.openxmlformats.org/drawingml/2006/main" xmlns:r="http://schemas.openxmlformats.org/officeDocument/2006/relationships" xmlns:p="http://schemas.openxmlformats.org/presentationml/2006/main">
   <p:cSld>
     <p:spTree>
@@ -9599,7 +9678,7 @@
 </p:notes>
 </file>
 
-<file path=ppt/notesSlides/notesSlide18.xml><?xml version="1.0" encoding="utf-8"?>
+<file path=ppt/notesSlides/notesSlide19.xml><?xml version="1.0" encoding="utf-8"?>
 <p:notes xmlns:a="http://schemas.openxmlformats.org/drawingml/2006/main" xmlns:r="http://schemas.openxmlformats.org/officeDocument/2006/relationships" xmlns:p="http://schemas.openxmlformats.org/presentationml/2006/main">
   <p:cSld>
     <p:spTree>
@@ -9643,7 +9722,7 @@
           <a:bodyPr/>
           <a:lstStyle/>
           <a:p>
-            <a:pPr marL="0" marR="0" lvl="0" indent="0" algn="l" defTabSz="914400" rtl="0" eaLnBrk="1" fontAlgn="auto" latinLnBrk="0" hangingPunct="1">
+            <a:pPr marL="171450" marR="0" lvl="0" indent="-171450" algn="l" defTabSz="914400" rtl="0" eaLnBrk="1" fontAlgn="auto" latinLnBrk="0" hangingPunct="1">
               <a:lnSpc>
                 <a:spcPct val="100000"/>
               </a:lnSpc>
@@ -9656,11 +9735,45 @@
               <a:buClrTx/>
               <a:buSzTx/>
               <a:buFontTx/>
-              <a:buNone/>
+              <a:buChar char="-"/>
               <a:tabLst/>
               <a:defRPr/>
             </a:pPr>
-            <a:endParaRPr lang="en-US" sz="1200" dirty="0"/>
+            <a:r>
+              <a:rPr lang="en-US" sz="1200" dirty="0"/>
+              <a:t>Wald </a:t>
+            </a:r>
+            <a:r>
+              <a:rPr lang="en-US" sz="1200" dirty="0" err="1"/>
+              <a:t>Chiq</a:t>
+            </a:r>
+            <a:r>
+              <a:rPr lang="en-US" sz="1200" dirty="0"/>
+              <a:t>-Squared test is a rough approximation of the likelihood ratio test</a:t>
+            </a:r>
+          </a:p>
+          <a:p>
+            <a:pPr marL="171450" marR="0" lvl="0" indent="-171450" algn="l" defTabSz="914400" rtl="0" eaLnBrk="1" fontAlgn="auto" latinLnBrk="0" hangingPunct="1">
+              <a:lnSpc>
+                <a:spcPct val="100000"/>
+              </a:lnSpc>
+              <a:spcBef>
+                <a:spcPts val="0"/>
+              </a:spcBef>
+              <a:spcAft>
+                <a:spcPts val="0"/>
+              </a:spcAft>
+              <a:buClrTx/>
+              <a:buSzTx/>
+              <a:buFontTx/>
+              <a:buChar char="-"/>
+              <a:tabLst/>
+              <a:defRPr/>
+            </a:pPr>
+            <a:r>
+              <a:rPr lang="en-US" sz="1200" dirty="0"/>
+              <a:t>A way to see if variables are significant</a:t>
+            </a:r>
           </a:p>
         </p:txBody>
       </p:sp>
@@ -9700,7 +9813,106 @@
 </p:notes>
 </file>
 
-<file path=ppt/notesSlides/notesSlide19.xml><?xml version="1.0" encoding="utf-8"?>
+<file path=ppt/notesSlides/notesSlide2.xml><?xml version="1.0" encoding="utf-8"?>
+<p:notes xmlns:a="http://schemas.openxmlformats.org/drawingml/2006/main" xmlns:r="http://schemas.openxmlformats.org/officeDocument/2006/relationships" xmlns:p="http://schemas.openxmlformats.org/presentationml/2006/main">
+  <p:cSld>
+    <p:spTree>
+      <p:nvGrpSpPr>
+        <p:cNvPr id="1" name=""/>
+        <p:cNvGrpSpPr/>
+        <p:nvPr/>
+      </p:nvGrpSpPr>
+      <p:grpSpPr>
+        <a:xfrm>
+          <a:off x="0" y="0"/>
+          <a:ext cx="0" cy="0"/>
+          <a:chOff x="0" y="0"/>
+          <a:chExt cx="0" cy="0"/>
+        </a:xfrm>
+      </p:grpSpPr>
+      <p:sp>
+        <p:nvSpPr>
+          <p:cNvPr id="2" name="Slide Image Placeholder 1"/>
+          <p:cNvSpPr>
+            <a:spLocks noGrp="1" noRot="1" noChangeAspect="1"/>
+          </p:cNvSpPr>
+          <p:nvPr>
+            <p:ph type="sldImg"/>
+          </p:nvPr>
+        </p:nvSpPr>
+        <p:spPr/>
+      </p:sp>
+      <p:sp>
+        <p:nvSpPr>
+          <p:cNvPr id="3" name="Notes Placeholder 2"/>
+          <p:cNvSpPr>
+            <a:spLocks noGrp="1"/>
+          </p:cNvSpPr>
+          <p:nvPr>
+            <p:ph type="body" idx="1"/>
+          </p:nvPr>
+        </p:nvSpPr>
+        <p:spPr/>
+        <p:txBody>
+          <a:bodyPr/>
+          <a:lstStyle/>
+          <a:p>
+            <a:pPr marL="171450" indent="-171450">
+              <a:buFont typeface="Arial" panose="020B0604020202020204" pitchFamily="34" charset="0"/>
+              <a:buChar char="•"/>
+            </a:pPr>
+            <a:r>
+              <a:rPr lang="en-CA" sz="1200" b="0" i="0" kern="1200" dirty="0">
+                <a:solidFill>
+                  <a:schemeClr val="tx1"/>
+                </a:solidFill>
+                <a:effectLst/>
+                <a:latin typeface="+mn-lt"/>
+                <a:ea typeface="+mn-ea"/>
+                <a:cs typeface="+mn-cs"/>
+              </a:rPr>
+              <a:t>The OpenDev workflow is centered around Gerrit, which uses the concept of changes rather than pull requests</a:t>
+            </a:r>
+          </a:p>
+        </p:txBody>
+      </p:sp>
+      <p:sp>
+        <p:nvSpPr>
+          <p:cNvPr id="4" name="Slide Number Placeholder 3"/>
+          <p:cNvSpPr>
+            <a:spLocks noGrp="1"/>
+          </p:cNvSpPr>
+          <p:nvPr>
+            <p:ph type="sldNum" sz="quarter" idx="5"/>
+          </p:nvPr>
+        </p:nvSpPr>
+        <p:spPr/>
+        <p:txBody>
+          <a:bodyPr/>
+          <a:lstStyle/>
+          <a:p>
+            <a:fld id="{8CCEF7D1-689C-4BC1-B59B-4A4CE078ECDF}" type="slidenum">
+              <a:rPr lang="en-US" smtClean="0"/>
+              <a:t>6</a:t>
+            </a:fld>
+            <a:endParaRPr lang="en-US"/>
+          </a:p>
+        </p:txBody>
+      </p:sp>
+    </p:spTree>
+    <p:extLst>
+      <p:ext uri="{BB962C8B-B14F-4D97-AF65-F5344CB8AC3E}">
+        <p14:creationId xmlns:p14="http://schemas.microsoft.com/office/powerpoint/2010/main" val="3250144289"/>
+      </p:ext>
+    </p:extLst>
+  </p:cSld>
+  <p:clrMapOvr>
+    <a:masterClrMapping/>
+  </p:clrMapOvr>
+</p:notes>
+</file>
+
+<file path=ppt/notesSlides/notesSlide20.xml><?xml version="1.0" encoding="utf-8"?>
 <p:notes xmlns:a="http://schemas.openxmlformats.org/drawingml/2006/main" xmlns:r="http://schemas.openxmlformats.org/officeDocument/2006/relationships" xmlns:p="http://schemas.openxmlformats.org/presentationml/2006/main">
   <p:cSld>
     <p:spTree>
@@ -9801,7 +10013,869 @@
 </p:notes>
 </file>
 
-<file path=ppt/notesSlides/notesSlide2.xml><?xml version="1.0" encoding="utf-8"?>
+<file path=ppt/notesSlides/notesSlide21.xml><?xml version="1.0" encoding="utf-8"?>
+<p:notes xmlns:a="http://schemas.openxmlformats.org/drawingml/2006/main" xmlns:r="http://schemas.openxmlformats.org/officeDocument/2006/relationships" xmlns:p="http://schemas.openxmlformats.org/presentationml/2006/main">
+  <p:cSld>
+    <p:spTree>
+      <p:nvGrpSpPr>
+        <p:cNvPr id="1" name=""/>
+        <p:cNvGrpSpPr/>
+        <p:nvPr/>
+      </p:nvGrpSpPr>
+      <p:grpSpPr>
+        <a:xfrm>
+          <a:off x="0" y="0"/>
+          <a:ext cx="0" cy="0"/>
+          <a:chOff x="0" y="0"/>
+          <a:chExt cx="0" cy="0"/>
+        </a:xfrm>
+      </p:grpSpPr>
+      <p:sp>
+        <p:nvSpPr>
+          <p:cNvPr id="2" name="Slide Image Placeholder 1"/>
+          <p:cNvSpPr>
+            <a:spLocks noGrp="1" noRot="1" noChangeAspect="1"/>
+          </p:cNvSpPr>
+          <p:nvPr>
+            <p:ph type="sldImg"/>
+          </p:nvPr>
+        </p:nvSpPr>
+        <p:spPr/>
+      </p:sp>
+      <p:sp>
+        <p:nvSpPr>
+          <p:cNvPr id="3" name="Notes Placeholder 2"/>
+          <p:cNvSpPr>
+            <a:spLocks noGrp="1"/>
+          </p:cNvSpPr>
+          <p:nvPr>
+            <p:ph type="body" idx="1"/>
+          </p:nvPr>
+        </p:nvSpPr>
+        <p:spPr/>
+        <p:txBody>
+          <a:bodyPr/>
+          <a:lstStyle/>
+          <a:p>
+            <a:pPr marL="0" marR="0" lvl="0" indent="0" algn="l" defTabSz="914400" rtl="0" eaLnBrk="1" fontAlgn="auto" latinLnBrk="0" hangingPunct="1">
+              <a:lnSpc>
+                <a:spcPct val="100000"/>
+              </a:lnSpc>
+              <a:spcBef>
+                <a:spcPts val="0"/>
+              </a:spcBef>
+              <a:spcAft>
+                <a:spcPts val="0"/>
+              </a:spcAft>
+              <a:buClrTx/>
+              <a:buSzTx/>
+              <a:buFontTx/>
+              <a:buNone/>
+              <a:tabLst/>
+              <a:defRPr/>
+            </a:pPr>
+            <a:endParaRPr lang="en-US" sz="1200" dirty="0"/>
+          </a:p>
+        </p:txBody>
+      </p:sp>
+      <p:sp>
+        <p:nvSpPr>
+          <p:cNvPr id="4" name="Slide Number Placeholder 3"/>
+          <p:cNvSpPr>
+            <a:spLocks noGrp="1"/>
+          </p:cNvSpPr>
+          <p:nvPr>
+            <p:ph type="sldNum" sz="quarter" idx="5"/>
+          </p:nvPr>
+        </p:nvSpPr>
+        <p:spPr/>
+        <p:txBody>
+          <a:bodyPr/>
+          <a:lstStyle/>
+          <a:p>
+            <a:fld id="{8CCEF7D1-689C-4BC1-B59B-4A4CE078ECDF}" type="slidenum">
+              <a:rPr lang="en-US" smtClean="0"/>
+              <a:t>30</a:t>
+            </a:fld>
+            <a:endParaRPr lang="en-US"/>
+          </a:p>
+        </p:txBody>
+      </p:sp>
+    </p:spTree>
+    <p:extLst>
+      <p:ext uri="{BB962C8B-B14F-4D97-AF65-F5344CB8AC3E}">
+        <p14:creationId xmlns:p14="http://schemas.microsoft.com/office/powerpoint/2010/main" val="2033362661"/>
+      </p:ext>
+    </p:extLst>
+  </p:cSld>
+  <p:clrMapOvr>
+    <a:masterClrMapping/>
+  </p:clrMapOvr>
+</p:notes>
+</file>
+
+<file path=ppt/notesSlides/notesSlide22.xml><?xml version="1.0" encoding="utf-8"?>
+<p:notes xmlns:a="http://schemas.openxmlformats.org/drawingml/2006/main" xmlns:r="http://schemas.openxmlformats.org/officeDocument/2006/relationships" xmlns:p="http://schemas.openxmlformats.org/presentationml/2006/main">
+  <p:cSld>
+    <p:spTree>
+      <p:nvGrpSpPr>
+        <p:cNvPr id="1" name=""/>
+        <p:cNvGrpSpPr/>
+        <p:nvPr/>
+      </p:nvGrpSpPr>
+      <p:grpSpPr>
+        <a:xfrm>
+          <a:off x="0" y="0"/>
+          <a:ext cx="0" cy="0"/>
+          <a:chOff x="0" y="0"/>
+          <a:chExt cx="0" cy="0"/>
+        </a:xfrm>
+      </p:grpSpPr>
+      <p:sp>
+        <p:nvSpPr>
+          <p:cNvPr id="2" name="Slide Image Placeholder 1"/>
+          <p:cNvSpPr>
+            <a:spLocks noGrp="1" noRot="1" noChangeAspect="1"/>
+          </p:cNvSpPr>
+          <p:nvPr>
+            <p:ph type="sldImg"/>
+          </p:nvPr>
+        </p:nvSpPr>
+        <p:spPr/>
+      </p:sp>
+      <p:sp>
+        <p:nvSpPr>
+          <p:cNvPr id="3" name="Notes Placeholder 2"/>
+          <p:cNvSpPr>
+            <a:spLocks noGrp="1"/>
+          </p:cNvSpPr>
+          <p:nvPr>
+            <p:ph type="body" idx="1"/>
+          </p:nvPr>
+        </p:nvSpPr>
+        <p:spPr/>
+        <p:txBody>
+          <a:bodyPr/>
+          <a:lstStyle/>
+          <a:p>
+            <a:pPr marL="0" marR="0" lvl="0" indent="0" algn="l" defTabSz="914400" rtl="0" eaLnBrk="1" fontAlgn="auto" latinLnBrk="0" hangingPunct="1">
+              <a:lnSpc>
+                <a:spcPct val="100000"/>
+              </a:lnSpc>
+              <a:spcBef>
+                <a:spcPts val="0"/>
+              </a:spcBef>
+              <a:spcAft>
+                <a:spcPts val="0"/>
+              </a:spcAft>
+              <a:buClrTx/>
+              <a:buSzTx/>
+              <a:buFont typeface="Arial" panose="020B0604020202020204" pitchFamily="34" charset="0"/>
+              <a:buNone/>
+              <a:tabLst/>
+              <a:defRPr/>
+            </a:pPr>
+            <a:endParaRPr lang="en-US" dirty="0"/>
+          </a:p>
+        </p:txBody>
+      </p:sp>
+      <p:sp>
+        <p:nvSpPr>
+          <p:cNvPr id="4" name="Slide Number Placeholder 3"/>
+          <p:cNvSpPr>
+            <a:spLocks noGrp="1"/>
+          </p:cNvSpPr>
+          <p:nvPr>
+            <p:ph type="sldNum" sz="quarter" idx="5"/>
+          </p:nvPr>
+        </p:nvSpPr>
+        <p:spPr/>
+        <p:txBody>
+          <a:bodyPr/>
+          <a:lstStyle/>
+          <a:p>
+            <a:fld id="{8CCEF7D1-689C-4BC1-B59B-4A4CE078ECDF}" type="slidenum">
+              <a:rPr lang="en-US" smtClean="0"/>
+              <a:t>31</a:t>
+            </a:fld>
+            <a:endParaRPr lang="en-US"/>
+          </a:p>
+        </p:txBody>
+      </p:sp>
+    </p:spTree>
+    <p:extLst>
+      <p:ext uri="{BB962C8B-B14F-4D97-AF65-F5344CB8AC3E}">
+        <p14:creationId xmlns:p14="http://schemas.microsoft.com/office/powerpoint/2010/main" val="2423222879"/>
+      </p:ext>
+    </p:extLst>
+  </p:cSld>
+  <p:clrMapOvr>
+    <a:masterClrMapping/>
+  </p:clrMapOvr>
+</p:notes>
+</file>
+
+<file path=ppt/notesSlides/notesSlide23.xml><?xml version="1.0" encoding="utf-8"?>
+<p:notes xmlns:a="http://schemas.openxmlformats.org/drawingml/2006/main" xmlns:r="http://schemas.openxmlformats.org/officeDocument/2006/relationships" xmlns:p="http://schemas.openxmlformats.org/presentationml/2006/main">
+  <p:cSld>
+    <p:spTree>
+      <p:nvGrpSpPr>
+        <p:cNvPr id="1" name=""/>
+        <p:cNvGrpSpPr/>
+        <p:nvPr/>
+      </p:nvGrpSpPr>
+      <p:grpSpPr>
+        <a:xfrm>
+          <a:off x="0" y="0"/>
+          <a:ext cx="0" cy="0"/>
+          <a:chOff x="0" y="0"/>
+          <a:chExt cx="0" cy="0"/>
+        </a:xfrm>
+      </p:grpSpPr>
+      <p:sp>
+        <p:nvSpPr>
+          <p:cNvPr id="2" name="Slide Image Placeholder 1"/>
+          <p:cNvSpPr>
+            <a:spLocks noGrp="1" noRot="1" noChangeAspect="1"/>
+          </p:cNvSpPr>
+          <p:nvPr>
+            <p:ph type="sldImg"/>
+          </p:nvPr>
+        </p:nvSpPr>
+        <p:spPr/>
+      </p:sp>
+      <p:sp>
+        <p:nvSpPr>
+          <p:cNvPr id="3" name="Notes Placeholder 2"/>
+          <p:cNvSpPr>
+            <a:spLocks noGrp="1"/>
+          </p:cNvSpPr>
+          <p:nvPr>
+            <p:ph type="body" idx="1"/>
+          </p:nvPr>
+        </p:nvSpPr>
+        <p:spPr/>
+        <p:txBody>
+          <a:bodyPr/>
+          <a:lstStyle/>
+          <a:p>
+            <a:endParaRPr lang="en-US" dirty="0"/>
+          </a:p>
+        </p:txBody>
+      </p:sp>
+      <p:sp>
+        <p:nvSpPr>
+          <p:cNvPr id="4" name="Slide Number Placeholder 3"/>
+          <p:cNvSpPr>
+            <a:spLocks noGrp="1"/>
+          </p:cNvSpPr>
+          <p:nvPr>
+            <p:ph type="sldNum" sz="quarter" idx="5"/>
+          </p:nvPr>
+        </p:nvSpPr>
+        <p:spPr/>
+        <p:txBody>
+          <a:bodyPr/>
+          <a:lstStyle/>
+          <a:p>
+            <a:fld id="{8CCEF7D1-689C-4BC1-B59B-4A4CE078ECDF}" type="slidenum">
+              <a:rPr lang="en-US" smtClean="0"/>
+              <a:t>34</a:t>
+            </a:fld>
+            <a:endParaRPr lang="en-US"/>
+          </a:p>
+        </p:txBody>
+      </p:sp>
+    </p:spTree>
+    <p:extLst>
+      <p:ext uri="{BB962C8B-B14F-4D97-AF65-F5344CB8AC3E}">
+        <p14:creationId xmlns:p14="http://schemas.microsoft.com/office/powerpoint/2010/main" val="2089764865"/>
+      </p:ext>
+    </p:extLst>
+  </p:cSld>
+  <p:clrMapOvr>
+    <a:masterClrMapping/>
+  </p:clrMapOvr>
+</p:notes>
+</file>
+
+<file path=ppt/notesSlides/notesSlide24.xml><?xml version="1.0" encoding="utf-8"?>
+<p:notes xmlns:a="http://schemas.openxmlformats.org/drawingml/2006/main" xmlns:r="http://schemas.openxmlformats.org/officeDocument/2006/relationships" xmlns:p="http://schemas.openxmlformats.org/presentationml/2006/main">
+  <p:cSld>
+    <p:spTree>
+      <p:nvGrpSpPr>
+        <p:cNvPr id="1" name=""/>
+        <p:cNvGrpSpPr/>
+        <p:nvPr/>
+      </p:nvGrpSpPr>
+      <p:grpSpPr>
+        <a:xfrm>
+          <a:off x="0" y="0"/>
+          <a:ext cx="0" cy="0"/>
+          <a:chOff x="0" y="0"/>
+          <a:chExt cx="0" cy="0"/>
+        </a:xfrm>
+      </p:grpSpPr>
+      <p:sp>
+        <p:nvSpPr>
+          <p:cNvPr id="2" name="Slide Image Placeholder 1"/>
+          <p:cNvSpPr>
+            <a:spLocks noGrp="1" noRot="1" noChangeAspect="1"/>
+          </p:cNvSpPr>
+          <p:nvPr>
+            <p:ph type="sldImg"/>
+          </p:nvPr>
+        </p:nvSpPr>
+        <p:spPr/>
+      </p:sp>
+      <p:sp>
+        <p:nvSpPr>
+          <p:cNvPr id="3" name="Notes Placeholder 2"/>
+          <p:cNvSpPr>
+            <a:spLocks noGrp="1"/>
+          </p:cNvSpPr>
+          <p:nvPr>
+            <p:ph type="body" idx="1"/>
+          </p:nvPr>
+        </p:nvSpPr>
+        <p:spPr/>
+        <p:txBody>
+          <a:bodyPr/>
+          <a:lstStyle/>
+          <a:p>
+            <a:pPr marL="0" indent="0">
+              <a:buFont typeface="Arial" panose="020B0604020202020204" pitchFamily="34" charset="0"/>
+              <a:buNone/>
+            </a:pPr>
+            <a:endParaRPr lang="en-US" dirty="0"/>
+          </a:p>
+        </p:txBody>
+      </p:sp>
+      <p:sp>
+        <p:nvSpPr>
+          <p:cNvPr id="4" name="Slide Number Placeholder 3"/>
+          <p:cNvSpPr>
+            <a:spLocks noGrp="1"/>
+          </p:cNvSpPr>
+          <p:nvPr>
+            <p:ph type="sldNum" sz="quarter" idx="5"/>
+          </p:nvPr>
+        </p:nvSpPr>
+        <p:spPr/>
+        <p:txBody>
+          <a:bodyPr/>
+          <a:lstStyle/>
+          <a:p>
+            <a:fld id="{8CCEF7D1-689C-4BC1-B59B-4A4CE078ECDF}" type="slidenum">
+              <a:rPr lang="en-US" smtClean="0"/>
+              <a:t>35</a:t>
+            </a:fld>
+            <a:endParaRPr lang="en-US"/>
+          </a:p>
+        </p:txBody>
+      </p:sp>
+    </p:spTree>
+    <p:extLst>
+      <p:ext uri="{BB962C8B-B14F-4D97-AF65-F5344CB8AC3E}">
+        <p14:creationId xmlns:p14="http://schemas.microsoft.com/office/powerpoint/2010/main" val="2211670443"/>
+      </p:ext>
+    </p:extLst>
+  </p:cSld>
+  <p:clrMapOvr>
+    <a:masterClrMapping/>
+  </p:clrMapOvr>
+</p:notes>
+</file>
+
+<file path=ppt/notesSlides/notesSlide25.xml><?xml version="1.0" encoding="utf-8"?>
+<p:notes xmlns:a="http://schemas.openxmlformats.org/drawingml/2006/main" xmlns:r="http://schemas.openxmlformats.org/officeDocument/2006/relationships" xmlns:p="http://schemas.openxmlformats.org/presentationml/2006/main">
+  <p:cSld>
+    <p:spTree>
+      <p:nvGrpSpPr>
+        <p:cNvPr id="1" name=""/>
+        <p:cNvGrpSpPr/>
+        <p:nvPr/>
+      </p:nvGrpSpPr>
+      <p:grpSpPr>
+        <a:xfrm>
+          <a:off x="0" y="0"/>
+          <a:ext cx="0" cy="0"/>
+          <a:chOff x="0" y="0"/>
+          <a:chExt cx="0" cy="0"/>
+        </a:xfrm>
+      </p:grpSpPr>
+      <p:sp>
+        <p:nvSpPr>
+          <p:cNvPr id="2" name="Slide Image Placeholder 1"/>
+          <p:cNvSpPr>
+            <a:spLocks noGrp="1" noRot="1" noChangeAspect="1"/>
+          </p:cNvSpPr>
+          <p:nvPr>
+            <p:ph type="sldImg"/>
+          </p:nvPr>
+        </p:nvSpPr>
+        <p:spPr/>
+      </p:sp>
+      <p:sp>
+        <p:nvSpPr>
+          <p:cNvPr id="3" name="Notes Placeholder 2"/>
+          <p:cNvSpPr>
+            <a:spLocks noGrp="1"/>
+          </p:cNvSpPr>
+          <p:nvPr>
+            <p:ph type="body" idx="1"/>
+          </p:nvPr>
+        </p:nvSpPr>
+        <p:spPr/>
+        <p:txBody>
+          <a:bodyPr/>
+          <a:lstStyle/>
+          <a:p>
+            <a:endParaRPr lang="en-US" dirty="0"/>
+          </a:p>
+        </p:txBody>
+      </p:sp>
+      <p:sp>
+        <p:nvSpPr>
+          <p:cNvPr id="4" name="Slide Number Placeholder 3"/>
+          <p:cNvSpPr>
+            <a:spLocks noGrp="1"/>
+          </p:cNvSpPr>
+          <p:nvPr>
+            <p:ph type="sldNum" sz="quarter" idx="5"/>
+          </p:nvPr>
+        </p:nvSpPr>
+        <p:spPr/>
+        <p:txBody>
+          <a:bodyPr/>
+          <a:lstStyle/>
+          <a:p>
+            <a:fld id="{8CCEF7D1-689C-4BC1-B59B-4A4CE078ECDF}" type="slidenum">
+              <a:rPr lang="en-US" smtClean="0"/>
+              <a:t>37</a:t>
+            </a:fld>
+            <a:endParaRPr lang="en-US"/>
+          </a:p>
+        </p:txBody>
+      </p:sp>
+    </p:spTree>
+    <p:extLst>
+      <p:ext uri="{BB962C8B-B14F-4D97-AF65-F5344CB8AC3E}">
+        <p14:creationId xmlns:p14="http://schemas.microsoft.com/office/powerpoint/2010/main" val="2094567984"/>
+      </p:ext>
+    </p:extLst>
+  </p:cSld>
+  <p:clrMapOvr>
+    <a:masterClrMapping/>
+  </p:clrMapOvr>
+</p:notes>
+</file>
+
+<file path=ppt/notesSlides/notesSlide26.xml><?xml version="1.0" encoding="utf-8"?>
+<p:notes xmlns:a="http://schemas.openxmlformats.org/drawingml/2006/main" xmlns:r="http://schemas.openxmlformats.org/officeDocument/2006/relationships" xmlns:p="http://schemas.openxmlformats.org/presentationml/2006/main">
+  <p:cSld>
+    <p:spTree>
+      <p:nvGrpSpPr>
+        <p:cNvPr id="1" name=""/>
+        <p:cNvGrpSpPr/>
+        <p:nvPr/>
+      </p:nvGrpSpPr>
+      <p:grpSpPr>
+        <a:xfrm>
+          <a:off x="0" y="0"/>
+          <a:ext cx="0" cy="0"/>
+          <a:chOff x="0" y="0"/>
+          <a:chExt cx="0" cy="0"/>
+        </a:xfrm>
+      </p:grpSpPr>
+      <p:sp>
+        <p:nvSpPr>
+          <p:cNvPr id="2" name="Slide Image Placeholder 1"/>
+          <p:cNvSpPr>
+            <a:spLocks noGrp="1" noRot="1" noChangeAspect="1"/>
+          </p:cNvSpPr>
+          <p:nvPr>
+            <p:ph type="sldImg"/>
+          </p:nvPr>
+        </p:nvSpPr>
+        <p:spPr/>
+      </p:sp>
+      <p:sp>
+        <p:nvSpPr>
+          <p:cNvPr id="3" name="Notes Placeholder 2"/>
+          <p:cNvSpPr>
+            <a:spLocks noGrp="1"/>
+          </p:cNvSpPr>
+          <p:nvPr>
+            <p:ph type="body" idx="1"/>
+          </p:nvPr>
+        </p:nvSpPr>
+        <p:spPr/>
+        <p:txBody>
+          <a:bodyPr/>
+          <a:lstStyle/>
+          <a:p>
+            <a:pPr marL="0" marR="0" lvl="0" indent="0" algn="l" defTabSz="914400" rtl="0" eaLnBrk="1" fontAlgn="auto" latinLnBrk="0" hangingPunct="1">
+              <a:lnSpc>
+                <a:spcPct val="100000"/>
+              </a:lnSpc>
+              <a:spcBef>
+                <a:spcPts val="0"/>
+              </a:spcBef>
+              <a:spcAft>
+                <a:spcPts val="0"/>
+              </a:spcAft>
+              <a:buClrTx/>
+              <a:buSzTx/>
+              <a:buFontTx/>
+              <a:buNone/>
+              <a:tabLst/>
+              <a:defRPr/>
+            </a:pPr>
+            <a:endParaRPr lang="en-US" sz="1200" dirty="0"/>
+          </a:p>
+        </p:txBody>
+      </p:sp>
+      <p:sp>
+        <p:nvSpPr>
+          <p:cNvPr id="4" name="Slide Number Placeholder 3"/>
+          <p:cNvSpPr>
+            <a:spLocks noGrp="1"/>
+          </p:cNvSpPr>
+          <p:nvPr>
+            <p:ph type="sldNum" sz="quarter" idx="5"/>
+          </p:nvPr>
+        </p:nvSpPr>
+        <p:spPr/>
+        <p:txBody>
+          <a:bodyPr/>
+          <a:lstStyle/>
+          <a:p>
+            <a:fld id="{8CCEF7D1-689C-4BC1-B59B-4A4CE078ECDF}" type="slidenum">
+              <a:rPr lang="en-US" smtClean="0"/>
+              <a:t>38</a:t>
+            </a:fld>
+            <a:endParaRPr lang="en-US"/>
+          </a:p>
+        </p:txBody>
+      </p:sp>
+    </p:spTree>
+    <p:extLst>
+      <p:ext uri="{BB962C8B-B14F-4D97-AF65-F5344CB8AC3E}">
+        <p14:creationId xmlns:p14="http://schemas.microsoft.com/office/powerpoint/2010/main" val="2244068875"/>
+      </p:ext>
+    </p:extLst>
+  </p:cSld>
+  <p:clrMapOvr>
+    <a:masterClrMapping/>
+  </p:clrMapOvr>
+</p:notes>
+</file>
+
+<file path=ppt/notesSlides/notesSlide27.xml><?xml version="1.0" encoding="utf-8"?>
+<p:notes xmlns:a="http://schemas.openxmlformats.org/drawingml/2006/main" xmlns:r="http://schemas.openxmlformats.org/officeDocument/2006/relationships" xmlns:p="http://schemas.openxmlformats.org/presentationml/2006/main">
+  <p:cSld>
+    <p:spTree>
+      <p:nvGrpSpPr>
+        <p:cNvPr id="1" name=""/>
+        <p:cNvGrpSpPr/>
+        <p:nvPr/>
+      </p:nvGrpSpPr>
+      <p:grpSpPr>
+        <a:xfrm>
+          <a:off x="0" y="0"/>
+          <a:ext cx="0" cy="0"/>
+          <a:chOff x="0" y="0"/>
+          <a:chExt cx="0" cy="0"/>
+        </a:xfrm>
+      </p:grpSpPr>
+      <p:sp>
+        <p:nvSpPr>
+          <p:cNvPr id="2" name="Slide Image Placeholder 1"/>
+          <p:cNvSpPr>
+            <a:spLocks noGrp="1" noRot="1" noChangeAspect="1"/>
+          </p:cNvSpPr>
+          <p:nvPr>
+            <p:ph type="sldImg"/>
+          </p:nvPr>
+        </p:nvSpPr>
+        <p:spPr/>
+      </p:sp>
+      <p:sp>
+        <p:nvSpPr>
+          <p:cNvPr id="3" name="Notes Placeholder 2"/>
+          <p:cNvSpPr>
+            <a:spLocks noGrp="1"/>
+          </p:cNvSpPr>
+          <p:nvPr>
+            <p:ph type="body" idx="1"/>
+          </p:nvPr>
+        </p:nvSpPr>
+        <p:spPr/>
+        <p:txBody>
+          <a:bodyPr/>
+          <a:lstStyle/>
+          <a:p>
+            <a:pPr marL="0" marR="0" lvl="0" indent="0" algn="l" defTabSz="914400" rtl="0" eaLnBrk="1" fontAlgn="auto" latinLnBrk="0" hangingPunct="1">
+              <a:lnSpc>
+                <a:spcPct val="100000"/>
+              </a:lnSpc>
+              <a:spcBef>
+                <a:spcPts val="0"/>
+              </a:spcBef>
+              <a:spcAft>
+                <a:spcPts val="0"/>
+              </a:spcAft>
+              <a:buClrTx/>
+              <a:buSzTx/>
+              <a:buFontTx/>
+              <a:buNone/>
+              <a:tabLst/>
+              <a:defRPr/>
+            </a:pPr>
+            <a:endParaRPr lang="en-US" sz="1200" dirty="0"/>
+          </a:p>
+        </p:txBody>
+      </p:sp>
+      <p:sp>
+        <p:nvSpPr>
+          <p:cNvPr id="4" name="Slide Number Placeholder 3"/>
+          <p:cNvSpPr>
+            <a:spLocks noGrp="1"/>
+          </p:cNvSpPr>
+          <p:nvPr>
+            <p:ph type="sldNum" sz="quarter" idx="5"/>
+          </p:nvPr>
+        </p:nvSpPr>
+        <p:spPr/>
+        <p:txBody>
+          <a:bodyPr/>
+          <a:lstStyle/>
+          <a:p>
+            <a:fld id="{8CCEF7D1-689C-4BC1-B59B-4A4CE078ECDF}" type="slidenum">
+              <a:rPr lang="en-US" smtClean="0"/>
+              <a:t>39</a:t>
+            </a:fld>
+            <a:endParaRPr lang="en-US"/>
+          </a:p>
+        </p:txBody>
+      </p:sp>
+    </p:spTree>
+    <p:extLst>
+      <p:ext uri="{BB962C8B-B14F-4D97-AF65-F5344CB8AC3E}">
+        <p14:creationId xmlns:p14="http://schemas.microsoft.com/office/powerpoint/2010/main" val="1312453022"/>
+      </p:ext>
+    </p:extLst>
+  </p:cSld>
+  <p:clrMapOvr>
+    <a:masterClrMapping/>
+  </p:clrMapOvr>
+</p:notes>
+</file>
+
+<file path=ppt/notesSlides/notesSlide28.xml><?xml version="1.0" encoding="utf-8"?>
+<p:notes xmlns:a="http://schemas.openxmlformats.org/drawingml/2006/main" xmlns:r="http://schemas.openxmlformats.org/officeDocument/2006/relationships" xmlns:p="http://schemas.openxmlformats.org/presentationml/2006/main">
+  <p:cSld>
+    <p:spTree>
+      <p:nvGrpSpPr>
+        <p:cNvPr id="1" name=""/>
+        <p:cNvGrpSpPr/>
+        <p:nvPr/>
+      </p:nvGrpSpPr>
+      <p:grpSpPr>
+        <a:xfrm>
+          <a:off x="0" y="0"/>
+          <a:ext cx="0" cy="0"/>
+          <a:chOff x="0" y="0"/>
+          <a:chExt cx="0" cy="0"/>
+        </a:xfrm>
+      </p:grpSpPr>
+      <p:sp>
+        <p:nvSpPr>
+          <p:cNvPr id="2" name="Slide Image Placeholder 1"/>
+          <p:cNvSpPr>
+            <a:spLocks noGrp="1" noRot="1" noChangeAspect="1"/>
+          </p:cNvSpPr>
+          <p:nvPr>
+            <p:ph type="sldImg"/>
+          </p:nvPr>
+        </p:nvSpPr>
+        <p:spPr/>
+      </p:sp>
+      <p:sp>
+        <p:nvSpPr>
+          <p:cNvPr id="3" name="Notes Placeholder 2"/>
+          <p:cNvSpPr>
+            <a:spLocks noGrp="1"/>
+          </p:cNvSpPr>
+          <p:nvPr>
+            <p:ph type="body" idx="1"/>
+          </p:nvPr>
+        </p:nvSpPr>
+        <p:spPr/>
+        <p:txBody>
+          <a:bodyPr/>
+          <a:lstStyle/>
+          <a:p>
+            <a:pPr marL="0" marR="0" lvl="0" indent="0" algn="l" defTabSz="914400" rtl="0" eaLnBrk="1" fontAlgn="auto" latinLnBrk="0" hangingPunct="1">
+              <a:lnSpc>
+                <a:spcPct val="100000"/>
+              </a:lnSpc>
+              <a:spcBef>
+                <a:spcPts val="0"/>
+              </a:spcBef>
+              <a:spcAft>
+                <a:spcPts val="0"/>
+              </a:spcAft>
+              <a:buClrTx/>
+              <a:buSzTx/>
+              <a:buFontTx/>
+              <a:buNone/>
+              <a:tabLst/>
+              <a:defRPr/>
+            </a:pPr>
+            <a:endParaRPr lang="en-US" sz="1200" dirty="0"/>
+          </a:p>
+        </p:txBody>
+      </p:sp>
+      <p:sp>
+        <p:nvSpPr>
+          <p:cNvPr id="4" name="Slide Number Placeholder 3"/>
+          <p:cNvSpPr>
+            <a:spLocks noGrp="1"/>
+          </p:cNvSpPr>
+          <p:nvPr>
+            <p:ph type="sldNum" sz="quarter" idx="5"/>
+          </p:nvPr>
+        </p:nvSpPr>
+        <p:spPr/>
+        <p:txBody>
+          <a:bodyPr/>
+          <a:lstStyle/>
+          <a:p>
+            <a:fld id="{8CCEF7D1-689C-4BC1-B59B-4A4CE078ECDF}" type="slidenum">
+              <a:rPr lang="en-US" smtClean="0"/>
+              <a:t>40</a:t>
+            </a:fld>
+            <a:endParaRPr lang="en-US"/>
+          </a:p>
+        </p:txBody>
+      </p:sp>
+    </p:spTree>
+    <p:extLst>
+      <p:ext uri="{BB962C8B-B14F-4D97-AF65-F5344CB8AC3E}">
+        <p14:creationId xmlns:p14="http://schemas.microsoft.com/office/powerpoint/2010/main" val="2046387221"/>
+      </p:ext>
+    </p:extLst>
+  </p:cSld>
+  <p:clrMapOvr>
+    <a:masterClrMapping/>
+  </p:clrMapOvr>
+</p:notes>
+</file>
+
+<file path=ppt/notesSlides/notesSlide29.xml><?xml version="1.0" encoding="utf-8"?>
+<p:notes xmlns:a="http://schemas.openxmlformats.org/drawingml/2006/main" xmlns:r="http://schemas.openxmlformats.org/officeDocument/2006/relationships" xmlns:p="http://schemas.openxmlformats.org/presentationml/2006/main">
+  <p:cSld>
+    <p:spTree>
+      <p:nvGrpSpPr>
+        <p:cNvPr id="1" name=""/>
+        <p:cNvGrpSpPr/>
+        <p:nvPr/>
+      </p:nvGrpSpPr>
+      <p:grpSpPr>
+        <a:xfrm>
+          <a:off x="0" y="0"/>
+          <a:ext cx="0" cy="0"/>
+          <a:chOff x="0" y="0"/>
+          <a:chExt cx="0" cy="0"/>
+        </a:xfrm>
+      </p:grpSpPr>
+      <p:sp>
+        <p:nvSpPr>
+          <p:cNvPr id="2" name="Slide Image Placeholder 1"/>
+          <p:cNvSpPr>
+            <a:spLocks noGrp="1" noRot="1" noChangeAspect="1"/>
+          </p:cNvSpPr>
+          <p:nvPr>
+            <p:ph type="sldImg"/>
+          </p:nvPr>
+        </p:nvSpPr>
+        <p:spPr/>
+      </p:sp>
+      <p:sp>
+        <p:nvSpPr>
+          <p:cNvPr id="3" name="Notes Placeholder 2"/>
+          <p:cNvSpPr>
+            <a:spLocks noGrp="1"/>
+          </p:cNvSpPr>
+          <p:nvPr>
+            <p:ph type="body" idx="1"/>
+          </p:nvPr>
+        </p:nvSpPr>
+        <p:spPr/>
+        <p:txBody>
+          <a:bodyPr/>
+          <a:lstStyle/>
+          <a:p>
+            <a:pPr marL="0" marR="0" lvl="0" indent="0" algn="l" defTabSz="914400" rtl="0" eaLnBrk="1" fontAlgn="auto" latinLnBrk="0" hangingPunct="1">
+              <a:lnSpc>
+                <a:spcPct val="100000"/>
+              </a:lnSpc>
+              <a:spcBef>
+                <a:spcPts val="0"/>
+              </a:spcBef>
+              <a:spcAft>
+                <a:spcPts val="0"/>
+              </a:spcAft>
+              <a:buClrTx/>
+              <a:buSzTx/>
+              <a:buFontTx/>
+              <a:buNone/>
+              <a:tabLst/>
+              <a:defRPr/>
+            </a:pPr>
+            <a:endParaRPr lang="en-US" sz="1200" dirty="0"/>
+          </a:p>
+        </p:txBody>
+      </p:sp>
+      <p:sp>
+        <p:nvSpPr>
+          <p:cNvPr id="4" name="Slide Number Placeholder 3"/>
+          <p:cNvSpPr>
+            <a:spLocks noGrp="1"/>
+          </p:cNvSpPr>
+          <p:nvPr>
+            <p:ph type="sldNum" sz="quarter" idx="5"/>
+          </p:nvPr>
+        </p:nvSpPr>
+        <p:spPr/>
+        <p:txBody>
+          <a:bodyPr/>
+          <a:lstStyle/>
+          <a:p>
+            <a:fld id="{8CCEF7D1-689C-4BC1-B59B-4A4CE078ECDF}" type="slidenum">
+              <a:rPr lang="en-US" smtClean="0"/>
+              <a:t>41</a:t>
+            </a:fld>
+            <a:endParaRPr lang="en-US"/>
+          </a:p>
+        </p:txBody>
+      </p:sp>
+    </p:spTree>
+    <p:extLst>
+      <p:ext uri="{BB962C8B-B14F-4D97-AF65-F5344CB8AC3E}">
+        <p14:creationId xmlns:p14="http://schemas.microsoft.com/office/powerpoint/2010/main" val="1502627500"/>
+      </p:ext>
+    </p:extLst>
+  </p:cSld>
+  <p:clrMapOvr>
+    <a:masterClrMapping/>
+  </p:clrMapOvr>
+</p:notes>
+</file>
+
+<file path=ppt/notesSlides/notesSlide3.xml><?xml version="1.0" encoding="utf-8"?>
 <p:notes xmlns:a="http://schemas.openxmlformats.org/drawingml/2006/main" xmlns:r="http://schemas.openxmlformats.org/officeDocument/2006/relationships" xmlns:p="http://schemas.openxmlformats.org/presentationml/2006/main">
   <p:cSld>
     <p:spTree>
@@ -9901,7 +10975,7 @@
 </p:notes>
 </file>
 
-<file path=ppt/notesSlides/notesSlide20.xml><?xml version="1.0" encoding="utf-8"?>
+<file path=ppt/notesSlides/notesSlide30.xml><?xml version="1.0" encoding="utf-8"?>
 <p:notes xmlns:a="http://schemas.openxmlformats.org/drawingml/2006/main" xmlns:r="http://schemas.openxmlformats.org/officeDocument/2006/relationships" xmlns:p="http://schemas.openxmlformats.org/presentationml/2006/main">
   <p:cSld>
     <p:spTree>
@@ -9983,7 +11057,7 @@
           <a:p>
             <a:fld id="{8CCEF7D1-689C-4BC1-B59B-4A4CE078ECDF}" type="slidenum">
               <a:rPr lang="en-US" smtClean="0"/>
-              <a:t>30</a:t>
+              <a:t>42</a:t>
             </a:fld>
             <a:endParaRPr lang="en-US"/>
           </a:p>
@@ -9992,7 +11066,7 @@
     </p:spTree>
     <p:extLst>
       <p:ext uri="{BB962C8B-B14F-4D97-AF65-F5344CB8AC3E}">
-        <p14:creationId xmlns:p14="http://schemas.microsoft.com/office/powerpoint/2010/main" val="2423222879"/>
+        <p14:creationId xmlns:p14="http://schemas.microsoft.com/office/powerpoint/2010/main" val="1514023989"/>
       </p:ext>
     </p:extLst>
   </p:cSld>
@@ -10002,7 +11076,7 @@
 </p:notes>
 </file>
 
-<file path=ppt/notesSlides/notesSlide21.xml><?xml version="1.0" encoding="utf-8"?>
+<file path=ppt/notesSlides/notesSlide31.xml><?xml version="1.0" encoding="utf-8"?>
 <p:notes xmlns:a="http://schemas.openxmlformats.org/drawingml/2006/main" xmlns:r="http://schemas.openxmlformats.org/officeDocument/2006/relationships" xmlns:p="http://schemas.openxmlformats.org/presentationml/2006/main">
   <p:cSld>
     <p:spTree>
@@ -10067,7 +11141,7 @@
           <a:p>
             <a:fld id="{8CCEF7D1-689C-4BC1-B59B-4A4CE078ECDF}" type="slidenum">
               <a:rPr lang="en-US" smtClean="0"/>
-              <a:t>33</a:t>
+              <a:t>43</a:t>
             </a:fld>
             <a:endParaRPr lang="en-US"/>
           </a:p>
@@ -10076,7 +11150,7 @@
     </p:spTree>
     <p:extLst>
       <p:ext uri="{BB962C8B-B14F-4D97-AF65-F5344CB8AC3E}">
-        <p14:creationId xmlns:p14="http://schemas.microsoft.com/office/powerpoint/2010/main" val="2089764865"/>
+        <p14:creationId xmlns:p14="http://schemas.microsoft.com/office/powerpoint/2010/main" val="3757041138"/>
       </p:ext>
     </p:extLst>
   </p:cSld>
@@ -10086,684 +11160,7 @@
 </p:notes>
 </file>
 
-<file path=ppt/notesSlides/notesSlide22.xml><?xml version="1.0" encoding="utf-8"?>
-<p:notes xmlns:a="http://schemas.openxmlformats.org/drawingml/2006/main" xmlns:r="http://schemas.openxmlformats.org/officeDocument/2006/relationships" xmlns:p="http://schemas.openxmlformats.org/presentationml/2006/main">
-  <p:cSld>
-    <p:spTree>
-      <p:nvGrpSpPr>
-        <p:cNvPr id="1" name=""/>
-        <p:cNvGrpSpPr/>
-        <p:nvPr/>
-      </p:nvGrpSpPr>
-      <p:grpSpPr>
-        <a:xfrm>
-          <a:off x="0" y="0"/>
-          <a:ext cx="0" cy="0"/>
-          <a:chOff x="0" y="0"/>
-          <a:chExt cx="0" cy="0"/>
-        </a:xfrm>
-      </p:grpSpPr>
-      <p:sp>
-        <p:nvSpPr>
-          <p:cNvPr id="2" name="Slide Image Placeholder 1"/>
-          <p:cNvSpPr>
-            <a:spLocks noGrp="1" noRot="1" noChangeAspect="1"/>
-          </p:cNvSpPr>
-          <p:nvPr>
-            <p:ph type="sldImg"/>
-          </p:nvPr>
-        </p:nvSpPr>
-        <p:spPr/>
-      </p:sp>
-      <p:sp>
-        <p:nvSpPr>
-          <p:cNvPr id="3" name="Notes Placeholder 2"/>
-          <p:cNvSpPr>
-            <a:spLocks noGrp="1"/>
-          </p:cNvSpPr>
-          <p:nvPr>
-            <p:ph type="body" idx="1"/>
-          </p:nvPr>
-        </p:nvSpPr>
-        <p:spPr/>
-        <p:txBody>
-          <a:bodyPr/>
-          <a:lstStyle/>
-          <a:p>
-            <a:pPr marL="0" indent="0">
-              <a:buFont typeface="Arial" panose="020B0604020202020204" pitchFamily="34" charset="0"/>
-              <a:buNone/>
-            </a:pPr>
-            <a:endParaRPr lang="en-US" dirty="0"/>
-          </a:p>
-        </p:txBody>
-      </p:sp>
-      <p:sp>
-        <p:nvSpPr>
-          <p:cNvPr id="4" name="Slide Number Placeholder 3"/>
-          <p:cNvSpPr>
-            <a:spLocks noGrp="1"/>
-          </p:cNvSpPr>
-          <p:nvPr>
-            <p:ph type="sldNum" sz="quarter" idx="5"/>
-          </p:nvPr>
-        </p:nvSpPr>
-        <p:spPr/>
-        <p:txBody>
-          <a:bodyPr/>
-          <a:lstStyle/>
-          <a:p>
-            <a:fld id="{8CCEF7D1-689C-4BC1-B59B-4A4CE078ECDF}" type="slidenum">
-              <a:rPr lang="en-US" smtClean="0"/>
-              <a:t>34</a:t>
-            </a:fld>
-            <a:endParaRPr lang="en-US"/>
-          </a:p>
-        </p:txBody>
-      </p:sp>
-    </p:spTree>
-    <p:extLst>
-      <p:ext uri="{BB962C8B-B14F-4D97-AF65-F5344CB8AC3E}">
-        <p14:creationId xmlns:p14="http://schemas.microsoft.com/office/powerpoint/2010/main" val="2211670443"/>
-      </p:ext>
-    </p:extLst>
-  </p:cSld>
-  <p:clrMapOvr>
-    <a:masterClrMapping/>
-  </p:clrMapOvr>
-</p:notes>
-</file>
-
-<file path=ppt/notesSlides/notesSlide23.xml><?xml version="1.0" encoding="utf-8"?>
-<p:notes xmlns:a="http://schemas.openxmlformats.org/drawingml/2006/main" xmlns:r="http://schemas.openxmlformats.org/officeDocument/2006/relationships" xmlns:p="http://schemas.openxmlformats.org/presentationml/2006/main">
-  <p:cSld>
-    <p:spTree>
-      <p:nvGrpSpPr>
-        <p:cNvPr id="1" name=""/>
-        <p:cNvGrpSpPr/>
-        <p:nvPr/>
-      </p:nvGrpSpPr>
-      <p:grpSpPr>
-        <a:xfrm>
-          <a:off x="0" y="0"/>
-          <a:ext cx="0" cy="0"/>
-          <a:chOff x="0" y="0"/>
-          <a:chExt cx="0" cy="0"/>
-        </a:xfrm>
-      </p:grpSpPr>
-      <p:sp>
-        <p:nvSpPr>
-          <p:cNvPr id="2" name="Slide Image Placeholder 1"/>
-          <p:cNvSpPr>
-            <a:spLocks noGrp="1" noRot="1" noChangeAspect="1"/>
-          </p:cNvSpPr>
-          <p:nvPr>
-            <p:ph type="sldImg"/>
-          </p:nvPr>
-        </p:nvSpPr>
-        <p:spPr/>
-      </p:sp>
-      <p:sp>
-        <p:nvSpPr>
-          <p:cNvPr id="3" name="Notes Placeholder 2"/>
-          <p:cNvSpPr>
-            <a:spLocks noGrp="1"/>
-          </p:cNvSpPr>
-          <p:nvPr>
-            <p:ph type="body" idx="1"/>
-          </p:nvPr>
-        </p:nvSpPr>
-        <p:spPr/>
-        <p:txBody>
-          <a:bodyPr/>
-          <a:lstStyle/>
-          <a:p>
-            <a:endParaRPr lang="en-US" dirty="0"/>
-          </a:p>
-        </p:txBody>
-      </p:sp>
-      <p:sp>
-        <p:nvSpPr>
-          <p:cNvPr id="4" name="Slide Number Placeholder 3"/>
-          <p:cNvSpPr>
-            <a:spLocks noGrp="1"/>
-          </p:cNvSpPr>
-          <p:nvPr>
-            <p:ph type="sldNum" sz="quarter" idx="5"/>
-          </p:nvPr>
-        </p:nvSpPr>
-        <p:spPr/>
-        <p:txBody>
-          <a:bodyPr/>
-          <a:lstStyle/>
-          <a:p>
-            <a:fld id="{8CCEF7D1-689C-4BC1-B59B-4A4CE078ECDF}" type="slidenum">
-              <a:rPr lang="en-US" smtClean="0"/>
-              <a:t>36</a:t>
-            </a:fld>
-            <a:endParaRPr lang="en-US"/>
-          </a:p>
-        </p:txBody>
-      </p:sp>
-    </p:spTree>
-    <p:extLst>
-      <p:ext uri="{BB962C8B-B14F-4D97-AF65-F5344CB8AC3E}">
-        <p14:creationId xmlns:p14="http://schemas.microsoft.com/office/powerpoint/2010/main" val="2094567984"/>
-      </p:ext>
-    </p:extLst>
-  </p:cSld>
-  <p:clrMapOvr>
-    <a:masterClrMapping/>
-  </p:clrMapOvr>
-</p:notes>
-</file>
-
-<file path=ppt/notesSlides/notesSlide24.xml><?xml version="1.0" encoding="utf-8"?>
-<p:notes xmlns:a="http://schemas.openxmlformats.org/drawingml/2006/main" xmlns:r="http://schemas.openxmlformats.org/officeDocument/2006/relationships" xmlns:p="http://schemas.openxmlformats.org/presentationml/2006/main">
-  <p:cSld>
-    <p:spTree>
-      <p:nvGrpSpPr>
-        <p:cNvPr id="1" name=""/>
-        <p:cNvGrpSpPr/>
-        <p:nvPr/>
-      </p:nvGrpSpPr>
-      <p:grpSpPr>
-        <a:xfrm>
-          <a:off x="0" y="0"/>
-          <a:ext cx="0" cy="0"/>
-          <a:chOff x="0" y="0"/>
-          <a:chExt cx="0" cy="0"/>
-        </a:xfrm>
-      </p:grpSpPr>
-      <p:sp>
-        <p:nvSpPr>
-          <p:cNvPr id="2" name="Slide Image Placeholder 1"/>
-          <p:cNvSpPr>
-            <a:spLocks noGrp="1" noRot="1" noChangeAspect="1"/>
-          </p:cNvSpPr>
-          <p:nvPr>
-            <p:ph type="sldImg"/>
-          </p:nvPr>
-        </p:nvSpPr>
-        <p:spPr/>
-      </p:sp>
-      <p:sp>
-        <p:nvSpPr>
-          <p:cNvPr id="3" name="Notes Placeholder 2"/>
-          <p:cNvSpPr>
-            <a:spLocks noGrp="1"/>
-          </p:cNvSpPr>
-          <p:nvPr>
-            <p:ph type="body" idx="1"/>
-          </p:nvPr>
-        </p:nvSpPr>
-        <p:spPr/>
-        <p:txBody>
-          <a:bodyPr/>
-          <a:lstStyle/>
-          <a:p>
-            <a:pPr marL="0" marR="0" lvl="0" indent="0" algn="l" defTabSz="914400" rtl="0" eaLnBrk="1" fontAlgn="auto" latinLnBrk="0" hangingPunct="1">
-              <a:lnSpc>
-                <a:spcPct val="100000"/>
-              </a:lnSpc>
-              <a:spcBef>
-                <a:spcPts val="0"/>
-              </a:spcBef>
-              <a:spcAft>
-                <a:spcPts val="0"/>
-              </a:spcAft>
-              <a:buClrTx/>
-              <a:buSzTx/>
-              <a:buFontTx/>
-              <a:buNone/>
-              <a:tabLst/>
-              <a:defRPr/>
-            </a:pPr>
-            <a:endParaRPr lang="en-US" sz="1200" dirty="0"/>
-          </a:p>
-        </p:txBody>
-      </p:sp>
-      <p:sp>
-        <p:nvSpPr>
-          <p:cNvPr id="4" name="Slide Number Placeholder 3"/>
-          <p:cNvSpPr>
-            <a:spLocks noGrp="1"/>
-          </p:cNvSpPr>
-          <p:nvPr>
-            <p:ph type="sldNum" sz="quarter" idx="5"/>
-          </p:nvPr>
-        </p:nvSpPr>
-        <p:spPr/>
-        <p:txBody>
-          <a:bodyPr/>
-          <a:lstStyle/>
-          <a:p>
-            <a:fld id="{8CCEF7D1-689C-4BC1-B59B-4A4CE078ECDF}" type="slidenum">
-              <a:rPr lang="en-US" smtClean="0"/>
-              <a:t>37</a:t>
-            </a:fld>
-            <a:endParaRPr lang="en-US"/>
-          </a:p>
-        </p:txBody>
-      </p:sp>
-    </p:spTree>
-    <p:extLst>
-      <p:ext uri="{BB962C8B-B14F-4D97-AF65-F5344CB8AC3E}">
-        <p14:creationId xmlns:p14="http://schemas.microsoft.com/office/powerpoint/2010/main" val="2244068875"/>
-      </p:ext>
-    </p:extLst>
-  </p:cSld>
-  <p:clrMapOvr>
-    <a:masterClrMapping/>
-  </p:clrMapOvr>
-</p:notes>
-</file>
-
-<file path=ppt/notesSlides/notesSlide25.xml><?xml version="1.0" encoding="utf-8"?>
-<p:notes xmlns:a="http://schemas.openxmlformats.org/drawingml/2006/main" xmlns:r="http://schemas.openxmlformats.org/officeDocument/2006/relationships" xmlns:p="http://schemas.openxmlformats.org/presentationml/2006/main">
-  <p:cSld>
-    <p:spTree>
-      <p:nvGrpSpPr>
-        <p:cNvPr id="1" name=""/>
-        <p:cNvGrpSpPr/>
-        <p:nvPr/>
-      </p:nvGrpSpPr>
-      <p:grpSpPr>
-        <a:xfrm>
-          <a:off x="0" y="0"/>
-          <a:ext cx="0" cy="0"/>
-          <a:chOff x="0" y="0"/>
-          <a:chExt cx="0" cy="0"/>
-        </a:xfrm>
-      </p:grpSpPr>
-      <p:sp>
-        <p:nvSpPr>
-          <p:cNvPr id="2" name="Slide Image Placeholder 1"/>
-          <p:cNvSpPr>
-            <a:spLocks noGrp="1" noRot="1" noChangeAspect="1"/>
-          </p:cNvSpPr>
-          <p:nvPr>
-            <p:ph type="sldImg"/>
-          </p:nvPr>
-        </p:nvSpPr>
-        <p:spPr/>
-      </p:sp>
-      <p:sp>
-        <p:nvSpPr>
-          <p:cNvPr id="3" name="Notes Placeholder 2"/>
-          <p:cNvSpPr>
-            <a:spLocks noGrp="1"/>
-          </p:cNvSpPr>
-          <p:nvPr>
-            <p:ph type="body" idx="1"/>
-          </p:nvPr>
-        </p:nvSpPr>
-        <p:spPr/>
-        <p:txBody>
-          <a:bodyPr/>
-          <a:lstStyle/>
-          <a:p>
-            <a:pPr marL="0" marR="0" lvl="0" indent="0" algn="l" defTabSz="914400" rtl="0" eaLnBrk="1" fontAlgn="auto" latinLnBrk="0" hangingPunct="1">
-              <a:lnSpc>
-                <a:spcPct val="100000"/>
-              </a:lnSpc>
-              <a:spcBef>
-                <a:spcPts val="0"/>
-              </a:spcBef>
-              <a:spcAft>
-                <a:spcPts val="0"/>
-              </a:spcAft>
-              <a:buClrTx/>
-              <a:buSzTx/>
-              <a:buFontTx/>
-              <a:buNone/>
-              <a:tabLst/>
-              <a:defRPr/>
-            </a:pPr>
-            <a:endParaRPr lang="en-US" sz="1200" dirty="0"/>
-          </a:p>
-        </p:txBody>
-      </p:sp>
-      <p:sp>
-        <p:nvSpPr>
-          <p:cNvPr id="4" name="Slide Number Placeholder 3"/>
-          <p:cNvSpPr>
-            <a:spLocks noGrp="1"/>
-          </p:cNvSpPr>
-          <p:nvPr>
-            <p:ph type="sldNum" sz="quarter" idx="5"/>
-          </p:nvPr>
-        </p:nvSpPr>
-        <p:spPr/>
-        <p:txBody>
-          <a:bodyPr/>
-          <a:lstStyle/>
-          <a:p>
-            <a:fld id="{8CCEF7D1-689C-4BC1-B59B-4A4CE078ECDF}" type="slidenum">
-              <a:rPr lang="en-US" smtClean="0"/>
-              <a:t>38</a:t>
-            </a:fld>
-            <a:endParaRPr lang="en-US"/>
-          </a:p>
-        </p:txBody>
-      </p:sp>
-    </p:spTree>
-    <p:extLst>
-      <p:ext uri="{BB962C8B-B14F-4D97-AF65-F5344CB8AC3E}">
-        <p14:creationId xmlns:p14="http://schemas.microsoft.com/office/powerpoint/2010/main" val="1312453022"/>
-      </p:ext>
-    </p:extLst>
-  </p:cSld>
-  <p:clrMapOvr>
-    <a:masterClrMapping/>
-  </p:clrMapOvr>
-</p:notes>
-</file>
-
-<file path=ppt/notesSlides/notesSlide26.xml><?xml version="1.0" encoding="utf-8"?>
-<p:notes xmlns:a="http://schemas.openxmlformats.org/drawingml/2006/main" xmlns:r="http://schemas.openxmlformats.org/officeDocument/2006/relationships" xmlns:p="http://schemas.openxmlformats.org/presentationml/2006/main">
-  <p:cSld>
-    <p:spTree>
-      <p:nvGrpSpPr>
-        <p:cNvPr id="1" name=""/>
-        <p:cNvGrpSpPr/>
-        <p:nvPr/>
-      </p:nvGrpSpPr>
-      <p:grpSpPr>
-        <a:xfrm>
-          <a:off x="0" y="0"/>
-          <a:ext cx="0" cy="0"/>
-          <a:chOff x="0" y="0"/>
-          <a:chExt cx="0" cy="0"/>
-        </a:xfrm>
-      </p:grpSpPr>
-      <p:sp>
-        <p:nvSpPr>
-          <p:cNvPr id="2" name="Slide Image Placeholder 1"/>
-          <p:cNvSpPr>
-            <a:spLocks noGrp="1" noRot="1" noChangeAspect="1"/>
-          </p:cNvSpPr>
-          <p:nvPr>
-            <p:ph type="sldImg"/>
-          </p:nvPr>
-        </p:nvSpPr>
-        <p:spPr/>
-      </p:sp>
-      <p:sp>
-        <p:nvSpPr>
-          <p:cNvPr id="3" name="Notes Placeholder 2"/>
-          <p:cNvSpPr>
-            <a:spLocks noGrp="1"/>
-          </p:cNvSpPr>
-          <p:nvPr>
-            <p:ph type="body" idx="1"/>
-          </p:nvPr>
-        </p:nvSpPr>
-        <p:spPr/>
-        <p:txBody>
-          <a:bodyPr/>
-          <a:lstStyle/>
-          <a:p>
-            <a:pPr marL="0" marR="0" lvl="0" indent="0" algn="l" defTabSz="914400" rtl="0" eaLnBrk="1" fontAlgn="auto" latinLnBrk="0" hangingPunct="1">
-              <a:lnSpc>
-                <a:spcPct val="100000"/>
-              </a:lnSpc>
-              <a:spcBef>
-                <a:spcPts val="0"/>
-              </a:spcBef>
-              <a:spcAft>
-                <a:spcPts val="0"/>
-              </a:spcAft>
-              <a:buClrTx/>
-              <a:buSzTx/>
-              <a:buFontTx/>
-              <a:buNone/>
-              <a:tabLst/>
-              <a:defRPr/>
-            </a:pPr>
-            <a:endParaRPr lang="en-US" sz="1200" dirty="0"/>
-          </a:p>
-        </p:txBody>
-      </p:sp>
-      <p:sp>
-        <p:nvSpPr>
-          <p:cNvPr id="4" name="Slide Number Placeholder 3"/>
-          <p:cNvSpPr>
-            <a:spLocks noGrp="1"/>
-          </p:cNvSpPr>
-          <p:nvPr>
-            <p:ph type="sldNum" sz="quarter" idx="5"/>
-          </p:nvPr>
-        </p:nvSpPr>
-        <p:spPr/>
-        <p:txBody>
-          <a:bodyPr/>
-          <a:lstStyle/>
-          <a:p>
-            <a:fld id="{8CCEF7D1-689C-4BC1-B59B-4A4CE078ECDF}" type="slidenum">
-              <a:rPr lang="en-US" smtClean="0"/>
-              <a:t>39</a:t>
-            </a:fld>
-            <a:endParaRPr lang="en-US"/>
-          </a:p>
-        </p:txBody>
-      </p:sp>
-    </p:spTree>
-    <p:extLst>
-      <p:ext uri="{BB962C8B-B14F-4D97-AF65-F5344CB8AC3E}">
-        <p14:creationId xmlns:p14="http://schemas.microsoft.com/office/powerpoint/2010/main" val="2046387221"/>
-      </p:ext>
-    </p:extLst>
-  </p:cSld>
-  <p:clrMapOvr>
-    <a:masterClrMapping/>
-  </p:clrMapOvr>
-</p:notes>
-</file>
-
-<file path=ppt/notesSlides/notesSlide27.xml><?xml version="1.0" encoding="utf-8"?>
-<p:notes xmlns:a="http://schemas.openxmlformats.org/drawingml/2006/main" xmlns:r="http://schemas.openxmlformats.org/officeDocument/2006/relationships" xmlns:p="http://schemas.openxmlformats.org/presentationml/2006/main">
-  <p:cSld>
-    <p:spTree>
-      <p:nvGrpSpPr>
-        <p:cNvPr id="1" name=""/>
-        <p:cNvGrpSpPr/>
-        <p:nvPr/>
-      </p:nvGrpSpPr>
-      <p:grpSpPr>
-        <a:xfrm>
-          <a:off x="0" y="0"/>
-          <a:ext cx="0" cy="0"/>
-          <a:chOff x="0" y="0"/>
-          <a:chExt cx="0" cy="0"/>
-        </a:xfrm>
-      </p:grpSpPr>
-      <p:sp>
-        <p:nvSpPr>
-          <p:cNvPr id="2" name="Slide Image Placeholder 1"/>
-          <p:cNvSpPr>
-            <a:spLocks noGrp="1" noRot="1" noChangeAspect="1"/>
-          </p:cNvSpPr>
-          <p:nvPr>
-            <p:ph type="sldImg"/>
-          </p:nvPr>
-        </p:nvSpPr>
-        <p:spPr/>
-      </p:sp>
-      <p:sp>
-        <p:nvSpPr>
-          <p:cNvPr id="3" name="Notes Placeholder 2"/>
-          <p:cNvSpPr>
-            <a:spLocks noGrp="1"/>
-          </p:cNvSpPr>
-          <p:nvPr>
-            <p:ph type="body" idx="1"/>
-          </p:nvPr>
-        </p:nvSpPr>
-        <p:spPr/>
-        <p:txBody>
-          <a:bodyPr/>
-          <a:lstStyle/>
-          <a:p>
-            <a:pPr marL="0" marR="0" lvl="0" indent="0" algn="l" defTabSz="914400" rtl="0" eaLnBrk="1" fontAlgn="auto" latinLnBrk="0" hangingPunct="1">
-              <a:lnSpc>
-                <a:spcPct val="100000"/>
-              </a:lnSpc>
-              <a:spcBef>
-                <a:spcPts val="0"/>
-              </a:spcBef>
-              <a:spcAft>
-                <a:spcPts val="0"/>
-              </a:spcAft>
-              <a:buClrTx/>
-              <a:buSzTx/>
-              <a:buFontTx/>
-              <a:buNone/>
-              <a:tabLst/>
-              <a:defRPr/>
-            </a:pPr>
-            <a:endParaRPr lang="en-US" sz="1200" dirty="0"/>
-          </a:p>
-        </p:txBody>
-      </p:sp>
-      <p:sp>
-        <p:nvSpPr>
-          <p:cNvPr id="4" name="Slide Number Placeholder 3"/>
-          <p:cNvSpPr>
-            <a:spLocks noGrp="1"/>
-          </p:cNvSpPr>
-          <p:nvPr>
-            <p:ph type="sldNum" sz="quarter" idx="5"/>
-          </p:nvPr>
-        </p:nvSpPr>
-        <p:spPr/>
-        <p:txBody>
-          <a:bodyPr/>
-          <a:lstStyle/>
-          <a:p>
-            <a:fld id="{8CCEF7D1-689C-4BC1-B59B-4A4CE078ECDF}" type="slidenum">
-              <a:rPr lang="en-US" smtClean="0"/>
-              <a:t>40</a:t>
-            </a:fld>
-            <a:endParaRPr lang="en-US"/>
-          </a:p>
-        </p:txBody>
-      </p:sp>
-    </p:spTree>
-    <p:extLst>
-      <p:ext uri="{BB962C8B-B14F-4D97-AF65-F5344CB8AC3E}">
-        <p14:creationId xmlns:p14="http://schemas.microsoft.com/office/powerpoint/2010/main" val="1502627500"/>
-      </p:ext>
-    </p:extLst>
-  </p:cSld>
-  <p:clrMapOvr>
-    <a:masterClrMapping/>
-  </p:clrMapOvr>
-</p:notes>
-</file>
-
-<file path=ppt/notesSlides/notesSlide28.xml><?xml version="1.0" encoding="utf-8"?>
-<p:notes xmlns:a="http://schemas.openxmlformats.org/drawingml/2006/main" xmlns:r="http://schemas.openxmlformats.org/officeDocument/2006/relationships" xmlns:p="http://schemas.openxmlformats.org/presentationml/2006/main">
-  <p:cSld>
-    <p:spTree>
-      <p:nvGrpSpPr>
-        <p:cNvPr id="1" name=""/>
-        <p:cNvGrpSpPr/>
-        <p:nvPr/>
-      </p:nvGrpSpPr>
-      <p:grpSpPr>
-        <a:xfrm>
-          <a:off x="0" y="0"/>
-          <a:ext cx="0" cy="0"/>
-          <a:chOff x="0" y="0"/>
-          <a:chExt cx="0" cy="0"/>
-        </a:xfrm>
-      </p:grpSpPr>
-      <p:sp>
-        <p:nvSpPr>
-          <p:cNvPr id="2" name="Slide Image Placeholder 1"/>
-          <p:cNvSpPr>
-            <a:spLocks noGrp="1" noRot="1" noChangeAspect="1"/>
-          </p:cNvSpPr>
-          <p:nvPr>
-            <p:ph type="sldImg"/>
-          </p:nvPr>
-        </p:nvSpPr>
-        <p:spPr/>
-      </p:sp>
-      <p:sp>
-        <p:nvSpPr>
-          <p:cNvPr id="3" name="Notes Placeholder 2"/>
-          <p:cNvSpPr>
-            <a:spLocks noGrp="1"/>
-          </p:cNvSpPr>
-          <p:nvPr>
-            <p:ph type="body" idx="1"/>
-          </p:nvPr>
-        </p:nvSpPr>
-        <p:spPr/>
-        <p:txBody>
-          <a:bodyPr/>
-          <a:lstStyle/>
-          <a:p>
-            <a:pPr marL="0" marR="0" lvl="0" indent="0" algn="l" defTabSz="914400" rtl="0" eaLnBrk="1" fontAlgn="auto" latinLnBrk="0" hangingPunct="1">
-              <a:lnSpc>
-                <a:spcPct val="100000"/>
-              </a:lnSpc>
-              <a:spcBef>
-                <a:spcPts val="0"/>
-              </a:spcBef>
-              <a:spcAft>
-                <a:spcPts val="0"/>
-              </a:spcAft>
-              <a:buClrTx/>
-              <a:buSzTx/>
-              <a:buFont typeface="Arial" panose="020B0604020202020204" pitchFamily="34" charset="0"/>
-              <a:buNone/>
-              <a:tabLst/>
-              <a:defRPr/>
-            </a:pPr>
-            <a:endParaRPr lang="en-US" dirty="0"/>
-          </a:p>
-        </p:txBody>
-      </p:sp>
-      <p:sp>
-        <p:nvSpPr>
-          <p:cNvPr id="4" name="Slide Number Placeholder 3"/>
-          <p:cNvSpPr>
-            <a:spLocks noGrp="1"/>
-          </p:cNvSpPr>
-          <p:nvPr>
-            <p:ph type="sldNum" sz="quarter" idx="5"/>
-          </p:nvPr>
-        </p:nvSpPr>
-        <p:spPr/>
-        <p:txBody>
-          <a:bodyPr/>
-          <a:lstStyle/>
-          <a:p>
-            <a:fld id="{8CCEF7D1-689C-4BC1-B59B-4A4CE078ECDF}" type="slidenum">
-              <a:rPr lang="en-US" smtClean="0"/>
-              <a:t>41</a:t>
-            </a:fld>
-            <a:endParaRPr lang="en-US"/>
-          </a:p>
-        </p:txBody>
-      </p:sp>
-    </p:spTree>
-    <p:extLst>
-      <p:ext uri="{BB962C8B-B14F-4D97-AF65-F5344CB8AC3E}">
-        <p14:creationId xmlns:p14="http://schemas.microsoft.com/office/powerpoint/2010/main" val="1514023989"/>
-      </p:ext>
-    </p:extLst>
-  </p:cSld>
-  <p:clrMapOvr>
-    <a:masterClrMapping/>
-  </p:clrMapOvr>
-</p:notes>
-</file>
-
-<file path=ppt/notesSlides/notesSlide3.xml><?xml version="1.0" encoding="utf-8"?>
+<file path=ppt/notesSlides/notesSlide4.xml><?xml version="1.0" encoding="utf-8"?>
 <p:notes xmlns:a="http://schemas.openxmlformats.org/drawingml/2006/main" xmlns:r="http://schemas.openxmlformats.org/officeDocument/2006/relationships" xmlns:p="http://schemas.openxmlformats.org/presentationml/2006/main">
   <p:cSld>
     <p:spTree>
@@ -10863,7 +11260,7 @@
 </p:notes>
 </file>
 
-<file path=ppt/notesSlides/notesSlide4.xml><?xml version="1.0" encoding="utf-8"?>
+<file path=ppt/notesSlides/notesSlide5.xml><?xml version="1.0" encoding="utf-8"?>
 <p:notes xmlns:a="http://schemas.openxmlformats.org/drawingml/2006/main" xmlns:r="http://schemas.openxmlformats.org/officeDocument/2006/relationships" xmlns:p="http://schemas.openxmlformats.org/presentationml/2006/main">
   <p:cSld>
     <p:spTree>
@@ -10999,7 +11396,7 @@
 </p:notes>
 </file>
 
-<file path=ppt/notesSlides/notesSlide5.xml><?xml version="1.0" encoding="utf-8"?>
+<file path=ppt/notesSlides/notesSlide6.xml><?xml version="1.0" encoding="utf-8"?>
 <p:notes xmlns:a="http://schemas.openxmlformats.org/drawingml/2006/main" xmlns:r="http://schemas.openxmlformats.org/officeDocument/2006/relationships" xmlns:p="http://schemas.openxmlformats.org/presentationml/2006/main">
   <p:cSld>
     <p:spTree>
@@ -11099,7 +11496,7 @@
 </p:notes>
 </file>
 
-<file path=ppt/notesSlides/notesSlide6.xml><?xml version="1.0" encoding="utf-8"?>
+<file path=ppt/notesSlides/notesSlide7.xml><?xml version="1.0" encoding="utf-8"?>
 <p:notes xmlns:a="http://schemas.openxmlformats.org/drawingml/2006/main" xmlns:r="http://schemas.openxmlformats.org/officeDocument/2006/relationships" xmlns:p="http://schemas.openxmlformats.org/presentationml/2006/main">
   <p:cSld>
     <p:spTree>
@@ -11149,7 +11546,7 @@
             </a:pPr>
             <a:r>
               <a:rPr lang="en-US" dirty="0"/>
-              <a:t>Selected four core projects from different areas of the ecosystem</a:t>
+              <a:t>Four core projects from different areas of the ecosystem have ben selected</a:t>
             </a:r>
           </a:p>
           <a:p>
@@ -11159,7 +11556,7 @@
             </a:pPr>
             <a:r>
               <a:rPr lang="en-US" dirty="0"/>
-              <a:t>Training set covers 22k patches from 11/2011 to 07/2019. Reason: mature patches so we know error prone-ness</a:t>
+              <a:t>Training set covers 22k patches from 11/2011 to 07/2019. Reason: mature patches so we know if these patches are fix inducing or not</a:t>
             </a:r>
           </a:p>
           <a:p>
@@ -11179,7 +11576,17 @@
             </a:pPr>
             <a:r>
               <a:rPr lang="en-US" dirty="0"/>
-              <a:t>Recognize class imbalances since 90% of all reviews received a positive vote. This is expected since authors work with reviewers to continuously improve and amend their patch submissions, and reviewers get to re-vote</a:t>
+              <a:t>Recognize class imbalances since 90% of all reviews received a positive vote. This is expected since authors work with reviewers to continuously improve and amend their patch submissions, and reviewers get to re-vote.</a:t>
+            </a:r>
+          </a:p>
+          <a:p>
+            <a:pPr marL="171450" indent="-171450">
+              <a:buFont typeface="Arial" panose="020B0604020202020204" pitchFamily="34" charset="0"/>
+              <a:buChar char="•"/>
+            </a:pPr>
+            <a:r>
+              <a:rPr lang="en-US" dirty="0"/>
+              <a:t>Note that we only consider their final vote in our study</a:t>
             </a:r>
           </a:p>
           <a:p>
@@ -11230,7 +11637,7 @@
 </p:notes>
 </file>
 
-<file path=ppt/notesSlides/notesSlide7.xml><?xml version="1.0" encoding="utf-8"?>
+<file path=ppt/notesSlides/notesSlide8.xml><?xml version="1.0" encoding="utf-8"?>
 <p:notes xmlns:a="http://schemas.openxmlformats.org/drawingml/2006/main" xmlns:r="http://schemas.openxmlformats.org/officeDocument/2006/relationships" xmlns:p="http://schemas.openxmlformats.org/presentationml/2006/main">
   <p:cSld>
     <p:spTree>
@@ -11318,7 +11725,7 @@
 </p:notes>
 </file>
 
-<file path=ppt/notesSlides/notesSlide8.xml><?xml version="1.0" encoding="utf-8"?>
+<file path=ppt/notesSlides/notesSlide9.xml><?xml version="1.0" encoding="utf-8"?>
 <p:notes xmlns:a="http://schemas.openxmlformats.org/drawingml/2006/main" xmlns:r="http://schemas.openxmlformats.org/officeDocument/2006/relationships" xmlns:p="http://schemas.openxmlformats.org/presentationml/2006/main">
   <p:cSld>
     <p:spTree>
@@ -11397,94 +11804,6 @@
     <p:extLst>
       <p:ext uri="{BB962C8B-B14F-4D97-AF65-F5344CB8AC3E}">
         <p14:creationId xmlns:p14="http://schemas.microsoft.com/office/powerpoint/2010/main" val="3493548538"/>
-      </p:ext>
-    </p:extLst>
-  </p:cSld>
-  <p:clrMapOvr>
-    <a:masterClrMapping/>
-  </p:clrMapOvr>
-</p:notes>
-</file>
-
-<file path=ppt/notesSlides/notesSlide9.xml><?xml version="1.0" encoding="utf-8"?>
-<p:notes xmlns:a="http://schemas.openxmlformats.org/drawingml/2006/main" xmlns:r="http://schemas.openxmlformats.org/officeDocument/2006/relationships" xmlns:p="http://schemas.openxmlformats.org/presentationml/2006/main">
-  <p:cSld>
-    <p:spTree>
-      <p:nvGrpSpPr>
-        <p:cNvPr id="1" name=""/>
-        <p:cNvGrpSpPr/>
-        <p:nvPr/>
-      </p:nvGrpSpPr>
-      <p:grpSpPr>
-        <a:xfrm>
-          <a:off x="0" y="0"/>
-          <a:ext cx="0" cy="0"/>
-          <a:chOff x="0" y="0"/>
-          <a:chExt cx="0" cy="0"/>
-        </a:xfrm>
-      </p:grpSpPr>
-      <p:sp>
-        <p:nvSpPr>
-          <p:cNvPr id="2" name="Slide Image Placeholder 1"/>
-          <p:cNvSpPr>
-            <a:spLocks noGrp="1" noRot="1" noChangeAspect="1"/>
-          </p:cNvSpPr>
-          <p:nvPr>
-            <p:ph type="sldImg"/>
-          </p:nvPr>
-        </p:nvSpPr>
-        <p:spPr/>
-      </p:sp>
-      <p:sp>
-        <p:nvSpPr>
-          <p:cNvPr id="3" name="Notes Placeholder 2"/>
-          <p:cNvSpPr>
-            <a:spLocks noGrp="1"/>
-          </p:cNvSpPr>
-          <p:nvPr>
-            <p:ph type="body" idx="1"/>
-          </p:nvPr>
-        </p:nvSpPr>
-        <p:spPr/>
-        <p:txBody>
-          <a:bodyPr/>
-          <a:lstStyle/>
-          <a:p>
-            <a:pPr marL="0" indent="0">
-              <a:buFont typeface="Arial" panose="020B0604020202020204" pitchFamily="34" charset="0"/>
-              <a:buNone/>
-            </a:pPr>
-            <a:endParaRPr lang="en-US" dirty="0"/>
-          </a:p>
-        </p:txBody>
-      </p:sp>
-      <p:sp>
-        <p:nvSpPr>
-          <p:cNvPr id="4" name="Slide Number Placeholder 3"/>
-          <p:cNvSpPr>
-            <a:spLocks noGrp="1"/>
-          </p:cNvSpPr>
-          <p:nvPr>
-            <p:ph type="sldNum" sz="quarter" idx="5"/>
-          </p:nvPr>
-        </p:nvSpPr>
-        <p:spPr/>
-        <p:txBody>
-          <a:bodyPr/>
-          <a:lstStyle/>
-          <a:p>
-            <a:fld id="{8CCEF7D1-689C-4BC1-B59B-4A4CE078ECDF}" type="slidenum">
-              <a:rPr lang="en-US" smtClean="0"/>
-              <a:t>18</a:t>
-            </a:fld>
-            <a:endParaRPr lang="en-US"/>
-          </a:p>
-        </p:txBody>
-      </p:sp>
-    </p:spTree>
-    <p:extLst>
-      <p:ext uri="{BB962C8B-B14F-4D97-AF65-F5344CB8AC3E}">
-        <p14:creationId xmlns:p14="http://schemas.microsoft.com/office/powerpoint/2010/main" val="3921939804"/>
       </p:ext>
     </p:extLst>
   </p:cSld>
@@ -11695,7 +12014,7 @@
           <a:p>
             <a:fld id="{DC7917BB-6DF7-854E-92DB-D8DA25D9FA03}" type="datetime1">
               <a:rPr lang="en-CA" smtClean="0"/>
-              <a:t>2021-04-07</a:t>
+              <a:t>2021-04-10</a:t>
             </a:fld>
             <a:endParaRPr lang="en-US" dirty="0"/>
           </a:p>
@@ -12469,7 +12788,7 @@
           <a:p>
             <a:fld id="{58557895-EC15-4C45-B762-63C678A3A9D0}" type="datetime1">
               <a:rPr lang="en-CA" smtClean="0"/>
-              <a:t>2021-04-07</a:t>
+              <a:t>2021-04-10</a:t>
             </a:fld>
             <a:endParaRPr lang="en-US" dirty="0"/>
           </a:p>
@@ -12611,7 +12930,7 @@
           <a:p>
             <a:fld id="{998740CD-074E-FF49-AACE-B4997F657EFD}" type="datetime1">
               <a:rPr lang="en-CA" smtClean="0"/>
-              <a:t>2021-04-07</a:t>
+              <a:t>2021-04-10</a:t>
             </a:fld>
             <a:endParaRPr lang="en-US" dirty="0"/>
           </a:p>
@@ -12727,7 +13046,7 @@
           <a:p>
             <a:fld id="{FE687D3C-DC15-F04E-B2B0-D15E39D492EB}" type="datetime1">
               <a:rPr lang="en-CA" smtClean="0"/>
-              <a:t>2021-04-07</a:t>
+              <a:t>2021-04-10</a:t>
             </a:fld>
             <a:endParaRPr lang="en-US" dirty="0"/>
           </a:p>
@@ -12848,7 +13167,7 @@
           <a:p>
             <a:fld id="{C351B015-9D30-B948-93C8-7D37F5387395}" type="datetime1">
               <a:rPr lang="en-CA" smtClean="0"/>
-              <a:t>2021-04-07</a:t>
+              <a:t>2021-04-10</a:t>
             </a:fld>
             <a:endParaRPr lang="en-US" dirty="0"/>
           </a:p>
@@ -13291,7 +13610,7 @@
           <a:p>
             <a:fld id="{09B12D55-E40C-8A4B-9CEB-F0C791B55A40}" type="datetime1">
               <a:rPr lang="en-CA" smtClean="0"/>
-              <a:t>2021-04-07</a:t>
+              <a:t>2021-04-10</a:t>
             </a:fld>
             <a:endParaRPr lang="en-US" dirty="0"/>
           </a:p>
@@ -13944,7 +14263,7 @@
           <a:p>
             <a:fld id="{5AAC82EC-E50D-B545-87E5-72819CD43632}" type="datetime1">
               <a:rPr lang="en-CA" smtClean="0"/>
-              <a:t>2021-04-07</a:t>
+              <a:t>2021-04-10</a:t>
             </a:fld>
             <a:endParaRPr lang="en-US" dirty="0"/>
           </a:p>
@@ -14624,7 +14943,7 @@
           <a:p>
             <a:fld id="{FB98AE29-273A-C942-BDEF-6D9667A0CA8B}" type="datetime1">
               <a:rPr lang="en-CA" smtClean="0"/>
-              <a:t>2021-04-07</a:t>
+              <a:t>2021-04-10</a:t>
             </a:fld>
             <a:endParaRPr lang="en-US" dirty="0"/>
           </a:p>
@@ -15119,7 +15438,7 @@
           <a:p>
             <a:fld id="{075971A1-A5B6-CF41-A5C0-A451047813B5}" type="datetime1">
               <a:rPr lang="en-CA" smtClean="0"/>
-              <a:t>2021-04-07</a:t>
+              <a:t>2021-04-10</a:t>
             </a:fld>
             <a:endParaRPr lang="en-US" dirty="0"/>
           </a:p>
@@ -15630,7 +15949,7 @@
           <a:p>
             <a:fld id="{40434EE3-C782-724D-81B5-A628DE358C16}" type="datetime1">
               <a:rPr lang="en-CA" smtClean="0"/>
-              <a:t>2021-04-07</a:t>
+              <a:t>2021-04-10</a:t>
             </a:fld>
             <a:endParaRPr lang="en-US" dirty="0"/>
           </a:p>
@@ -16094,7 +16413,7 @@
           <a:p>
             <a:fld id="{FDA6870B-52B9-354D-B028-A51558BD8855}" type="datetime1">
               <a:rPr lang="en-CA" smtClean="0"/>
-              <a:t>2021-04-07</a:t>
+              <a:t>2021-04-10</a:t>
             </a:fld>
             <a:endParaRPr lang="en-US" dirty="0"/>
           </a:p>
@@ -16654,7 +16973,7 @@
           <a:p>
             <a:fld id="{0C8A5569-309D-4343-BBB5-96128BE7EDE0}" type="datetime1">
               <a:rPr lang="en-CA" smtClean="0"/>
-              <a:t>2021-04-07</a:t>
+              <a:t>2021-04-10</a:t>
             </a:fld>
             <a:endParaRPr lang="en-US" dirty="0"/>
           </a:p>
@@ -17137,7 +17456,7 @@
           <a:p>
             <a:fld id="{C72F1449-45A5-9E43-A26A-FD41BA929709}" type="datetime1">
               <a:rPr lang="en-CA" smtClean="0"/>
-              <a:t>2021-04-07</a:t>
+              <a:t>2021-04-10</a:t>
             </a:fld>
             <a:endParaRPr lang="en-US" dirty="0"/>
           </a:p>
@@ -17600,7 +17919,7 @@
           <a:p>
             <a:fld id="{338E9E04-26E0-6A42-A514-047528B165CA}" type="datetime1">
               <a:rPr lang="en-CA" smtClean="0"/>
-              <a:t>2021-04-07</a:t>
+              <a:t>2021-04-10</a:t>
             </a:fld>
             <a:endParaRPr lang="en-US" dirty="0"/>
           </a:p>
@@ -18093,7 +18412,7 @@
           <a:p>
             <a:fld id="{DB6EFD4F-0AA5-5446-B2E4-F9488D9F70AC}" type="datetime1">
               <a:rPr lang="en-CA" smtClean="0"/>
-              <a:t>2021-04-07</a:t>
+              <a:t>2021-04-10</a:t>
             </a:fld>
             <a:endParaRPr lang="en-US" dirty="0"/>
           </a:p>
@@ -18762,7 +19081,7 @@
           <a:p>
             <a:fld id="{A0A8FEFA-7E17-7F42-BB6E-1735D0CFAC47}" type="datetime1">
               <a:rPr lang="en-CA" smtClean="0"/>
-              <a:t>2021-04-07</a:t>
+              <a:t>2021-04-10</a:t>
             </a:fld>
             <a:endParaRPr lang="en-US" dirty="0"/>
           </a:p>
@@ -19353,7 +19672,7 @@
           <a:p>
             <a:fld id="{F4DD9439-AABF-8548-80E9-8E821EC0ECA3}" type="datetime1">
               <a:rPr lang="en-CA" smtClean="0"/>
-              <a:t>2021-04-07</a:t>
+              <a:t>2021-04-10</a:t>
             </a:fld>
             <a:endParaRPr lang="en-US" dirty="0"/>
           </a:p>
@@ -19854,7 +20173,7 @@
           <a:p>
             <a:fld id="{1C35DB30-A7B9-734D-851A-ECBA2590489B}" type="datetime1">
               <a:rPr lang="en-CA" smtClean="0"/>
-              <a:t>2021-04-07</a:t>
+              <a:t>2021-04-10</a:t>
             </a:fld>
             <a:endParaRPr lang="en-US" dirty="0"/>
           </a:p>
@@ -20156,7 +20475,7 @@
           <a:p>
             <a:fld id="{559D1681-13A5-6F4B-98CE-441396386F8B}" type="datetime1">
               <a:rPr lang="en-CA" smtClean="0"/>
-              <a:t>2021-04-07</a:t>
+              <a:t>2021-04-10</a:t>
             </a:fld>
             <a:endParaRPr lang="en-US" dirty="0"/>
           </a:p>
@@ -20469,7 +20788,7 @@
           <a:p>
             <a:fld id="{7272E0A2-0B0C-9340-AC54-045719FDF1BA}" type="datetime1">
               <a:rPr lang="en-CA" smtClean="0"/>
-              <a:t>2021-04-07</a:t>
+              <a:t>2021-04-10</a:t>
             </a:fld>
             <a:endParaRPr lang="en-US" dirty="0"/>
           </a:p>
@@ -20709,7 +21028,7 @@
           <a:p>
             <a:fld id="{509E0399-4360-544A-B5AA-9E7CE802FF3F}" type="datetime1">
               <a:rPr lang="en-CA" smtClean="0"/>
-              <a:t>2021-04-07</a:t>
+              <a:t>2021-04-10</a:t>
             </a:fld>
             <a:endParaRPr lang="en-US" dirty="0"/>
           </a:p>
@@ -21332,7 +21651,7 @@
           <a:p>
             <a:fld id="{5C8D27C2-06A7-5A41-9C4E-398C3792E814}" type="datetime1">
               <a:rPr lang="en-CA" smtClean="0"/>
-              <a:t>2021-04-07</a:t>
+              <a:t>2021-04-10</a:t>
             </a:fld>
             <a:endParaRPr lang="en-US" dirty="0"/>
           </a:p>
@@ -21603,7 +21922,7 @@
           <a:p>
             <a:fld id="{9B80B52C-AEC2-784F-9F3E-5953075CD258}" type="datetime1">
               <a:rPr lang="en-CA" smtClean="0"/>
-              <a:t>2021-04-07</a:t>
+              <a:t>2021-04-10</a:t>
             </a:fld>
             <a:endParaRPr lang="en-US" dirty="0"/>
           </a:p>
@@ -23821,6 +24140,90 @@
           </a:graphicData>
         </a:graphic>
       </p:graphicFrame>
+      <p:sp>
+        <p:nvSpPr>
+          <p:cNvPr id="3" name="TextBox 2">
+            <a:extLst>
+              <a:ext uri="{FF2B5EF4-FFF2-40B4-BE49-F238E27FC236}">
+                <a16:creationId xmlns:a16="http://schemas.microsoft.com/office/drawing/2014/main" id="{A91D27F1-C320-194E-8D2B-089DA25D255F}"/>
+              </a:ext>
+            </a:extLst>
+          </p:cNvPr>
+          <p:cNvSpPr txBox="1"/>
+          <p:nvPr/>
+        </p:nvSpPr>
+        <p:spPr>
+          <a:xfrm>
+            <a:off x="1030672" y="4722125"/>
+            <a:ext cx="928048" cy="369332"/>
+          </a:xfrm>
+          <a:prstGeom prst="rect">
+            <a:avLst/>
+          </a:prstGeom>
+          <a:noFill/>
+        </p:spPr>
+        <p:txBody>
+          <a:bodyPr wrap="square" rtlCol="0">
+            <a:spAutoFit/>
+          </a:bodyPr>
+          <a:lstStyle/>
+          <a:p>
+            <a:r>
+              <a:rPr lang="en-US" dirty="0"/>
+              <a:t>RQ1 </a:t>
+            </a:r>
+            <a:r>
+              <a:rPr lang="en-US" dirty="0">
+                <a:sym typeface="Wingdings" pitchFamily="2" charset="2"/>
+              </a:rPr>
+              <a:t></a:t>
+            </a:r>
+            <a:endParaRPr lang="en-US" dirty="0"/>
+          </a:p>
+        </p:txBody>
+      </p:sp>
+      <p:sp>
+        <p:nvSpPr>
+          <p:cNvPr id="8" name="TextBox 7">
+            <a:extLst>
+              <a:ext uri="{FF2B5EF4-FFF2-40B4-BE49-F238E27FC236}">
+                <a16:creationId xmlns:a16="http://schemas.microsoft.com/office/drawing/2014/main" id="{B74535DF-BDE1-E743-81D5-5DB6BBBC62DA}"/>
+              </a:ext>
+            </a:extLst>
+          </p:cNvPr>
+          <p:cNvSpPr txBox="1"/>
+          <p:nvPr/>
+        </p:nvSpPr>
+        <p:spPr>
+          <a:xfrm>
+            <a:off x="1030672" y="5456374"/>
+            <a:ext cx="928048" cy="369332"/>
+          </a:xfrm>
+          <a:prstGeom prst="rect">
+            <a:avLst/>
+          </a:prstGeom>
+          <a:noFill/>
+        </p:spPr>
+        <p:txBody>
+          <a:bodyPr wrap="square" rtlCol="0">
+            <a:spAutoFit/>
+          </a:bodyPr>
+          <a:lstStyle/>
+          <a:p>
+            <a:r>
+              <a:rPr lang="en-US" dirty="0"/>
+              <a:t>RQ2 </a:t>
+            </a:r>
+            <a:r>
+              <a:rPr lang="en-US" dirty="0">
+                <a:sym typeface="Wingdings" pitchFamily="2" charset="2"/>
+              </a:rPr>
+              <a:t></a:t>
+            </a:r>
+            <a:endParaRPr lang="en-US" dirty="0"/>
+          </a:p>
+        </p:txBody>
+      </p:sp>
     </p:spTree>
     <p:extLst>
       <p:ext uri="{BB962C8B-B14F-4D97-AF65-F5344CB8AC3E}">
@@ -28179,8 +28582,8 @@
           </a:xfrm>
           <a:prstGeom prst="wedgeRoundRectCallout">
             <a:avLst>
-              <a:gd name="adj1" fmla="val -79014"/>
-              <a:gd name="adj2" fmla="val 38539"/>
+              <a:gd name="adj1" fmla="val -79448"/>
+              <a:gd name="adj2" fmla="val 55235"/>
               <a:gd name="adj3" fmla="val 16667"/>
             </a:avLst>
           </a:prstGeom>
@@ -29635,7 +30038,7 @@
           <p:nvPr/>
         </p:nvPicPr>
         <p:blipFill>
-          <a:blip r:embed="rId2">
+          <a:blip r:embed="rId3">
             <a:extLst>
               <a:ext uri="{28A0092B-C50C-407E-A947-70E740481C1C}">
                 <a14:useLocalDpi xmlns:a14="http://schemas.microsoft.com/office/drawing/2010/main" val="0"/>
@@ -31200,7 +31603,7 @@
             <p:ph sz="half" idx="1"/>
             <p:extLst>
               <p:ext uri="{D42A27DB-BD31-4B8C-83A1-F6EECF244321}">
-                <p14:modId xmlns:p14="http://schemas.microsoft.com/office/powerpoint/2010/main" val="791806286"/>
+                <p14:modId xmlns:p14="http://schemas.microsoft.com/office/powerpoint/2010/main" val="3715992522"/>
               </p:ext>
             </p:extLst>
           </p:nvPr>
@@ -32297,13 +32700,13 @@
         </p:nvSpPr>
         <p:spPr>
           <a:xfrm>
-            <a:off x="4548808" y="3089646"/>
+            <a:off x="4565373" y="3089647"/>
             <a:ext cx="3147392" cy="1389588"/>
           </a:xfrm>
           <a:prstGeom prst="wedgeRoundRectCallout">
             <a:avLst>
-              <a:gd name="adj1" fmla="val 62039"/>
-              <a:gd name="adj2" fmla="val 29956"/>
+              <a:gd name="adj1" fmla="val 64565"/>
+              <a:gd name="adj2" fmla="val -94022"/>
               <a:gd name="adj3" fmla="val 16667"/>
             </a:avLst>
           </a:prstGeom>
@@ -32328,7 +32731,7 @@
           <a:p>
             <a:r>
               <a:rPr lang="en-US" dirty="0"/>
-              <a:t>% of patches the author has written that were also reviewed by the reviewer</a:t>
+              <a:t>Reviewer has authored/reviewed the prior commits</a:t>
             </a:r>
           </a:p>
         </p:txBody>
@@ -32336,7 +32739,7 @@
     </p:spTree>
     <p:extLst>
       <p:ext uri="{BB962C8B-B14F-4D97-AF65-F5344CB8AC3E}">
-        <p14:creationId xmlns:p14="http://schemas.microsoft.com/office/powerpoint/2010/main" val="2301795445"/>
+        <p14:creationId xmlns:p14="http://schemas.microsoft.com/office/powerpoint/2010/main" val="3534344256"/>
       </p:ext>
     </p:extLst>
   </p:cSld>
@@ -32498,7 +32901,7 @@
             <p:ph sz="half" idx="1"/>
             <p:extLst>
               <p:ext uri="{D42A27DB-BD31-4B8C-83A1-F6EECF244321}">
-                <p14:modId xmlns:p14="http://schemas.microsoft.com/office/powerpoint/2010/main" val="3715992522"/>
+                <p14:modId xmlns:p14="http://schemas.microsoft.com/office/powerpoint/2010/main" val="791806286"/>
               </p:ext>
             </p:extLst>
           </p:nvPr>
@@ -33595,13 +33998,13 @@
         </p:nvSpPr>
         <p:spPr>
           <a:xfrm>
-            <a:off x="4565373" y="3089647"/>
+            <a:off x="4548808" y="3089646"/>
             <a:ext cx="3147392" cy="1389588"/>
           </a:xfrm>
           <a:prstGeom prst="wedgeRoundRectCallout">
             <a:avLst>
-              <a:gd name="adj1" fmla="val 64565"/>
-              <a:gd name="adj2" fmla="val -94022"/>
+              <a:gd name="adj1" fmla="val 62039"/>
+              <a:gd name="adj2" fmla="val 29956"/>
               <a:gd name="adj3" fmla="val 16667"/>
             </a:avLst>
           </a:prstGeom>
@@ -33626,7 +34029,7 @@
           <a:p>
             <a:r>
               <a:rPr lang="en-US" dirty="0"/>
-              <a:t>Reviewer has authored/reviewed prior commits</a:t>
+              <a:t>% of patches the author has written that were also reviewed by the reviewer</a:t>
             </a:r>
           </a:p>
         </p:txBody>
@@ -33634,7 +34037,7 @@
     </p:spTree>
     <p:extLst>
       <p:ext uri="{BB962C8B-B14F-4D97-AF65-F5344CB8AC3E}">
-        <p14:creationId xmlns:p14="http://schemas.microsoft.com/office/powerpoint/2010/main" val="3534344256"/>
+        <p14:creationId xmlns:p14="http://schemas.microsoft.com/office/powerpoint/2010/main" val="2301795445"/>
       </p:ext>
     </p:extLst>
   </p:cSld>
@@ -33835,7 +34238,7 @@
           <p:nvPr>
             <p:extLst>
               <p:ext uri="{D42A27DB-BD31-4B8C-83A1-F6EECF244321}">
-                <p14:modId xmlns:p14="http://schemas.microsoft.com/office/powerpoint/2010/main" val="1282391454"/>
+                <p14:modId xmlns:p14="http://schemas.microsoft.com/office/powerpoint/2010/main" val="4098318161"/>
               </p:ext>
             </p:extLst>
           </p:nvPr>
@@ -34038,7 +34441,11 @@
                     <a:p>
                       <a:pPr algn="ctr"/>
                       <a:r>
-                        <a:rPr lang="en-US" dirty="0"/>
+                        <a:rPr lang="en-US" dirty="0">
+                          <a:highlight>
+                            <a:srgbClr val="FFFF00"/>
+                          </a:highlight>
+                        </a:rPr>
                         <a:t># Prior Commits</a:t>
                       </a:r>
                     </a:p>
@@ -34052,7 +34459,11 @@
                     <a:p>
                       <a:pPr algn="ctr"/>
                       <a:r>
-                        <a:rPr lang="en-US" dirty="0"/>
+                        <a:rPr lang="en-US" dirty="0">
+                          <a:highlight>
+                            <a:srgbClr val="FFFF00"/>
+                          </a:highlight>
+                        </a:rPr>
                         <a:t># Lines Deleted</a:t>
                       </a:r>
                     </a:p>
@@ -34180,7 +34591,11 @@
                     <a:p>
                       <a:pPr algn="ctr"/>
                       <a:r>
-                        <a:rPr lang="en-US" dirty="0"/>
+                        <a:rPr lang="en-US" dirty="0">
+                          <a:highlight>
+                            <a:srgbClr val="FFFF00"/>
+                          </a:highlight>
+                        </a:rPr>
                         <a:t># Prior Commits Bug Fixing</a:t>
                       </a:r>
                     </a:p>
@@ -34194,7 +34609,11 @@
                     <a:p>
                       <a:pPr algn="ctr"/>
                       <a:r>
-                        <a:rPr lang="en-US" dirty="0"/>
+                        <a:rPr lang="en-US" dirty="0">
+                          <a:highlight>
+                            <a:srgbClr val="FFFF00"/>
+                          </a:highlight>
+                        </a:rPr>
                         <a:t># Lines Deleted</a:t>
                       </a:r>
                     </a:p>
@@ -35520,7 +35939,7 @@
             <p:ph sz="half" idx="1"/>
             <p:extLst>
               <p:ext uri="{D42A27DB-BD31-4B8C-83A1-F6EECF244321}">
-                <p14:modId xmlns:p14="http://schemas.microsoft.com/office/powerpoint/2010/main" val="3460811871"/>
+                <p14:modId xmlns:p14="http://schemas.microsoft.com/office/powerpoint/2010/main" val="2199560467"/>
               </p:ext>
             </p:extLst>
           </p:nvPr>
@@ -35899,7 +36318,11 @@
                         <a:defRPr/>
                       </a:pPr>
                       <a:r>
-                        <a:rPr lang="en-US" dirty="0"/>
+                        <a:rPr lang="en-US" dirty="0">
+                          <a:highlight>
+                            <a:srgbClr val="FFFF00"/>
+                          </a:highlight>
+                        </a:rPr>
                         <a:t>1.14</a:t>
                       </a:r>
                     </a:p>
@@ -35984,7 +36407,11 @@
                         <a:defRPr/>
                       </a:pPr>
                       <a:r>
-                        <a:rPr lang="en-US" dirty="0"/>
+                        <a:rPr lang="en-US" dirty="0">
+                          <a:highlight>
+                            <a:srgbClr val="FFFF00"/>
+                          </a:highlight>
+                        </a:rPr>
                         <a:t>1.14</a:t>
                       </a:r>
                     </a:p>
@@ -36869,7 +37296,7 @@
           <a:p>
             <a:r>
               <a:rPr lang="en-US" sz="2400" dirty="0"/>
-              <a:t>Log-likelihood ratio tests assess the goodness of fit of two competing models based on the ratio of their likelihoods. Larger the LR, better the fit.</a:t>
+              <a:t>Log-likelihood ratio tests assess the goodness of fit of two competing models based on the ratio of their likelihoods. Large LR means the two models are different.</a:t>
             </a:r>
           </a:p>
         </p:txBody>
@@ -38125,7 +38552,7 @@
 </file>
 
 <file path=ppt/slides/slide29.xml><?xml version="1.0" encoding="utf-8"?>
-<p:sld xmlns:a="http://schemas.openxmlformats.org/drawingml/2006/main" xmlns:r="http://schemas.openxmlformats.org/officeDocument/2006/relationships" xmlns:p="http://schemas.openxmlformats.org/presentationml/2006/main">
+<p:sld xmlns:a="http://schemas.openxmlformats.org/drawingml/2006/main" xmlns:r="http://schemas.openxmlformats.org/officeDocument/2006/relationships" xmlns:p="http://schemas.openxmlformats.org/presentationml/2006/main" show="0">
   <p:cSld>
     <p:spTree>
       <p:nvGrpSpPr>
@@ -39337,13 +39764,13 @@
   <p:clrMapOvr>
     <a:masterClrMapping/>
   </p:clrMapOvr>
-  <mc:AlternateContent xmlns:mc="http://schemas.openxmlformats.org/markup-compatibility/2006" xmlns:p14="http://schemas.microsoft.com/office/powerpoint/2010/main">
-    <mc:Choice Requires="p14">
+  <mc:AlternateContent xmlns:mc="http://schemas.openxmlformats.org/markup-compatibility/2006">
+    <mc:Choice xmlns:p14="http://schemas.microsoft.com/office/powerpoint/2010/main" Requires="p14">
       <p:transition spd="med" p14:dur="700">
         <p:fade/>
       </p:transition>
     </mc:Choice>
-    <mc:Fallback xmlns="">
+    <mc:Fallback>
       <p:transition spd="med">
         <p:fade/>
       </p:transition>
@@ -39679,7 +40106,7 @@
         </p:nvSpPr>
         <p:spPr>
           <a:xfrm>
-            <a:off x="259883" y="434108"/>
+            <a:off x="259881" y="597159"/>
             <a:ext cx="11569729" cy="895927"/>
           </a:xfrm>
         </p:spPr>
@@ -39691,62 +40118,7 @@
           <a:p>
             <a:r>
               <a:rPr lang="en-US" dirty="0"/>
-              <a:t>RQ1 Conclusion</a:t>
-            </a:r>
-          </a:p>
-        </p:txBody>
-      </p:sp>
-      <p:sp>
-        <p:nvSpPr>
-          <p:cNvPr id="3" name="Content Placeholder 2"/>
-          <p:cNvSpPr>
-            <a:spLocks noGrp="1"/>
-          </p:cNvSpPr>
-          <p:nvPr>
-            <p:ph sz="half" idx="1"/>
-          </p:nvPr>
-        </p:nvSpPr>
-        <p:spPr>
-          <a:xfrm>
-            <a:off x="259882" y="1413164"/>
-            <a:ext cx="11569729" cy="4590472"/>
-          </a:xfrm>
-        </p:spPr>
-        <p:txBody>
-          <a:bodyPr anchor="ctr">
-            <a:normAutofit/>
-          </a:bodyPr>
-          <a:lstStyle/>
-          <a:p>
-            <a:pPr marL="0" indent="0">
-              <a:buNone/>
-            </a:pPr>
-            <a:r>
-              <a:rPr lang="en-US" dirty="0"/>
-              <a:t>Review dynamics, particularly the </a:t>
-            </a:r>
-            <a:r>
-              <a:rPr lang="en-US" b="1" dirty="0"/>
-              <a:t>proportion of prior positive votes</a:t>
-            </a:r>
-            <a:r>
-              <a:rPr lang="en-US" dirty="0"/>
-              <a:t> have a significant impact on the evaluation decision of a reviewer.</a:t>
-            </a:r>
-          </a:p>
-          <a:p>
-            <a:pPr marL="0" indent="0">
-              <a:buNone/>
-            </a:pPr>
-            <a:endParaRPr lang="en-US" dirty="0"/>
-          </a:p>
-          <a:p>
-            <a:pPr marL="0" indent="0">
-              <a:buNone/>
-            </a:pPr>
-            <a:r>
-              <a:rPr lang="en-US" dirty="0"/>
-              <a:t>However, we do not observe significant association between the relationship (interaction frequency) with the patch author and the evaluation decision of a reviewer.</a:t>
+              <a:t>We validate the final model against the unseen project</a:t>
             </a:r>
           </a:p>
         </p:txBody>
@@ -39829,6 +40201,448 @@
           </a:p>
         </p:txBody>
       </p:sp>
+      <p:graphicFrame>
+        <p:nvGraphicFramePr>
+          <p:cNvPr id="8" name="Table 8">
+            <a:extLst>
+              <a:ext uri="{FF2B5EF4-FFF2-40B4-BE49-F238E27FC236}">
+                <a16:creationId xmlns:a16="http://schemas.microsoft.com/office/drawing/2014/main" id="{1B2293EE-DA44-0546-966F-577E586123A5}"/>
+              </a:ext>
+            </a:extLst>
+          </p:cNvPr>
+          <p:cNvGraphicFramePr>
+            <a:graphicFrameLocks noGrp="1"/>
+          </p:cNvGraphicFramePr>
+          <p:nvPr>
+            <p:ph sz="half" idx="1"/>
+            <p:extLst>
+              <p:ext uri="{D42A27DB-BD31-4B8C-83A1-F6EECF244321}">
+                <p14:modId xmlns:p14="http://schemas.microsoft.com/office/powerpoint/2010/main" val="1987522357"/>
+              </p:ext>
+            </p:extLst>
+          </p:nvPr>
+        </p:nvGraphicFramePr>
+        <p:xfrm>
+          <a:off x="3452766" y="1493086"/>
+          <a:ext cx="5183958" cy="1010920"/>
+        </p:xfrm>
+        <a:graphic>
+          <a:graphicData uri="http://schemas.openxmlformats.org/drawingml/2006/table">
+            <a:tbl>
+              <a:tblPr firstRow="1" bandRow="1">
+                <a:tableStyleId>{5C22544A-7EE6-4342-B048-85BDC9FD1C3A}</a:tableStyleId>
+              </a:tblPr>
+              <a:tblGrid>
+                <a:gridCol w="2303958">
+                  <a:extLst>
+                    <a:ext uri="{9D8B030D-6E8A-4147-A177-3AD203B41FA5}">
+                      <a16:colId xmlns:a16="http://schemas.microsoft.com/office/drawing/2014/main" val="932007774"/>
+                    </a:ext>
+                  </a:extLst>
+                </a:gridCol>
+                <a:gridCol w="1440000">
+                  <a:extLst>
+                    <a:ext uri="{9D8B030D-6E8A-4147-A177-3AD203B41FA5}">
+                      <a16:colId xmlns:a16="http://schemas.microsoft.com/office/drawing/2014/main" val="3414600659"/>
+                    </a:ext>
+                  </a:extLst>
+                </a:gridCol>
+                <a:gridCol w="1440000">
+                  <a:extLst>
+                    <a:ext uri="{9D8B030D-6E8A-4147-A177-3AD203B41FA5}">
+                      <a16:colId xmlns:a16="http://schemas.microsoft.com/office/drawing/2014/main" val="3724584922"/>
+                    </a:ext>
+                  </a:extLst>
+                </a:gridCol>
+              </a:tblGrid>
+              <a:tr h="382270">
+                <a:tc>
+                  <a:txBody>
+                    <a:bodyPr/>
+                    <a:lstStyle/>
+                    <a:p>
+                      <a:pPr algn="ctr"/>
+                      <a:r>
+                        <a:rPr lang="en-US" dirty="0"/>
+                        <a:t>Model</a:t>
+                      </a:r>
+                    </a:p>
+                  </a:txBody>
+                  <a:tcPr anchor="ctr"/>
+                </a:tc>
+                <a:tc>
+                  <a:txBody>
+                    <a:bodyPr/>
+                    <a:lstStyle/>
+                    <a:p>
+                      <a:pPr algn="ctr"/>
+                      <a:r>
+                        <a:rPr lang="en-US" b="1" dirty="0"/>
+                        <a:t>Training AUC</a:t>
+                      </a:r>
+                    </a:p>
+                  </a:txBody>
+                  <a:tcPr anchor="ctr"/>
+                </a:tc>
+                <a:tc>
+                  <a:txBody>
+                    <a:bodyPr/>
+                    <a:lstStyle/>
+                    <a:p>
+                      <a:pPr algn="ctr"/>
+                      <a:r>
+                        <a:rPr lang="en-US" b="1" dirty="0"/>
+                        <a:t>Validation AUC</a:t>
+                      </a:r>
+                    </a:p>
+                  </a:txBody>
+                  <a:tcPr anchor="ctr"/>
+                </a:tc>
+                <a:extLst>
+                  <a:ext uri="{0D108BD9-81ED-4DB2-BD59-A6C34878D82A}">
+                    <a16:rowId xmlns:a16="http://schemas.microsoft.com/office/drawing/2014/main" val="518468466"/>
+                  </a:ext>
+                </a:extLst>
+              </a:tr>
+              <a:tr h="370840">
+                <a:tc>
+                  <a:txBody>
+                    <a:bodyPr/>
+                    <a:lstStyle/>
+                    <a:p>
+                      <a:pPr algn="ctr"/>
+                      <a:r>
+                        <a:rPr lang="en-US" dirty="0"/>
+                        <a:t>Ex-Review</a:t>
+                      </a:r>
+                    </a:p>
+                  </a:txBody>
+                  <a:tcPr anchor="ctr"/>
+                </a:tc>
+                <a:tc>
+                  <a:txBody>
+                    <a:bodyPr/>
+                    <a:lstStyle/>
+                    <a:p>
+                      <a:pPr marL="0" marR="0" lvl="0" indent="0" algn="ctr" defTabSz="914400" rtl="0" eaLnBrk="1" fontAlgn="auto" latinLnBrk="0" hangingPunct="1">
+                        <a:lnSpc>
+                          <a:spcPct val="100000"/>
+                        </a:lnSpc>
+                        <a:spcBef>
+                          <a:spcPts val="0"/>
+                        </a:spcBef>
+                        <a:spcAft>
+                          <a:spcPts val="0"/>
+                        </a:spcAft>
+                        <a:buClrTx/>
+                        <a:buSzTx/>
+                        <a:buFontTx/>
+                        <a:buNone/>
+                        <a:tabLst/>
+                        <a:defRPr/>
+                      </a:pPr>
+                      <a:r>
+                        <a:rPr lang="en-US" dirty="0"/>
+                        <a:t>0.82</a:t>
+                      </a:r>
+                    </a:p>
+                  </a:txBody>
+                  <a:tcPr anchor="ctr"/>
+                </a:tc>
+                <a:tc>
+                  <a:txBody>
+                    <a:bodyPr/>
+                    <a:lstStyle/>
+                    <a:p>
+                      <a:pPr marL="0" marR="0" lvl="0" indent="0" algn="ctr" defTabSz="914400" rtl="0" eaLnBrk="1" fontAlgn="auto" latinLnBrk="0" hangingPunct="1">
+                        <a:lnSpc>
+                          <a:spcPct val="100000"/>
+                        </a:lnSpc>
+                        <a:spcBef>
+                          <a:spcPts val="0"/>
+                        </a:spcBef>
+                        <a:spcAft>
+                          <a:spcPts val="0"/>
+                        </a:spcAft>
+                        <a:buClrTx/>
+                        <a:buSzTx/>
+                        <a:buFontTx/>
+                        <a:buNone/>
+                        <a:tabLst/>
+                        <a:defRPr/>
+                      </a:pPr>
+                      <a:r>
+                        <a:rPr lang="en-US" dirty="0"/>
+                        <a:t>0.73</a:t>
+                      </a:r>
+                    </a:p>
+                  </a:txBody>
+                  <a:tcPr anchor="ctr"/>
+                </a:tc>
+                <a:extLst>
+                  <a:ext uri="{0D108BD9-81ED-4DB2-BD59-A6C34878D82A}">
+                    <a16:rowId xmlns:a16="http://schemas.microsoft.com/office/drawing/2014/main" val="1310885483"/>
+                  </a:ext>
+                </a:extLst>
+              </a:tr>
+            </a:tbl>
+          </a:graphicData>
+        </a:graphic>
+      </p:graphicFrame>
+      <p:pic>
+        <p:nvPicPr>
+          <p:cNvPr id="5" name="Picture 4">
+            <a:extLst>
+              <a:ext uri="{FF2B5EF4-FFF2-40B4-BE49-F238E27FC236}">
+                <a16:creationId xmlns:a16="http://schemas.microsoft.com/office/drawing/2014/main" id="{45A83343-4BFF-A14B-87CA-F97691E5EF60}"/>
+              </a:ext>
+            </a:extLst>
+          </p:cNvPr>
+          <p:cNvPicPr>
+            <a:picLocks noChangeAspect="1"/>
+          </p:cNvPicPr>
+          <p:nvPr/>
+        </p:nvPicPr>
+        <p:blipFill>
+          <a:blip r:embed="rId3">
+            <a:extLst>
+              <a:ext uri="{28A0092B-C50C-407E-A947-70E740481C1C}">
+                <a14:useLocalDpi xmlns:a14="http://schemas.microsoft.com/office/drawing/2010/main" val="0"/>
+              </a:ext>
+            </a:extLst>
+          </a:blip>
+          <a:srcRect/>
+          <a:stretch/>
+        </p:blipFill>
+        <p:spPr>
+          <a:xfrm>
+            <a:off x="2900436" y="2686070"/>
+            <a:ext cx="5836267" cy="3467174"/>
+          </a:xfrm>
+          <a:prstGeom prst="rect">
+            <a:avLst/>
+          </a:prstGeom>
+        </p:spPr>
+      </p:pic>
+    </p:spTree>
+    <p:extLst>
+      <p:ext uri="{BB962C8B-B14F-4D97-AF65-F5344CB8AC3E}">
+        <p14:creationId xmlns:p14="http://schemas.microsoft.com/office/powerpoint/2010/main" val="1153621200"/>
+      </p:ext>
+    </p:extLst>
+  </p:cSld>
+  <p:clrMapOvr>
+    <a:masterClrMapping/>
+  </p:clrMapOvr>
+  <mc:AlternateContent xmlns:mc="http://schemas.openxmlformats.org/markup-compatibility/2006" xmlns:p14="http://schemas.microsoft.com/office/powerpoint/2010/main">
+    <mc:Choice Requires="p14">
+      <p:transition spd="med" p14:dur="700">
+        <p:fade/>
+      </p:transition>
+    </mc:Choice>
+    <mc:Fallback xmlns="">
+      <p:transition spd="med">
+        <p:fade/>
+      </p:transition>
+    </mc:Fallback>
+  </mc:AlternateContent>
+</p:sld>
+</file>
+
+<file path=ppt/slides/slide31.xml><?xml version="1.0" encoding="utf-8"?>
+<p:sld xmlns:a="http://schemas.openxmlformats.org/drawingml/2006/main" xmlns:r="http://schemas.openxmlformats.org/officeDocument/2006/relationships" xmlns:p="http://schemas.openxmlformats.org/presentationml/2006/main">
+  <p:cSld>
+    <p:spTree>
+      <p:nvGrpSpPr>
+        <p:cNvPr id="1" name=""/>
+        <p:cNvGrpSpPr/>
+        <p:nvPr/>
+      </p:nvGrpSpPr>
+      <p:grpSpPr>
+        <a:xfrm>
+          <a:off x="0" y="0"/>
+          <a:ext cx="0" cy="0"/>
+          <a:chOff x="0" y="0"/>
+          <a:chExt cx="0" cy="0"/>
+        </a:xfrm>
+      </p:grpSpPr>
+      <p:sp>
+        <p:nvSpPr>
+          <p:cNvPr id="2" name="Title 1"/>
+          <p:cNvSpPr>
+            <a:spLocks noGrp="1"/>
+          </p:cNvSpPr>
+          <p:nvPr>
+            <p:ph type="title"/>
+          </p:nvPr>
+        </p:nvSpPr>
+        <p:spPr>
+          <a:xfrm>
+            <a:off x="259883" y="434108"/>
+            <a:ext cx="11569729" cy="895927"/>
+          </a:xfrm>
+        </p:spPr>
+        <p:txBody>
+          <a:bodyPr anchor="ctr">
+            <a:normAutofit/>
+          </a:bodyPr>
+          <a:lstStyle/>
+          <a:p>
+            <a:r>
+              <a:rPr lang="en-US" dirty="0"/>
+              <a:t>RQ1 Conclusion</a:t>
+            </a:r>
+          </a:p>
+        </p:txBody>
+      </p:sp>
+      <p:sp>
+        <p:nvSpPr>
+          <p:cNvPr id="3" name="Content Placeholder 2"/>
+          <p:cNvSpPr>
+            <a:spLocks noGrp="1"/>
+          </p:cNvSpPr>
+          <p:nvPr>
+            <p:ph sz="half" idx="1"/>
+          </p:nvPr>
+        </p:nvSpPr>
+        <p:spPr>
+          <a:xfrm>
+            <a:off x="259882" y="1413164"/>
+            <a:ext cx="11569729" cy="4590472"/>
+          </a:xfrm>
+        </p:spPr>
+        <p:txBody>
+          <a:bodyPr anchor="ctr">
+            <a:normAutofit/>
+          </a:bodyPr>
+          <a:lstStyle/>
+          <a:p>
+            <a:pPr marL="0" indent="0">
+              <a:buNone/>
+            </a:pPr>
+            <a:r>
+              <a:rPr lang="en-US" dirty="0"/>
+              <a:t>Review dynamics, particularly the </a:t>
+            </a:r>
+            <a:r>
+              <a:rPr lang="en-US" b="1" dirty="0"/>
+              <a:t>proportion of prior positive votes</a:t>
+            </a:r>
+            <a:r>
+              <a:rPr lang="en-US" dirty="0"/>
+              <a:t> have a significant impact on the evaluation decision of a reviewer.</a:t>
+            </a:r>
+          </a:p>
+          <a:p>
+            <a:pPr marL="0" indent="0">
+              <a:buNone/>
+            </a:pPr>
+            <a:endParaRPr lang="en-US" dirty="0"/>
+          </a:p>
+          <a:p>
+            <a:pPr marL="0" indent="0">
+              <a:buNone/>
+            </a:pPr>
+            <a:r>
+              <a:rPr lang="en-US" dirty="0"/>
+              <a:t>Unlike in the original paper, we do not observe significant association between the relationship (interaction frequency) with the patch author and the evaluation decision of a reviewer.</a:t>
+            </a:r>
+          </a:p>
+          <a:p>
+            <a:pPr marL="0" indent="0">
+              <a:buNone/>
+            </a:pPr>
+            <a:endParaRPr lang="en-US" dirty="0"/>
+          </a:p>
+          <a:p>
+            <a:pPr marL="0" indent="0">
+              <a:buNone/>
+            </a:pPr>
+            <a:r>
+              <a:rPr lang="en-US" dirty="0"/>
+              <a:t>The final model also does not perform well on the validation dataset. This could be due to the random effect of the reviewers.</a:t>
+            </a:r>
+          </a:p>
+        </p:txBody>
+      </p:sp>
+      <p:sp>
+        <p:nvSpPr>
+          <p:cNvPr id="6" name="Footer Placeholder 5"/>
+          <p:cNvSpPr>
+            <a:spLocks noGrp="1"/>
+          </p:cNvSpPr>
+          <p:nvPr>
+            <p:ph type="ftr" sz="quarter" idx="11"/>
+          </p:nvPr>
+        </p:nvSpPr>
+        <p:spPr>
+          <a:xfrm>
+            <a:off x="259882" y="6335309"/>
+            <a:ext cx="5226517" cy="250337"/>
+          </a:xfrm>
+        </p:spPr>
+        <p:txBody>
+          <a:bodyPr anchor="ctr">
+            <a:normAutofit/>
+          </a:bodyPr>
+          <a:lstStyle/>
+          <a:p>
+            <a:pPr>
+              <a:spcAft>
+                <a:spcPts val="600"/>
+              </a:spcAft>
+            </a:pPr>
+            <a:r>
+              <a:rPr lang="en-US" dirty="0"/>
+              <a:t>Review Dynamics in Open-Source Software: A Case Study of OpenStack</a:t>
+            </a:r>
+          </a:p>
+        </p:txBody>
+      </p:sp>
+      <p:sp>
+        <p:nvSpPr>
+          <p:cNvPr id="7" name="Slide Number Placeholder 6"/>
+          <p:cNvSpPr>
+            <a:spLocks noGrp="1"/>
+          </p:cNvSpPr>
+          <p:nvPr>
+            <p:ph type="sldNum" sz="quarter" idx="12"/>
+          </p:nvPr>
+        </p:nvSpPr>
+        <p:spPr>
+          <a:xfrm>
+            <a:off x="5588000" y="6335309"/>
+            <a:ext cx="1016000" cy="250337"/>
+          </a:xfrm>
+        </p:spPr>
+        <p:txBody>
+          <a:bodyPr anchor="ctr">
+            <a:normAutofit/>
+          </a:bodyPr>
+          <a:lstStyle/>
+          <a:p>
+            <a:pPr>
+              <a:spcAft>
+                <a:spcPts val="600"/>
+              </a:spcAft>
+            </a:pPr>
+            <a:r>
+              <a:rPr lang="en-US" dirty="0"/>
+              <a:t>PAGE  </a:t>
+            </a:r>
+            <a:fld id="{93005692-73BE-493E-93AB-ECD6027A7652}" type="slidenum">
+              <a:rPr lang="en-US" smtClean="0"/>
+              <a:pPr>
+                <a:spcAft>
+                  <a:spcPts val="600"/>
+                </a:spcAft>
+              </a:pPr>
+              <a:t>31</a:t>
+            </a:fld>
+            <a:endParaRPr lang="en-US"/>
+          </a:p>
+        </p:txBody>
+      </p:sp>
     </p:spTree>
     <p:extLst>
       <p:ext uri="{BB962C8B-B14F-4D97-AF65-F5344CB8AC3E}">
@@ -39854,7 +40668,7 @@
 </p:sld>
 </file>
 
-<file path=ppt/slides/slide31.xml><?xml version="1.0" encoding="utf-8"?>
+<file path=ppt/slides/slide32.xml><?xml version="1.0" encoding="utf-8"?>
 <p:sld xmlns:a="http://schemas.openxmlformats.org/drawingml/2006/main" xmlns:r="http://schemas.openxmlformats.org/officeDocument/2006/relationships" xmlns:p="http://schemas.openxmlformats.org/presentationml/2006/main">
   <p:cSld>
     <p:spTree>
@@ -39956,7 +40770,7 @@
             <a:fld id="{93005692-73BE-493E-93AB-ECD6027A7652}" type="slidenum">
               <a:rPr lang="en-US" smtClean="0"/>
               <a:pPr/>
-              <a:t>31</a:t>
+              <a:t>32</a:t>
             </a:fld>
             <a:endParaRPr lang="en-US" dirty="0"/>
           </a:p>
@@ -39987,7 +40801,7 @@
 </p:sld>
 </file>
 
-<file path=ppt/slides/slide32.xml><?xml version="1.0" encoding="utf-8"?>
+<file path=ppt/slides/slide33.xml><?xml version="1.0" encoding="utf-8"?>
 <p:sld xmlns:a="http://schemas.openxmlformats.org/drawingml/2006/main" xmlns:r="http://schemas.openxmlformats.org/officeDocument/2006/relationships" xmlns:p="http://schemas.openxmlformats.org/presentationml/2006/main">
   <p:cSld>
     <p:spTree>
@@ -40105,7 +40919,7 @@
                   <a:spcPts val="600"/>
                 </a:spcAft>
               </a:pPr>
-              <a:t>32</a:t>
+              <a:t>33</a:t>
             </a:fld>
             <a:endParaRPr lang="en-US"/>
           </a:p>
@@ -40167,7 +40981,7 @@
 </p:sld>
 </file>
 
-<file path=ppt/slides/slide33.xml><?xml version="1.0" encoding="utf-8"?>
+<file path=ppt/slides/slide34.xml><?xml version="1.0" encoding="utf-8"?>
 <p:sld xmlns:a="http://schemas.openxmlformats.org/drawingml/2006/main" xmlns:r="http://schemas.openxmlformats.org/officeDocument/2006/relationships" xmlns:p="http://schemas.openxmlformats.org/presentationml/2006/main">
   <p:cSld>
     <p:spTree>
@@ -40989,7 +41803,7 @@
                   <a:spcPts val="600"/>
                 </a:spcAft>
               </a:pPr>
-              <a:t>33</a:t>
+              <a:t>34</a:t>
             </a:fld>
             <a:endParaRPr lang="en-US"/>
           </a:p>
@@ -41020,7 +41834,7 @@
 </p:sld>
 </file>
 
-<file path=ppt/slides/slide34.xml><?xml version="1.0" encoding="utf-8"?>
+<file path=ppt/slides/slide35.xml><?xml version="1.0" encoding="utf-8"?>
 <p:sld xmlns:a="http://schemas.openxmlformats.org/drawingml/2006/main" xmlns:r="http://schemas.openxmlformats.org/officeDocument/2006/relationships" xmlns:p="http://schemas.openxmlformats.org/presentationml/2006/main">
   <p:cSld>
     <p:spTree>
@@ -41138,7 +41952,7 @@
                   <a:spcPts val="600"/>
                 </a:spcAft>
               </a:pPr>
-              <a:t>34</a:t>
+              <a:t>35</a:t>
             </a:fld>
             <a:endParaRPr lang="en-US"/>
           </a:p>
@@ -42315,7 +43129,7 @@
 </p:sld>
 </file>
 
-<file path=ppt/slides/slide35.xml><?xml version="1.0" encoding="utf-8"?>
+<file path=ppt/slides/slide36.xml><?xml version="1.0" encoding="utf-8"?>
 <p:sld xmlns:a="http://schemas.openxmlformats.org/drawingml/2006/main" xmlns:r="http://schemas.openxmlformats.org/officeDocument/2006/relationships" xmlns:p="http://schemas.openxmlformats.org/presentationml/2006/main">
   <p:cSld>
     <p:spTree>
@@ -42468,7 +43282,7 @@
                   <a:spcPts val="600"/>
                 </a:spcAft>
               </a:pPr>
-              <a:t>35</a:t>
+              <a:t>36</a:t>
             </a:fld>
             <a:endParaRPr lang="en-US"/>
           </a:p>
@@ -42490,7 +43304,7 @@
             <p:ph sz="half" idx="1"/>
             <p:extLst>
               <p:ext uri="{D42A27DB-BD31-4B8C-83A1-F6EECF244321}">
-                <p14:modId xmlns:p14="http://schemas.microsoft.com/office/powerpoint/2010/main" val="3756090694"/>
+                <p14:modId xmlns:p14="http://schemas.microsoft.com/office/powerpoint/2010/main" val="2092437292"/>
               </p:ext>
             </p:extLst>
           </p:nvPr>
@@ -42544,7 +43358,7 @@
                       <a:pPr algn="ctr"/>
                       <a:r>
                         <a:rPr lang="en-US" dirty="0"/>
-                        <a:t>Variable</a:t>
+                        <a:t>Removed Vars</a:t>
                       </a:r>
                     </a:p>
                   </a:txBody>
@@ -42970,7 +43784,7 @@
 </p:sld>
 </file>
 
-<file path=ppt/slides/slide36.xml><?xml version="1.0" encoding="utf-8"?>
+<file path=ppt/slides/slide37.xml><?xml version="1.0" encoding="utf-8"?>
 <p:sld xmlns:a="http://schemas.openxmlformats.org/drawingml/2006/main" xmlns:r="http://schemas.openxmlformats.org/officeDocument/2006/relationships" xmlns:p="http://schemas.openxmlformats.org/presentationml/2006/main">
   <p:cSld>
     <p:spTree>
@@ -43088,7 +43902,7 @@
                   <a:spcPts val="600"/>
                 </a:spcAft>
               </a:pPr>
-              <a:t>36</a:t>
+              <a:t>37</a:t>
             </a:fld>
             <a:endParaRPr lang="en-US"/>
           </a:p>
@@ -43623,7 +44437,7 @@
 </p:sld>
 </file>
 
-<file path=ppt/slides/slide37.xml><?xml version="1.0" encoding="utf-8"?>
+<file path=ppt/slides/slide38.xml><?xml version="1.0" encoding="utf-8"?>
 <p:sld xmlns:a="http://schemas.openxmlformats.org/drawingml/2006/main" xmlns:r="http://schemas.openxmlformats.org/officeDocument/2006/relationships" xmlns:p="http://schemas.openxmlformats.org/presentationml/2006/main">
   <p:cSld>
     <p:spTree>
@@ -43741,7 +44555,7 @@
                   <a:spcPts val="600"/>
                 </a:spcAft>
               </a:pPr>
-              <a:t>37</a:t>
+              <a:t>38</a:t>
             </a:fld>
             <a:endParaRPr lang="en-US"/>
           </a:p>
@@ -43763,7 +44577,7 @@
             <p:ph sz="half" idx="1"/>
             <p:extLst>
               <p:ext uri="{D42A27DB-BD31-4B8C-83A1-F6EECF244321}">
-                <p14:modId xmlns:p14="http://schemas.microsoft.com/office/powerpoint/2010/main" val="729568595"/>
+                <p14:modId xmlns:p14="http://schemas.microsoft.com/office/powerpoint/2010/main" val="2277989314"/>
               </p:ext>
             </p:extLst>
           </p:nvPr>
@@ -44049,7 +44863,11 @@
                         <a:defRPr/>
                       </a:pPr>
                       <a:r>
-                        <a:rPr lang="en-US" dirty="0"/>
+                        <a:rPr lang="en-US" dirty="0">
+                          <a:highlight>
+                            <a:srgbClr val="FFFF00"/>
+                          </a:highlight>
+                        </a:rPr>
                         <a:t>1.57</a:t>
                       </a:r>
                     </a:p>
@@ -44215,7 +45033,11 @@
                         <a:defRPr/>
                       </a:pPr>
                       <a:r>
-                        <a:rPr lang="en-US" dirty="0"/>
+                        <a:rPr lang="en-US" dirty="0">
+                          <a:highlight>
+                            <a:srgbClr val="FFFF00"/>
+                          </a:highlight>
+                        </a:rPr>
                         <a:t>1.57</a:t>
                       </a:r>
                     </a:p>
@@ -44257,7 +45079,7 @@
 </p:sld>
 </file>
 
-<file path=ppt/slides/slide38.xml><?xml version="1.0" encoding="utf-8"?>
+<file path=ppt/slides/slide39.xml><?xml version="1.0" encoding="utf-8"?>
 <p:sld xmlns:a="http://schemas.openxmlformats.org/drawingml/2006/main" xmlns:r="http://schemas.openxmlformats.org/officeDocument/2006/relationships" xmlns:p="http://schemas.openxmlformats.org/presentationml/2006/main">
   <p:cSld>
     <p:spTree>
@@ -44375,7 +45197,7 @@
                   <a:spcPts val="600"/>
                 </a:spcAft>
               </a:pPr>
-              <a:t>38</a:t>
+              <a:t>39</a:t>
             </a:fld>
             <a:endParaRPr lang="en-US"/>
           </a:p>
@@ -45081,373 +45903,6 @@
     <p:extLst>
       <p:ext uri="{BB962C8B-B14F-4D97-AF65-F5344CB8AC3E}">
         <p14:creationId xmlns:p14="http://schemas.microsoft.com/office/powerpoint/2010/main" val="1565721355"/>
-      </p:ext>
-    </p:extLst>
-  </p:cSld>
-  <p:clrMapOvr>
-    <a:masterClrMapping/>
-  </p:clrMapOvr>
-  <mc:AlternateContent xmlns:mc="http://schemas.openxmlformats.org/markup-compatibility/2006" xmlns:p14="http://schemas.microsoft.com/office/powerpoint/2010/main">
-    <mc:Choice Requires="p14">
-      <p:transition spd="med" p14:dur="700">
-        <p:fade/>
-      </p:transition>
-    </mc:Choice>
-    <mc:Fallback xmlns="">
-      <p:transition spd="med">
-        <p:fade/>
-      </p:transition>
-    </mc:Fallback>
-  </mc:AlternateContent>
-</p:sld>
-</file>
-
-<file path=ppt/slides/slide39.xml><?xml version="1.0" encoding="utf-8"?>
-<p:sld xmlns:a="http://schemas.openxmlformats.org/drawingml/2006/main" xmlns:r="http://schemas.openxmlformats.org/officeDocument/2006/relationships" xmlns:p="http://schemas.openxmlformats.org/presentationml/2006/main">
-  <p:cSld>
-    <p:spTree>
-      <p:nvGrpSpPr>
-        <p:cNvPr id="1" name=""/>
-        <p:cNvGrpSpPr/>
-        <p:nvPr/>
-      </p:nvGrpSpPr>
-      <p:grpSpPr>
-        <a:xfrm>
-          <a:off x="0" y="0"/>
-          <a:ext cx="0" cy="0"/>
-          <a:chOff x="0" y="0"/>
-          <a:chExt cx="0" cy="0"/>
-        </a:xfrm>
-      </p:grpSpPr>
-      <p:sp>
-        <p:nvSpPr>
-          <p:cNvPr id="2" name="Title 1"/>
-          <p:cNvSpPr>
-            <a:spLocks noGrp="1"/>
-          </p:cNvSpPr>
-          <p:nvPr>
-            <p:ph type="title"/>
-          </p:nvPr>
-        </p:nvSpPr>
-        <p:spPr>
-          <a:xfrm>
-            <a:off x="259881" y="597159"/>
-            <a:ext cx="11569729" cy="895927"/>
-          </a:xfrm>
-        </p:spPr>
-        <p:txBody>
-          <a:bodyPr anchor="ctr">
-            <a:normAutofit/>
-          </a:bodyPr>
-          <a:lstStyle/>
-          <a:p>
-            <a:r>
-              <a:rPr lang="en-US" dirty="0"/>
-              <a:t>We validate the final model against the unseen project</a:t>
-            </a:r>
-          </a:p>
-        </p:txBody>
-      </p:sp>
-      <p:sp>
-        <p:nvSpPr>
-          <p:cNvPr id="6" name="Footer Placeholder 5"/>
-          <p:cNvSpPr>
-            <a:spLocks noGrp="1"/>
-          </p:cNvSpPr>
-          <p:nvPr>
-            <p:ph type="ftr" sz="quarter" idx="11"/>
-          </p:nvPr>
-        </p:nvSpPr>
-        <p:spPr>
-          <a:xfrm>
-            <a:off x="259882" y="6335309"/>
-            <a:ext cx="5226517" cy="250337"/>
-          </a:xfrm>
-        </p:spPr>
-        <p:txBody>
-          <a:bodyPr anchor="ctr">
-            <a:normAutofit/>
-          </a:bodyPr>
-          <a:lstStyle/>
-          <a:p>
-            <a:pPr>
-              <a:spcAft>
-                <a:spcPts val="600"/>
-              </a:spcAft>
-            </a:pPr>
-            <a:r>
-              <a:rPr lang="en-US" dirty="0"/>
-              <a:t>Review Dynamics in Open-Source Software: A Case Study of OpenStack</a:t>
-            </a:r>
-          </a:p>
-        </p:txBody>
-      </p:sp>
-      <p:sp>
-        <p:nvSpPr>
-          <p:cNvPr id="7" name="Slide Number Placeholder 6"/>
-          <p:cNvSpPr>
-            <a:spLocks noGrp="1"/>
-          </p:cNvSpPr>
-          <p:nvPr>
-            <p:ph type="sldNum" sz="quarter" idx="12"/>
-          </p:nvPr>
-        </p:nvSpPr>
-        <p:spPr>
-          <a:xfrm>
-            <a:off x="5588000" y="6335309"/>
-            <a:ext cx="1016000" cy="250337"/>
-          </a:xfrm>
-        </p:spPr>
-        <p:txBody>
-          <a:bodyPr anchor="ctr">
-            <a:normAutofit/>
-          </a:bodyPr>
-          <a:lstStyle/>
-          <a:p>
-            <a:pPr>
-              <a:spcAft>
-                <a:spcPts val="600"/>
-              </a:spcAft>
-            </a:pPr>
-            <a:r>
-              <a:rPr lang="en-US" dirty="0"/>
-              <a:t>PAGE  </a:t>
-            </a:r>
-            <a:fld id="{93005692-73BE-493E-93AB-ECD6027A7652}" type="slidenum">
-              <a:rPr lang="en-US" smtClean="0"/>
-              <a:pPr>
-                <a:spcAft>
-                  <a:spcPts val="600"/>
-                </a:spcAft>
-              </a:pPr>
-              <a:t>39</a:t>
-            </a:fld>
-            <a:endParaRPr lang="en-US"/>
-          </a:p>
-        </p:txBody>
-      </p:sp>
-      <p:graphicFrame>
-        <p:nvGraphicFramePr>
-          <p:cNvPr id="8" name="Table 8">
-            <a:extLst>
-              <a:ext uri="{FF2B5EF4-FFF2-40B4-BE49-F238E27FC236}">
-                <a16:creationId xmlns:a16="http://schemas.microsoft.com/office/drawing/2014/main" id="{1B2293EE-DA44-0546-966F-577E586123A5}"/>
-              </a:ext>
-            </a:extLst>
-          </p:cNvPr>
-          <p:cNvGraphicFramePr>
-            <a:graphicFrameLocks noGrp="1"/>
-          </p:cNvGraphicFramePr>
-          <p:nvPr>
-            <p:ph sz="half" idx="1"/>
-            <p:extLst>
-              <p:ext uri="{D42A27DB-BD31-4B8C-83A1-F6EECF244321}">
-                <p14:modId xmlns:p14="http://schemas.microsoft.com/office/powerpoint/2010/main" val="3918198288"/>
-              </p:ext>
-            </p:extLst>
-          </p:nvPr>
-        </p:nvGraphicFramePr>
-        <p:xfrm>
-          <a:off x="3452766" y="1493086"/>
-          <a:ext cx="5183958" cy="1010920"/>
-        </p:xfrm>
-        <a:graphic>
-          <a:graphicData uri="http://schemas.openxmlformats.org/drawingml/2006/table">
-            <a:tbl>
-              <a:tblPr firstRow="1" bandRow="1">
-                <a:tableStyleId>{5C22544A-7EE6-4342-B048-85BDC9FD1C3A}</a:tableStyleId>
-              </a:tblPr>
-              <a:tblGrid>
-                <a:gridCol w="2303958">
-                  <a:extLst>
-                    <a:ext uri="{9D8B030D-6E8A-4147-A177-3AD203B41FA5}">
-                      <a16:colId xmlns:a16="http://schemas.microsoft.com/office/drawing/2014/main" val="932007774"/>
-                    </a:ext>
-                  </a:extLst>
-                </a:gridCol>
-                <a:gridCol w="1440000">
-                  <a:extLst>
-                    <a:ext uri="{9D8B030D-6E8A-4147-A177-3AD203B41FA5}">
-                      <a16:colId xmlns:a16="http://schemas.microsoft.com/office/drawing/2014/main" val="3414600659"/>
-                    </a:ext>
-                  </a:extLst>
-                </a:gridCol>
-                <a:gridCol w="1440000">
-                  <a:extLst>
-                    <a:ext uri="{9D8B030D-6E8A-4147-A177-3AD203B41FA5}">
-                      <a16:colId xmlns:a16="http://schemas.microsoft.com/office/drawing/2014/main" val="3724584922"/>
-                    </a:ext>
-                  </a:extLst>
-                </a:gridCol>
-              </a:tblGrid>
-              <a:tr h="382270">
-                <a:tc>
-                  <a:txBody>
-                    <a:bodyPr/>
-                    <a:lstStyle/>
-                    <a:p>
-                      <a:pPr algn="ctr"/>
-                      <a:r>
-                        <a:rPr lang="en-US" dirty="0"/>
-                        <a:t>Model</a:t>
-                      </a:r>
-                    </a:p>
-                  </a:txBody>
-                  <a:tcPr anchor="ctr"/>
-                </a:tc>
-                <a:tc>
-                  <a:txBody>
-                    <a:bodyPr/>
-                    <a:lstStyle/>
-                    <a:p>
-                      <a:pPr algn="ctr"/>
-                      <a:r>
-                        <a:rPr lang="en-US" b="1" dirty="0"/>
-                        <a:t>Training AUC</a:t>
-                      </a:r>
-                    </a:p>
-                  </a:txBody>
-                  <a:tcPr anchor="ctr"/>
-                </a:tc>
-                <a:tc>
-                  <a:txBody>
-                    <a:bodyPr/>
-                    <a:lstStyle/>
-                    <a:p>
-                      <a:pPr algn="ctr"/>
-                      <a:r>
-                        <a:rPr lang="en-US" b="1" dirty="0"/>
-                        <a:t>Validation AUC</a:t>
-                      </a:r>
-                    </a:p>
-                  </a:txBody>
-                  <a:tcPr anchor="ctr"/>
-                </a:tc>
-                <a:extLst>
-                  <a:ext uri="{0D108BD9-81ED-4DB2-BD59-A6C34878D82A}">
-                    <a16:rowId xmlns:a16="http://schemas.microsoft.com/office/drawing/2014/main" val="518468466"/>
-                  </a:ext>
-                </a:extLst>
-              </a:tr>
-              <a:tr h="370840">
-                <a:tc>
-                  <a:txBody>
-                    <a:bodyPr/>
-                    <a:lstStyle/>
-                    <a:p>
-                      <a:pPr algn="ctr"/>
-                      <a:r>
-                        <a:rPr lang="en-US" dirty="0"/>
-                        <a:t>Ex-Review</a:t>
-                      </a:r>
-                    </a:p>
-                  </a:txBody>
-                  <a:tcPr anchor="ctr"/>
-                </a:tc>
-                <a:tc>
-                  <a:txBody>
-                    <a:bodyPr/>
-                    <a:lstStyle/>
-                    <a:p>
-                      <a:pPr marL="0" marR="0" lvl="0" indent="0" algn="ctr" defTabSz="914400" rtl="0" eaLnBrk="1" fontAlgn="auto" latinLnBrk="0" hangingPunct="1">
-                        <a:lnSpc>
-                          <a:spcPct val="100000"/>
-                        </a:lnSpc>
-                        <a:spcBef>
-                          <a:spcPts val="0"/>
-                        </a:spcBef>
-                        <a:spcAft>
-                          <a:spcPts val="0"/>
-                        </a:spcAft>
-                        <a:buClrTx/>
-                        <a:buSzTx/>
-                        <a:buFontTx/>
-                        <a:buNone/>
-                        <a:tabLst/>
-                        <a:defRPr/>
-                      </a:pPr>
-                      <a:r>
-                        <a:rPr lang="en-US" dirty="0"/>
-                        <a:t>0.78</a:t>
-                      </a:r>
-                    </a:p>
-                  </a:txBody>
-                  <a:tcPr anchor="ctr"/>
-                </a:tc>
-                <a:tc>
-                  <a:txBody>
-                    <a:bodyPr/>
-                    <a:lstStyle/>
-                    <a:p>
-                      <a:pPr marL="0" marR="0" lvl="0" indent="0" algn="ctr" defTabSz="914400" rtl="0" eaLnBrk="1" fontAlgn="auto" latinLnBrk="0" hangingPunct="1">
-                        <a:lnSpc>
-                          <a:spcPct val="100000"/>
-                        </a:lnSpc>
-                        <a:spcBef>
-                          <a:spcPts val="0"/>
-                        </a:spcBef>
-                        <a:spcAft>
-                          <a:spcPts val="0"/>
-                        </a:spcAft>
-                        <a:buClrTx/>
-                        <a:buSzTx/>
-                        <a:buFontTx/>
-                        <a:buNone/>
-                        <a:tabLst/>
-                        <a:defRPr/>
-                      </a:pPr>
-                      <a:r>
-                        <a:rPr lang="en-US" dirty="0"/>
-                        <a:t>0.73</a:t>
-                      </a:r>
-                    </a:p>
-                  </a:txBody>
-                  <a:tcPr anchor="ctr"/>
-                </a:tc>
-                <a:extLst>
-                  <a:ext uri="{0D108BD9-81ED-4DB2-BD59-A6C34878D82A}">
-                    <a16:rowId xmlns:a16="http://schemas.microsoft.com/office/drawing/2014/main" val="1310885483"/>
-                  </a:ext>
-                </a:extLst>
-              </a:tr>
-            </a:tbl>
-          </a:graphicData>
-        </a:graphic>
-      </p:graphicFrame>
-      <p:pic>
-        <p:nvPicPr>
-          <p:cNvPr id="5" name="Picture 4">
-            <a:extLst>
-              <a:ext uri="{FF2B5EF4-FFF2-40B4-BE49-F238E27FC236}">
-                <a16:creationId xmlns:a16="http://schemas.microsoft.com/office/drawing/2014/main" id="{45A83343-4BFF-A14B-87CA-F97691E5EF60}"/>
-              </a:ext>
-            </a:extLst>
-          </p:cNvPr>
-          <p:cNvPicPr>
-            <a:picLocks noChangeAspect="1"/>
-          </p:cNvPicPr>
-          <p:nvPr/>
-        </p:nvPicPr>
-        <p:blipFill>
-          <a:blip r:embed="rId3"/>
-          <a:stretch>
-            <a:fillRect/>
-          </a:stretch>
-        </p:blipFill>
-        <p:spPr>
-          <a:xfrm>
-            <a:off x="2986911" y="2667050"/>
-            <a:ext cx="5836267" cy="3505214"/>
-          </a:xfrm>
-          <a:prstGeom prst="rect">
-            <a:avLst/>
-          </a:prstGeom>
-        </p:spPr>
-      </p:pic>
-    </p:spTree>
-    <p:extLst>
-      <p:ext uri="{BB962C8B-B14F-4D97-AF65-F5344CB8AC3E}">
-        <p14:creationId xmlns:p14="http://schemas.microsoft.com/office/powerpoint/2010/main" val="680047078"/>
       </p:ext>
     </p:extLst>
   </p:cSld>
@@ -45687,7 +46142,7 @@
           <a:p>
             <a:r>
               <a:rPr lang="en-US" dirty="0"/>
-              <a:t>Final model Wald statistics</a:t>
+              <a:t>We validate the final model against the unseen project</a:t>
             </a:r>
           </a:p>
         </p:txBody>
@@ -45772,6 +46227,373 @@
       </p:sp>
       <p:graphicFrame>
         <p:nvGraphicFramePr>
+          <p:cNvPr id="8" name="Table 8">
+            <a:extLst>
+              <a:ext uri="{FF2B5EF4-FFF2-40B4-BE49-F238E27FC236}">
+                <a16:creationId xmlns:a16="http://schemas.microsoft.com/office/drawing/2014/main" id="{1B2293EE-DA44-0546-966F-577E586123A5}"/>
+              </a:ext>
+            </a:extLst>
+          </p:cNvPr>
+          <p:cNvGraphicFramePr>
+            <a:graphicFrameLocks noGrp="1"/>
+          </p:cNvGraphicFramePr>
+          <p:nvPr>
+            <p:ph sz="half" idx="1"/>
+            <p:extLst>
+              <p:ext uri="{D42A27DB-BD31-4B8C-83A1-F6EECF244321}">
+                <p14:modId xmlns:p14="http://schemas.microsoft.com/office/powerpoint/2010/main" val="3918198288"/>
+              </p:ext>
+            </p:extLst>
+          </p:nvPr>
+        </p:nvGraphicFramePr>
+        <p:xfrm>
+          <a:off x="3452766" y="1493086"/>
+          <a:ext cx="5183958" cy="1010920"/>
+        </p:xfrm>
+        <a:graphic>
+          <a:graphicData uri="http://schemas.openxmlformats.org/drawingml/2006/table">
+            <a:tbl>
+              <a:tblPr firstRow="1" bandRow="1">
+                <a:tableStyleId>{5C22544A-7EE6-4342-B048-85BDC9FD1C3A}</a:tableStyleId>
+              </a:tblPr>
+              <a:tblGrid>
+                <a:gridCol w="2303958">
+                  <a:extLst>
+                    <a:ext uri="{9D8B030D-6E8A-4147-A177-3AD203B41FA5}">
+                      <a16:colId xmlns:a16="http://schemas.microsoft.com/office/drawing/2014/main" val="932007774"/>
+                    </a:ext>
+                  </a:extLst>
+                </a:gridCol>
+                <a:gridCol w="1440000">
+                  <a:extLst>
+                    <a:ext uri="{9D8B030D-6E8A-4147-A177-3AD203B41FA5}">
+                      <a16:colId xmlns:a16="http://schemas.microsoft.com/office/drawing/2014/main" val="3414600659"/>
+                    </a:ext>
+                  </a:extLst>
+                </a:gridCol>
+                <a:gridCol w="1440000">
+                  <a:extLst>
+                    <a:ext uri="{9D8B030D-6E8A-4147-A177-3AD203B41FA5}">
+                      <a16:colId xmlns:a16="http://schemas.microsoft.com/office/drawing/2014/main" val="3724584922"/>
+                    </a:ext>
+                  </a:extLst>
+                </a:gridCol>
+              </a:tblGrid>
+              <a:tr h="382270">
+                <a:tc>
+                  <a:txBody>
+                    <a:bodyPr/>
+                    <a:lstStyle/>
+                    <a:p>
+                      <a:pPr algn="ctr"/>
+                      <a:r>
+                        <a:rPr lang="en-US" dirty="0"/>
+                        <a:t>Model</a:t>
+                      </a:r>
+                    </a:p>
+                  </a:txBody>
+                  <a:tcPr anchor="ctr"/>
+                </a:tc>
+                <a:tc>
+                  <a:txBody>
+                    <a:bodyPr/>
+                    <a:lstStyle/>
+                    <a:p>
+                      <a:pPr algn="ctr"/>
+                      <a:r>
+                        <a:rPr lang="en-US" b="1" dirty="0"/>
+                        <a:t>Training AUC</a:t>
+                      </a:r>
+                    </a:p>
+                  </a:txBody>
+                  <a:tcPr anchor="ctr"/>
+                </a:tc>
+                <a:tc>
+                  <a:txBody>
+                    <a:bodyPr/>
+                    <a:lstStyle/>
+                    <a:p>
+                      <a:pPr algn="ctr"/>
+                      <a:r>
+                        <a:rPr lang="en-US" b="1" dirty="0"/>
+                        <a:t>Validation AUC</a:t>
+                      </a:r>
+                    </a:p>
+                  </a:txBody>
+                  <a:tcPr anchor="ctr"/>
+                </a:tc>
+                <a:extLst>
+                  <a:ext uri="{0D108BD9-81ED-4DB2-BD59-A6C34878D82A}">
+                    <a16:rowId xmlns:a16="http://schemas.microsoft.com/office/drawing/2014/main" val="518468466"/>
+                  </a:ext>
+                </a:extLst>
+              </a:tr>
+              <a:tr h="370840">
+                <a:tc>
+                  <a:txBody>
+                    <a:bodyPr/>
+                    <a:lstStyle/>
+                    <a:p>
+                      <a:pPr algn="ctr"/>
+                      <a:r>
+                        <a:rPr lang="en-US" dirty="0"/>
+                        <a:t>Ex-Review</a:t>
+                      </a:r>
+                    </a:p>
+                  </a:txBody>
+                  <a:tcPr anchor="ctr"/>
+                </a:tc>
+                <a:tc>
+                  <a:txBody>
+                    <a:bodyPr/>
+                    <a:lstStyle/>
+                    <a:p>
+                      <a:pPr marL="0" marR="0" lvl="0" indent="0" algn="ctr" defTabSz="914400" rtl="0" eaLnBrk="1" fontAlgn="auto" latinLnBrk="0" hangingPunct="1">
+                        <a:lnSpc>
+                          <a:spcPct val="100000"/>
+                        </a:lnSpc>
+                        <a:spcBef>
+                          <a:spcPts val="0"/>
+                        </a:spcBef>
+                        <a:spcAft>
+                          <a:spcPts val="0"/>
+                        </a:spcAft>
+                        <a:buClrTx/>
+                        <a:buSzTx/>
+                        <a:buFontTx/>
+                        <a:buNone/>
+                        <a:tabLst/>
+                        <a:defRPr/>
+                      </a:pPr>
+                      <a:r>
+                        <a:rPr lang="en-US" dirty="0"/>
+                        <a:t>0.78</a:t>
+                      </a:r>
+                    </a:p>
+                  </a:txBody>
+                  <a:tcPr anchor="ctr"/>
+                </a:tc>
+                <a:tc>
+                  <a:txBody>
+                    <a:bodyPr/>
+                    <a:lstStyle/>
+                    <a:p>
+                      <a:pPr marL="0" marR="0" lvl="0" indent="0" algn="ctr" defTabSz="914400" rtl="0" eaLnBrk="1" fontAlgn="auto" latinLnBrk="0" hangingPunct="1">
+                        <a:lnSpc>
+                          <a:spcPct val="100000"/>
+                        </a:lnSpc>
+                        <a:spcBef>
+                          <a:spcPts val="0"/>
+                        </a:spcBef>
+                        <a:spcAft>
+                          <a:spcPts val="0"/>
+                        </a:spcAft>
+                        <a:buClrTx/>
+                        <a:buSzTx/>
+                        <a:buFontTx/>
+                        <a:buNone/>
+                        <a:tabLst/>
+                        <a:defRPr/>
+                      </a:pPr>
+                      <a:r>
+                        <a:rPr lang="en-US" dirty="0"/>
+                        <a:t>0.73</a:t>
+                      </a:r>
+                    </a:p>
+                  </a:txBody>
+                  <a:tcPr anchor="ctr"/>
+                </a:tc>
+                <a:extLst>
+                  <a:ext uri="{0D108BD9-81ED-4DB2-BD59-A6C34878D82A}">
+                    <a16:rowId xmlns:a16="http://schemas.microsoft.com/office/drawing/2014/main" val="1310885483"/>
+                  </a:ext>
+                </a:extLst>
+              </a:tr>
+            </a:tbl>
+          </a:graphicData>
+        </a:graphic>
+      </p:graphicFrame>
+      <p:pic>
+        <p:nvPicPr>
+          <p:cNvPr id="5" name="Picture 4">
+            <a:extLst>
+              <a:ext uri="{FF2B5EF4-FFF2-40B4-BE49-F238E27FC236}">
+                <a16:creationId xmlns:a16="http://schemas.microsoft.com/office/drawing/2014/main" id="{45A83343-4BFF-A14B-87CA-F97691E5EF60}"/>
+              </a:ext>
+            </a:extLst>
+          </p:cNvPr>
+          <p:cNvPicPr>
+            <a:picLocks noChangeAspect="1"/>
+          </p:cNvPicPr>
+          <p:nvPr/>
+        </p:nvPicPr>
+        <p:blipFill>
+          <a:blip r:embed="rId3"/>
+          <a:stretch>
+            <a:fillRect/>
+          </a:stretch>
+        </p:blipFill>
+        <p:spPr>
+          <a:xfrm>
+            <a:off x="2986911" y="2667050"/>
+            <a:ext cx="5836267" cy="3505214"/>
+          </a:xfrm>
+          <a:prstGeom prst="rect">
+            <a:avLst/>
+          </a:prstGeom>
+        </p:spPr>
+      </p:pic>
+    </p:spTree>
+    <p:extLst>
+      <p:ext uri="{BB962C8B-B14F-4D97-AF65-F5344CB8AC3E}">
+        <p14:creationId xmlns:p14="http://schemas.microsoft.com/office/powerpoint/2010/main" val="680047078"/>
+      </p:ext>
+    </p:extLst>
+  </p:cSld>
+  <p:clrMapOvr>
+    <a:masterClrMapping/>
+  </p:clrMapOvr>
+  <mc:AlternateContent xmlns:mc="http://schemas.openxmlformats.org/markup-compatibility/2006" xmlns:p14="http://schemas.microsoft.com/office/powerpoint/2010/main">
+    <mc:Choice Requires="p14">
+      <p:transition spd="med" p14:dur="700">
+        <p:fade/>
+      </p:transition>
+    </mc:Choice>
+    <mc:Fallback xmlns="">
+      <p:transition spd="med">
+        <p:fade/>
+      </p:transition>
+    </mc:Fallback>
+  </mc:AlternateContent>
+</p:sld>
+</file>
+
+<file path=ppt/slides/slide41.xml><?xml version="1.0" encoding="utf-8"?>
+<p:sld xmlns:a="http://schemas.openxmlformats.org/drawingml/2006/main" xmlns:r="http://schemas.openxmlformats.org/officeDocument/2006/relationships" xmlns:p="http://schemas.openxmlformats.org/presentationml/2006/main">
+  <p:cSld>
+    <p:spTree>
+      <p:nvGrpSpPr>
+        <p:cNvPr id="1" name=""/>
+        <p:cNvGrpSpPr/>
+        <p:nvPr/>
+      </p:nvGrpSpPr>
+      <p:grpSpPr>
+        <a:xfrm>
+          <a:off x="0" y="0"/>
+          <a:ext cx="0" cy="0"/>
+          <a:chOff x="0" y="0"/>
+          <a:chExt cx="0" cy="0"/>
+        </a:xfrm>
+      </p:grpSpPr>
+      <p:sp>
+        <p:nvSpPr>
+          <p:cNvPr id="2" name="Title 1"/>
+          <p:cNvSpPr>
+            <a:spLocks noGrp="1"/>
+          </p:cNvSpPr>
+          <p:nvPr>
+            <p:ph type="title"/>
+          </p:nvPr>
+        </p:nvSpPr>
+        <p:spPr>
+          <a:xfrm>
+            <a:off x="259881" y="597159"/>
+            <a:ext cx="11569729" cy="895927"/>
+          </a:xfrm>
+        </p:spPr>
+        <p:txBody>
+          <a:bodyPr anchor="ctr">
+            <a:normAutofit/>
+          </a:bodyPr>
+          <a:lstStyle/>
+          <a:p>
+            <a:r>
+              <a:rPr lang="en-US" dirty="0"/>
+              <a:t>Final model Wald statistics</a:t>
+            </a:r>
+          </a:p>
+        </p:txBody>
+      </p:sp>
+      <p:sp>
+        <p:nvSpPr>
+          <p:cNvPr id="6" name="Footer Placeholder 5"/>
+          <p:cNvSpPr>
+            <a:spLocks noGrp="1"/>
+          </p:cNvSpPr>
+          <p:nvPr>
+            <p:ph type="ftr" sz="quarter" idx="11"/>
+          </p:nvPr>
+        </p:nvSpPr>
+        <p:spPr>
+          <a:xfrm>
+            <a:off x="259882" y="6335309"/>
+            <a:ext cx="5226517" cy="250337"/>
+          </a:xfrm>
+        </p:spPr>
+        <p:txBody>
+          <a:bodyPr anchor="ctr">
+            <a:normAutofit/>
+          </a:bodyPr>
+          <a:lstStyle/>
+          <a:p>
+            <a:pPr>
+              <a:spcAft>
+                <a:spcPts val="600"/>
+              </a:spcAft>
+            </a:pPr>
+            <a:r>
+              <a:rPr lang="en-US" dirty="0"/>
+              <a:t>Review Dynamics in Open-Source Software: A Case Study of OpenStack</a:t>
+            </a:r>
+          </a:p>
+        </p:txBody>
+      </p:sp>
+      <p:sp>
+        <p:nvSpPr>
+          <p:cNvPr id="7" name="Slide Number Placeholder 6"/>
+          <p:cNvSpPr>
+            <a:spLocks noGrp="1"/>
+          </p:cNvSpPr>
+          <p:nvPr>
+            <p:ph type="sldNum" sz="quarter" idx="12"/>
+          </p:nvPr>
+        </p:nvSpPr>
+        <p:spPr>
+          <a:xfrm>
+            <a:off x="5588000" y="6335309"/>
+            <a:ext cx="1016000" cy="250337"/>
+          </a:xfrm>
+        </p:spPr>
+        <p:txBody>
+          <a:bodyPr anchor="ctr">
+            <a:normAutofit/>
+          </a:bodyPr>
+          <a:lstStyle/>
+          <a:p>
+            <a:pPr>
+              <a:spcAft>
+                <a:spcPts val="600"/>
+              </a:spcAft>
+            </a:pPr>
+            <a:r>
+              <a:rPr lang="en-US" dirty="0"/>
+              <a:t>PAGE  </a:t>
+            </a:r>
+            <a:fld id="{93005692-73BE-493E-93AB-ECD6027A7652}" type="slidenum">
+              <a:rPr lang="en-US" smtClean="0"/>
+              <a:pPr>
+                <a:spcAft>
+                  <a:spcPts val="600"/>
+                </a:spcAft>
+              </a:pPr>
+              <a:t>41</a:t>
+            </a:fld>
+            <a:endParaRPr lang="en-US"/>
+          </a:p>
+        </p:txBody>
+      </p:sp>
+      <p:graphicFrame>
+        <p:nvGraphicFramePr>
           <p:cNvPr id="14" name="Table 13">
             <a:extLst>
               <a:ext uri="{FF2B5EF4-FFF2-40B4-BE49-F238E27FC236}">
@@ -46913,7 +47735,7 @@
 </p:sld>
 </file>
 
-<file path=ppt/slides/slide41.xml><?xml version="1.0" encoding="utf-8"?>
+<file path=ppt/slides/slide42.xml><?xml version="1.0" encoding="utf-8"?>
 <p:sld xmlns:a="http://schemas.openxmlformats.org/drawingml/2006/main" xmlns:r="http://schemas.openxmlformats.org/officeDocument/2006/relationships" xmlns:p="http://schemas.openxmlformats.org/presentationml/2006/main">
   <p:cSld>
     <p:spTree>
@@ -47063,7 +47885,7 @@
                   <a:spcPts val="600"/>
                 </a:spcAft>
               </a:pPr>
-              <a:t>41</a:t>
+              <a:t>42</a:t>
             </a:fld>
             <a:endParaRPr lang="en-US"/>
           </a:p>
@@ -47094,7 +47916,7 @@
 </p:sld>
 </file>
 
-<file path=ppt/slides/slide42.xml><?xml version="1.0" encoding="utf-8"?>
+<file path=ppt/slides/slide43.xml><?xml version="1.0" encoding="utf-8"?>
 <p:sld xmlns:a="http://schemas.openxmlformats.org/drawingml/2006/main" xmlns:r="http://schemas.openxmlformats.org/officeDocument/2006/relationships" xmlns:p="http://schemas.openxmlformats.org/presentationml/2006/main">
   <p:cSld>
     <p:spTree>
@@ -47196,7 +48018,7 @@
             <a:fld id="{93005692-73BE-493E-93AB-ECD6027A7652}" type="slidenum">
               <a:rPr lang="en-US" smtClean="0"/>
               <a:pPr/>
-              <a:t>42</a:t>
+              <a:t>43</a:t>
             </a:fld>
             <a:endParaRPr lang="en-US" dirty="0"/>
           </a:p>
@@ -47224,6 +48046,2115 @@
       </p:transition>
     </mc:Fallback>
   </mc:AlternateContent>
+</p:sld>
+</file>
+
+<file path=ppt/slides/slide44.xml><?xml version="1.0" encoding="utf-8"?>
+<p:sld xmlns:a="http://schemas.openxmlformats.org/drawingml/2006/main" xmlns:r="http://schemas.openxmlformats.org/officeDocument/2006/relationships" xmlns:p="http://schemas.openxmlformats.org/presentationml/2006/main">
+  <p:cSld>
+    <p:spTree>
+      <p:nvGrpSpPr>
+        <p:cNvPr id="1" name=""/>
+        <p:cNvGrpSpPr/>
+        <p:nvPr/>
+      </p:nvGrpSpPr>
+      <p:grpSpPr>
+        <a:xfrm>
+          <a:off x="0" y="0"/>
+          <a:ext cx="0" cy="0"/>
+          <a:chOff x="0" y="0"/>
+          <a:chExt cx="0" cy="0"/>
+        </a:xfrm>
+      </p:grpSpPr>
+      <p:sp>
+        <p:nvSpPr>
+          <p:cNvPr id="2" name="Title 1">
+            <a:extLst>
+              <a:ext uri="{FF2B5EF4-FFF2-40B4-BE49-F238E27FC236}">
+                <a16:creationId xmlns:a16="http://schemas.microsoft.com/office/drawing/2014/main" id="{1520AD37-FF71-6949-95A0-0F5A6A919EB3}"/>
+              </a:ext>
+            </a:extLst>
+          </p:cNvPr>
+          <p:cNvSpPr>
+            <a:spLocks noGrp="1"/>
+          </p:cNvSpPr>
+          <p:nvPr>
+            <p:ph type="title"/>
+          </p:nvPr>
+        </p:nvSpPr>
+        <p:spPr/>
+        <p:txBody>
+          <a:bodyPr>
+            <a:normAutofit fontScale="90000"/>
+          </a:bodyPr>
+          <a:lstStyle/>
+          <a:p>
+            <a:r>
+              <a:rPr lang="en-US" dirty="0"/>
+              <a:t>Our study shows several implications in an open code review</a:t>
+            </a:r>
+          </a:p>
+        </p:txBody>
+      </p:sp>
+      <p:grpSp>
+        <p:nvGrpSpPr>
+          <p:cNvPr id="19" name="Group 18">
+            <a:extLst>
+              <a:ext uri="{FF2B5EF4-FFF2-40B4-BE49-F238E27FC236}">
+                <a16:creationId xmlns:a16="http://schemas.microsoft.com/office/drawing/2014/main" id="{EDCC6E20-B054-B649-AA88-895C6AAF03AD}"/>
+              </a:ext>
+            </a:extLst>
+          </p:cNvPr>
+          <p:cNvGrpSpPr/>
+          <p:nvPr/>
+        </p:nvGrpSpPr>
+        <p:grpSpPr>
+          <a:xfrm>
+            <a:off x="263965" y="1550169"/>
+            <a:ext cx="3525142" cy="4321223"/>
+            <a:chOff x="263965" y="1550169"/>
+            <a:chExt cx="3525142" cy="4321223"/>
+          </a:xfrm>
+        </p:grpSpPr>
+        <p:sp>
+          <p:nvSpPr>
+            <p:cNvPr id="13" name="Freeform 12">
+              <a:extLst>
+                <a:ext uri="{FF2B5EF4-FFF2-40B4-BE49-F238E27FC236}">
+                  <a16:creationId xmlns:a16="http://schemas.microsoft.com/office/drawing/2014/main" id="{F346E50C-D366-FD42-964D-79CE032A16B2}"/>
+                </a:ext>
+              </a:extLst>
+            </p:cNvPr>
+            <p:cNvSpPr/>
+            <p:nvPr/>
+          </p:nvSpPr>
+          <p:spPr>
+            <a:xfrm>
+              <a:off x="263965" y="1550169"/>
+              <a:ext cx="3525142" cy="777600"/>
+            </a:xfrm>
+            <a:custGeom>
+              <a:avLst/>
+              <a:gdLst>
+                <a:gd name="connsiteX0" fmla="*/ 0 w 3525142"/>
+                <a:gd name="connsiteY0" fmla="*/ 0 h 777600"/>
+                <a:gd name="connsiteX1" fmla="*/ 3525142 w 3525142"/>
+                <a:gd name="connsiteY1" fmla="*/ 0 h 777600"/>
+                <a:gd name="connsiteX2" fmla="*/ 3525142 w 3525142"/>
+                <a:gd name="connsiteY2" fmla="*/ 777600 h 777600"/>
+                <a:gd name="connsiteX3" fmla="*/ 0 w 3525142"/>
+                <a:gd name="connsiteY3" fmla="*/ 777600 h 777600"/>
+                <a:gd name="connsiteX4" fmla="*/ 0 w 3525142"/>
+                <a:gd name="connsiteY4" fmla="*/ 0 h 777600"/>
+              </a:gdLst>
+              <a:ahLst/>
+              <a:cxnLst>
+                <a:cxn ang="0">
+                  <a:pos x="connsiteX0" y="connsiteY0"/>
+                </a:cxn>
+                <a:cxn ang="0">
+                  <a:pos x="connsiteX1" y="connsiteY1"/>
+                </a:cxn>
+                <a:cxn ang="0">
+                  <a:pos x="connsiteX2" y="connsiteY2"/>
+                </a:cxn>
+                <a:cxn ang="0">
+                  <a:pos x="connsiteX3" y="connsiteY3"/>
+                </a:cxn>
+                <a:cxn ang="0">
+                  <a:pos x="connsiteX4" y="connsiteY4"/>
+                </a:cxn>
+              </a:cxnLst>
+              <a:rect l="l" t="t" r="r" b="b"/>
+              <a:pathLst>
+                <a:path w="3525142" h="777600">
+                  <a:moveTo>
+                    <a:pt x="0" y="0"/>
+                  </a:moveTo>
+                  <a:lnTo>
+                    <a:pt x="3525142" y="0"/>
+                  </a:lnTo>
+                  <a:lnTo>
+                    <a:pt x="3525142" y="777600"/>
+                  </a:lnTo>
+                  <a:lnTo>
+                    <a:pt x="0" y="777600"/>
+                  </a:lnTo>
+                  <a:lnTo>
+                    <a:pt x="0" y="0"/>
+                  </a:lnTo>
+                  <a:close/>
+                </a:path>
+              </a:pathLst>
+            </a:custGeom>
+          </p:spPr>
+          <p:style>
+            <a:lnRef idx="2">
+              <a:schemeClr val="accent1">
+                <a:hueOff val="0"/>
+                <a:satOff val="0"/>
+                <a:lumOff val="0"/>
+                <a:alphaOff val="0"/>
+              </a:schemeClr>
+            </a:lnRef>
+            <a:fillRef idx="1">
+              <a:schemeClr val="accent1">
+                <a:hueOff val="0"/>
+                <a:satOff val="0"/>
+                <a:lumOff val="0"/>
+                <a:alphaOff val="0"/>
+              </a:schemeClr>
+            </a:fillRef>
+            <a:effectRef idx="0">
+              <a:schemeClr val="accent1">
+                <a:hueOff val="0"/>
+                <a:satOff val="0"/>
+                <a:lumOff val="0"/>
+                <a:alphaOff val="0"/>
+              </a:schemeClr>
+            </a:effectRef>
+            <a:fontRef idx="minor">
+              <a:schemeClr val="lt1"/>
+            </a:fontRef>
+          </p:style>
+          <p:txBody>
+            <a:bodyPr spcFirstLastPara="0" vert="horz" wrap="square" lIns="192024" tIns="109728" rIns="192024" bIns="109728" numCol="1" spcCol="1270" anchor="ctr" anchorCtr="0">
+              <a:noAutofit/>
+            </a:bodyPr>
+            <a:lstStyle/>
+            <a:p>
+              <a:pPr marL="0" lvl="0" indent="0" algn="ctr" defTabSz="1200150">
+                <a:lnSpc>
+                  <a:spcPct val="90000"/>
+                </a:lnSpc>
+                <a:spcBef>
+                  <a:spcPct val="0"/>
+                </a:spcBef>
+                <a:spcAft>
+                  <a:spcPct val="35000"/>
+                </a:spcAft>
+                <a:buNone/>
+              </a:pPr>
+              <a:r>
+                <a:rPr lang="en-US" sz="2700" kern="1200" dirty="0"/>
+                <a:t>Dynamics</a:t>
+              </a:r>
+            </a:p>
+          </p:txBody>
+        </p:sp>
+        <p:sp>
+          <p:nvSpPr>
+            <p:cNvPr id="14" name="Freeform 13">
+              <a:extLst>
+                <a:ext uri="{FF2B5EF4-FFF2-40B4-BE49-F238E27FC236}">
+                  <a16:creationId xmlns:a16="http://schemas.microsoft.com/office/drawing/2014/main" id="{BDC6742F-2800-034C-B61D-3ADFE92D5150}"/>
+                </a:ext>
+              </a:extLst>
+            </p:cNvPr>
+            <p:cNvSpPr/>
+            <p:nvPr/>
+          </p:nvSpPr>
+          <p:spPr>
+            <a:xfrm>
+              <a:off x="263965" y="2327769"/>
+              <a:ext cx="3525142" cy="3543623"/>
+            </a:xfrm>
+            <a:custGeom>
+              <a:avLst/>
+              <a:gdLst>
+                <a:gd name="connsiteX0" fmla="*/ 0 w 3525142"/>
+                <a:gd name="connsiteY0" fmla="*/ 0 h 3543623"/>
+                <a:gd name="connsiteX1" fmla="*/ 3525142 w 3525142"/>
+                <a:gd name="connsiteY1" fmla="*/ 0 h 3543623"/>
+                <a:gd name="connsiteX2" fmla="*/ 3525142 w 3525142"/>
+                <a:gd name="connsiteY2" fmla="*/ 3543623 h 3543623"/>
+                <a:gd name="connsiteX3" fmla="*/ 0 w 3525142"/>
+                <a:gd name="connsiteY3" fmla="*/ 3543623 h 3543623"/>
+                <a:gd name="connsiteX4" fmla="*/ 0 w 3525142"/>
+                <a:gd name="connsiteY4" fmla="*/ 0 h 3543623"/>
+              </a:gdLst>
+              <a:ahLst/>
+              <a:cxnLst>
+                <a:cxn ang="0">
+                  <a:pos x="connsiteX0" y="connsiteY0"/>
+                </a:cxn>
+                <a:cxn ang="0">
+                  <a:pos x="connsiteX1" y="connsiteY1"/>
+                </a:cxn>
+                <a:cxn ang="0">
+                  <a:pos x="connsiteX2" y="connsiteY2"/>
+                </a:cxn>
+                <a:cxn ang="0">
+                  <a:pos x="connsiteX3" y="connsiteY3"/>
+                </a:cxn>
+                <a:cxn ang="0">
+                  <a:pos x="connsiteX4" y="connsiteY4"/>
+                </a:cxn>
+              </a:cxnLst>
+              <a:rect l="l" t="t" r="r" b="b"/>
+              <a:pathLst>
+                <a:path w="3525142" h="3543623">
+                  <a:moveTo>
+                    <a:pt x="0" y="0"/>
+                  </a:moveTo>
+                  <a:lnTo>
+                    <a:pt x="3525142" y="0"/>
+                  </a:lnTo>
+                  <a:lnTo>
+                    <a:pt x="3525142" y="3543623"/>
+                  </a:lnTo>
+                  <a:lnTo>
+                    <a:pt x="0" y="3543623"/>
+                  </a:lnTo>
+                  <a:lnTo>
+                    <a:pt x="0" y="0"/>
+                  </a:lnTo>
+                  <a:close/>
+                </a:path>
+              </a:pathLst>
+            </a:custGeom>
+          </p:spPr>
+          <p:style>
+            <a:lnRef idx="2">
+              <a:schemeClr val="accent1">
+                <a:alpha val="90000"/>
+                <a:tint val="40000"/>
+                <a:hueOff val="0"/>
+                <a:satOff val="0"/>
+                <a:lumOff val="0"/>
+                <a:alphaOff val="0"/>
+              </a:schemeClr>
+            </a:lnRef>
+            <a:fillRef idx="1">
+              <a:schemeClr val="accent1">
+                <a:alpha val="90000"/>
+                <a:tint val="40000"/>
+                <a:hueOff val="0"/>
+                <a:satOff val="0"/>
+                <a:lumOff val="0"/>
+                <a:alphaOff val="0"/>
+              </a:schemeClr>
+            </a:fillRef>
+            <a:effectRef idx="0">
+              <a:schemeClr val="accent1">
+                <a:alpha val="90000"/>
+                <a:tint val="40000"/>
+                <a:hueOff val="0"/>
+                <a:satOff val="0"/>
+                <a:lumOff val="0"/>
+                <a:alphaOff val="0"/>
+              </a:schemeClr>
+            </a:effectRef>
+            <a:fontRef idx="minor">
+              <a:schemeClr val="dk1">
+                <a:hueOff val="0"/>
+                <a:satOff val="0"/>
+                <a:lumOff val="0"/>
+                <a:alphaOff val="0"/>
+              </a:schemeClr>
+            </a:fontRef>
+          </p:style>
+          <p:txBody>
+            <a:bodyPr spcFirstLastPara="0" vert="horz" wrap="square" lIns="144018" tIns="144018" rIns="192024" bIns="216027" numCol="1" spcCol="1270" anchor="t" anchorCtr="0">
+              <a:noAutofit/>
+            </a:bodyPr>
+            <a:lstStyle/>
+            <a:p>
+              <a:pPr marL="0" lvl="1" indent="0" algn="l" defTabSz="1200150">
+                <a:lnSpc>
+                  <a:spcPct val="90000"/>
+                </a:lnSpc>
+                <a:spcBef>
+                  <a:spcPct val="0"/>
+                </a:spcBef>
+                <a:spcAft>
+                  <a:spcPct val="15000"/>
+                </a:spcAft>
+                <a:buNone/>
+              </a:pPr>
+              <a:r>
+                <a:rPr lang="en-US" sz="2700" kern="1200" dirty="0"/>
+                <a:t>Reviewers tend to adhere to opinions of the community. </a:t>
+              </a:r>
+            </a:p>
+            <a:p>
+              <a:pPr marL="0" lvl="1" indent="0" algn="l" defTabSz="1200150">
+                <a:lnSpc>
+                  <a:spcPct val="90000"/>
+                </a:lnSpc>
+                <a:spcBef>
+                  <a:spcPct val="0"/>
+                </a:spcBef>
+                <a:spcAft>
+                  <a:spcPct val="15000"/>
+                </a:spcAft>
+                <a:buNone/>
+              </a:pPr>
+              <a:endParaRPr lang="en-US" sz="2700" kern="1200" dirty="0"/>
+            </a:p>
+            <a:p>
+              <a:pPr marL="0" lvl="1" indent="0" algn="l" defTabSz="1200150">
+                <a:lnSpc>
+                  <a:spcPct val="90000"/>
+                </a:lnSpc>
+                <a:spcBef>
+                  <a:spcPct val="0"/>
+                </a:spcBef>
+                <a:spcAft>
+                  <a:spcPct val="15000"/>
+                </a:spcAft>
+                <a:buNone/>
+              </a:pPr>
+              <a:r>
+                <a:rPr lang="en-US" sz="2700" kern="1200" dirty="0"/>
+                <a:t>However, this has  little impact on the patch qualities.</a:t>
+              </a:r>
+            </a:p>
+          </p:txBody>
+        </p:sp>
+      </p:grpSp>
+      <p:grpSp>
+        <p:nvGrpSpPr>
+          <p:cNvPr id="20" name="Group 19">
+            <a:extLst>
+              <a:ext uri="{FF2B5EF4-FFF2-40B4-BE49-F238E27FC236}">
+                <a16:creationId xmlns:a16="http://schemas.microsoft.com/office/drawing/2014/main" id="{37103187-E157-5143-8012-B78656087C85}"/>
+              </a:ext>
+            </a:extLst>
+          </p:cNvPr>
+          <p:cNvGrpSpPr/>
+          <p:nvPr/>
+        </p:nvGrpSpPr>
+        <p:grpSpPr>
+          <a:xfrm>
+            <a:off x="4282628" y="1550169"/>
+            <a:ext cx="3525142" cy="4321223"/>
+            <a:chOff x="4282628" y="1550169"/>
+            <a:chExt cx="3525142" cy="4321223"/>
+          </a:xfrm>
+        </p:grpSpPr>
+        <p:sp>
+          <p:nvSpPr>
+            <p:cNvPr id="15" name="Freeform 14">
+              <a:extLst>
+                <a:ext uri="{FF2B5EF4-FFF2-40B4-BE49-F238E27FC236}">
+                  <a16:creationId xmlns:a16="http://schemas.microsoft.com/office/drawing/2014/main" id="{4A38F118-1A6D-2B46-9A1A-260AE4F21875}"/>
+                </a:ext>
+              </a:extLst>
+            </p:cNvPr>
+            <p:cNvSpPr/>
+            <p:nvPr/>
+          </p:nvSpPr>
+          <p:spPr>
+            <a:xfrm>
+              <a:off x="4282628" y="1550169"/>
+              <a:ext cx="3525142" cy="777600"/>
+            </a:xfrm>
+            <a:custGeom>
+              <a:avLst/>
+              <a:gdLst>
+                <a:gd name="connsiteX0" fmla="*/ 0 w 3525142"/>
+                <a:gd name="connsiteY0" fmla="*/ 0 h 777600"/>
+                <a:gd name="connsiteX1" fmla="*/ 3525142 w 3525142"/>
+                <a:gd name="connsiteY1" fmla="*/ 0 h 777600"/>
+                <a:gd name="connsiteX2" fmla="*/ 3525142 w 3525142"/>
+                <a:gd name="connsiteY2" fmla="*/ 777600 h 777600"/>
+                <a:gd name="connsiteX3" fmla="*/ 0 w 3525142"/>
+                <a:gd name="connsiteY3" fmla="*/ 777600 h 777600"/>
+                <a:gd name="connsiteX4" fmla="*/ 0 w 3525142"/>
+                <a:gd name="connsiteY4" fmla="*/ 0 h 777600"/>
+              </a:gdLst>
+              <a:ahLst/>
+              <a:cxnLst>
+                <a:cxn ang="0">
+                  <a:pos x="connsiteX0" y="connsiteY0"/>
+                </a:cxn>
+                <a:cxn ang="0">
+                  <a:pos x="connsiteX1" y="connsiteY1"/>
+                </a:cxn>
+                <a:cxn ang="0">
+                  <a:pos x="connsiteX2" y="connsiteY2"/>
+                </a:cxn>
+                <a:cxn ang="0">
+                  <a:pos x="connsiteX3" y="connsiteY3"/>
+                </a:cxn>
+                <a:cxn ang="0">
+                  <a:pos x="connsiteX4" y="connsiteY4"/>
+                </a:cxn>
+              </a:cxnLst>
+              <a:rect l="l" t="t" r="r" b="b"/>
+              <a:pathLst>
+                <a:path w="3525142" h="777600">
+                  <a:moveTo>
+                    <a:pt x="0" y="0"/>
+                  </a:moveTo>
+                  <a:lnTo>
+                    <a:pt x="3525142" y="0"/>
+                  </a:lnTo>
+                  <a:lnTo>
+                    <a:pt x="3525142" y="777600"/>
+                  </a:lnTo>
+                  <a:lnTo>
+                    <a:pt x="0" y="777600"/>
+                  </a:lnTo>
+                  <a:lnTo>
+                    <a:pt x="0" y="0"/>
+                  </a:lnTo>
+                  <a:close/>
+                </a:path>
+              </a:pathLst>
+            </a:custGeom>
+          </p:spPr>
+          <p:style>
+            <a:lnRef idx="2">
+              <a:schemeClr val="accent1">
+                <a:hueOff val="0"/>
+                <a:satOff val="0"/>
+                <a:lumOff val="0"/>
+                <a:alphaOff val="0"/>
+              </a:schemeClr>
+            </a:lnRef>
+            <a:fillRef idx="1">
+              <a:schemeClr val="accent1">
+                <a:hueOff val="0"/>
+                <a:satOff val="0"/>
+                <a:lumOff val="0"/>
+                <a:alphaOff val="0"/>
+              </a:schemeClr>
+            </a:fillRef>
+            <a:effectRef idx="0">
+              <a:schemeClr val="accent1">
+                <a:hueOff val="0"/>
+                <a:satOff val="0"/>
+                <a:lumOff val="0"/>
+                <a:alphaOff val="0"/>
+              </a:schemeClr>
+            </a:effectRef>
+            <a:fontRef idx="minor">
+              <a:schemeClr val="lt1"/>
+            </a:fontRef>
+          </p:style>
+          <p:txBody>
+            <a:bodyPr spcFirstLastPara="0" vert="horz" wrap="square" lIns="192024" tIns="109728" rIns="192024" bIns="109728" numCol="1" spcCol="1270" anchor="ctr" anchorCtr="0">
+              <a:noAutofit/>
+            </a:bodyPr>
+            <a:lstStyle/>
+            <a:p>
+              <a:pPr marL="0" lvl="0" indent="0" algn="ctr" defTabSz="1200150">
+                <a:lnSpc>
+                  <a:spcPct val="90000"/>
+                </a:lnSpc>
+                <a:spcBef>
+                  <a:spcPct val="0"/>
+                </a:spcBef>
+                <a:spcAft>
+                  <a:spcPct val="35000"/>
+                </a:spcAft>
+                <a:buNone/>
+              </a:pPr>
+              <a:r>
+                <a:rPr lang="en-US" sz="2700" kern="1200" dirty="0"/>
+                <a:t>Patch</a:t>
+              </a:r>
+            </a:p>
+          </p:txBody>
+        </p:sp>
+        <p:sp>
+          <p:nvSpPr>
+            <p:cNvPr id="16" name="Freeform 15">
+              <a:extLst>
+                <a:ext uri="{FF2B5EF4-FFF2-40B4-BE49-F238E27FC236}">
+                  <a16:creationId xmlns:a16="http://schemas.microsoft.com/office/drawing/2014/main" id="{CE1D8E1D-23AB-C743-9B78-9696DEEFBE42}"/>
+                </a:ext>
+              </a:extLst>
+            </p:cNvPr>
+            <p:cNvSpPr/>
+            <p:nvPr/>
+          </p:nvSpPr>
+          <p:spPr>
+            <a:xfrm>
+              <a:off x="4282628" y="2327769"/>
+              <a:ext cx="3525142" cy="3543623"/>
+            </a:xfrm>
+            <a:custGeom>
+              <a:avLst/>
+              <a:gdLst>
+                <a:gd name="connsiteX0" fmla="*/ 0 w 3525142"/>
+                <a:gd name="connsiteY0" fmla="*/ 0 h 3543623"/>
+                <a:gd name="connsiteX1" fmla="*/ 3525142 w 3525142"/>
+                <a:gd name="connsiteY1" fmla="*/ 0 h 3543623"/>
+                <a:gd name="connsiteX2" fmla="*/ 3525142 w 3525142"/>
+                <a:gd name="connsiteY2" fmla="*/ 3543623 h 3543623"/>
+                <a:gd name="connsiteX3" fmla="*/ 0 w 3525142"/>
+                <a:gd name="connsiteY3" fmla="*/ 3543623 h 3543623"/>
+                <a:gd name="connsiteX4" fmla="*/ 0 w 3525142"/>
+                <a:gd name="connsiteY4" fmla="*/ 0 h 3543623"/>
+              </a:gdLst>
+              <a:ahLst/>
+              <a:cxnLst>
+                <a:cxn ang="0">
+                  <a:pos x="connsiteX0" y="connsiteY0"/>
+                </a:cxn>
+                <a:cxn ang="0">
+                  <a:pos x="connsiteX1" y="connsiteY1"/>
+                </a:cxn>
+                <a:cxn ang="0">
+                  <a:pos x="connsiteX2" y="connsiteY2"/>
+                </a:cxn>
+                <a:cxn ang="0">
+                  <a:pos x="connsiteX3" y="connsiteY3"/>
+                </a:cxn>
+                <a:cxn ang="0">
+                  <a:pos x="connsiteX4" y="connsiteY4"/>
+                </a:cxn>
+              </a:cxnLst>
+              <a:rect l="l" t="t" r="r" b="b"/>
+              <a:pathLst>
+                <a:path w="3525142" h="3543623">
+                  <a:moveTo>
+                    <a:pt x="0" y="0"/>
+                  </a:moveTo>
+                  <a:lnTo>
+                    <a:pt x="3525142" y="0"/>
+                  </a:lnTo>
+                  <a:lnTo>
+                    <a:pt x="3525142" y="3543623"/>
+                  </a:lnTo>
+                  <a:lnTo>
+                    <a:pt x="0" y="3543623"/>
+                  </a:lnTo>
+                  <a:lnTo>
+                    <a:pt x="0" y="0"/>
+                  </a:lnTo>
+                  <a:close/>
+                </a:path>
+              </a:pathLst>
+            </a:custGeom>
+          </p:spPr>
+          <p:style>
+            <a:lnRef idx="2">
+              <a:schemeClr val="accent1">
+                <a:alpha val="90000"/>
+                <a:tint val="40000"/>
+                <a:hueOff val="0"/>
+                <a:satOff val="0"/>
+                <a:lumOff val="0"/>
+                <a:alphaOff val="0"/>
+              </a:schemeClr>
+            </a:lnRef>
+            <a:fillRef idx="1">
+              <a:schemeClr val="accent1">
+                <a:alpha val="90000"/>
+                <a:tint val="40000"/>
+                <a:hueOff val="0"/>
+                <a:satOff val="0"/>
+                <a:lumOff val="0"/>
+                <a:alphaOff val="0"/>
+              </a:schemeClr>
+            </a:fillRef>
+            <a:effectRef idx="0">
+              <a:schemeClr val="accent1">
+                <a:alpha val="90000"/>
+                <a:tint val="40000"/>
+                <a:hueOff val="0"/>
+                <a:satOff val="0"/>
+                <a:lumOff val="0"/>
+                <a:alphaOff val="0"/>
+              </a:schemeClr>
+            </a:effectRef>
+            <a:fontRef idx="minor">
+              <a:schemeClr val="dk1">
+                <a:hueOff val="0"/>
+                <a:satOff val="0"/>
+                <a:lumOff val="0"/>
+                <a:alphaOff val="0"/>
+              </a:schemeClr>
+            </a:fontRef>
+          </p:style>
+          <p:txBody>
+            <a:bodyPr spcFirstLastPara="0" vert="horz" wrap="square" lIns="144018" tIns="144018" rIns="192024" bIns="216027" numCol="1" spcCol="1270" anchor="t" anchorCtr="0">
+              <a:noAutofit/>
+            </a:bodyPr>
+            <a:lstStyle/>
+            <a:p>
+              <a:pPr marL="0" lvl="1" indent="0" algn="l" defTabSz="1200150">
+                <a:lnSpc>
+                  <a:spcPct val="90000"/>
+                </a:lnSpc>
+                <a:spcBef>
+                  <a:spcPct val="0"/>
+                </a:spcBef>
+                <a:spcAft>
+                  <a:spcPct val="15000"/>
+                </a:spcAft>
+                <a:buNone/>
+              </a:pPr>
+              <a:r>
+                <a:rPr lang="en-US" sz="2700" kern="1200" dirty="0"/>
+                <a:t>Reviewers tend to prefer patches with low entropy and small modifications.</a:t>
+              </a:r>
+            </a:p>
+            <a:p>
+              <a:pPr marL="0" lvl="1" indent="0" algn="l" defTabSz="1200150">
+                <a:lnSpc>
+                  <a:spcPct val="90000"/>
+                </a:lnSpc>
+                <a:spcBef>
+                  <a:spcPct val="0"/>
+                </a:spcBef>
+                <a:spcAft>
+                  <a:spcPct val="15000"/>
+                </a:spcAft>
+                <a:buNone/>
+              </a:pPr>
+              <a:endParaRPr lang="en-US" sz="2700" kern="1200" dirty="0"/>
+            </a:p>
+            <a:p>
+              <a:pPr marL="0" lvl="1" indent="0" algn="l" defTabSz="1200150">
+                <a:lnSpc>
+                  <a:spcPct val="90000"/>
+                </a:lnSpc>
+                <a:spcBef>
+                  <a:spcPct val="0"/>
+                </a:spcBef>
+                <a:spcAft>
+                  <a:spcPct val="15000"/>
+                </a:spcAft>
+                <a:buNone/>
+              </a:pPr>
+              <a:r>
+                <a:rPr lang="en-US" sz="2700" kern="1200" dirty="0"/>
+                <a:t>High entropy is also associated with high likelihood of defects.</a:t>
+              </a:r>
+            </a:p>
+          </p:txBody>
+        </p:sp>
+      </p:grpSp>
+      <p:grpSp>
+        <p:nvGrpSpPr>
+          <p:cNvPr id="21" name="Group 20">
+            <a:extLst>
+              <a:ext uri="{FF2B5EF4-FFF2-40B4-BE49-F238E27FC236}">
+                <a16:creationId xmlns:a16="http://schemas.microsoft.com/office/drawing/2014/main" id="{A4847393-50E9-9D45-A0C1-BBF8FAA186C5}"/>
+              </a:ext>
+            </a:extLst>
+          </p:cNvPr>
+          <p:cNvGrpSpPr/>
+          <p:nvPr/>
+        </p:nvGrpSpPr>
+        <p:grpSpPr>
+          <a:xfrm>
+            <a:off x="8301291" y="1550169"/>
+            <a:ext cx="3525142" cy="4321223"/>
+            <a:chOff x="8301291" y="1550169"/>
+            <a:chExt cx="3525142" cy="4321223"/>
+          </a:xfrm>
+        </p:grpSpPr>
+        <p:sp>
+          <p:nvSpPr>
+            <p:cNvPr id="17" name="Freeform 16">
+              <a:extLst>
+                <a:ext uri="{FF2B5EF4-FFF2-40B4-BE49-F238E27FC236}">
+                  <a16:creationId xmlns:a16="http://schemas.microsoft.com/office/drawing/2014/main" id="{D14593A1-06A1-774D-8898-67DB39607FCA}"/>
+                </a:ext>
+              </a:extLst>
+            </p:cNvPr>
+            <p:cNvSpPr/>
+            <p:nvPr/>
+          </p:nvSpPr>
+          <p:spPr>
+            <a:xfrm>
+              <a:off x="8301291" y="1550169"/>
+              <a:ext cx="3525142" cy="777600"/>
+            </a:xfrm>
+            <a:custGeom>
+              <a:avLst/>
+              <a:gdLst>
+                <a:gd name="connsiteX0" fmla="*/ 0 w 3525142"/>
+                <a:gd name="connsiteY0" fmla="*/ 0 h 777600"/>
+                <a:gd name="connsiteX1" fmla="*/ 3525142 w 3525142"/>
+                <a:gd name="connsiteY1" fmla="*/ 0 h 777600"/>
+                <a:gd name="connsiteX2" fmla="*/ 3525142 w 3525142"/>
+                <a:gd name="connsiteY2" fmla="*/ 777600 h 777600"/>
+                <a:gd name="connsiteX3" fmla="*/ 0 w 3525142"/>
+                <a:gd name="connsiteY3" fmla="*/ 777600 h 777600"/>
+                <a:gd name="connsiteX4" fmla="*/ 0 w 3525142"/>
+                <a:gd name="connsiteY4" fmla="*/ 0 h 777600"/>
+              </a:gdLst>
+              <a:ahLst/>
+              <a:cxnLst>
+                <a:cxn ang="0">
+                  <a:pos x="connsiteX0" y="connsiteY0"/>
+                </a:cxn>
+                <a:cxn ang="0">
+                  <a:pos x="connsiteX1" y="connsiteY1"/>
+                </a:cxn>
+                <a:cxn ang="0">
+                  <a:pos x="connsiteX2" y="connsiteY2"/>
+                </a:cxn>
+                <a:cxn ang="0">
+                  <a:pos x="connsiteX3" y="connsiteY3"/>
+                </a:cxn>
+                <a:cxn ang="0">
+                  <a:pos x="connsiteX4" y="connsiteY4"/>
+                </a:cxn>
+              </a:cxnLst>
+              <a:rect l="l" t="t" r="r" b="b"/>
+              <a:pathLst>
+                <a:path w="3525142" h="777600">
+                  <a:moveTo>
+                    <a:pt x="0" y="0"/>
+                  </a:moveTo>
+                  <a:lnTo>
+                    <a:pt x="3525142" y="0"/>
+                  </a:lnTo>
+                  <a:lnTo>
+                    <a:pt x="3525142" y="777600"/>
+                  </a:lnTo>
+                  <a:lnTo>
+                    <a:pt x="0" y="777600"/>
+                  </a:lnTo>
+                  <a:lnTo>
+                    <a:pt x="0" y="0"/>
+                  </a:lnTo>
+                  <a:close/>
+                </a:path>
+              </a:pathLst>
+            </a:custGeom>
+          </p:spPr>
+          <p:style>
+            <a:lnRef idx="2">
+              <a:schemeClr val="accent1">
+                <a:hueOff val="0"/>
+                <a:satOff val="0"/>
+                <a:lumOff val="0"/>
+                <a:alphaOff val="0"/>
+              </a:schemeClr>
+            </a:lnRef>
+            <a:fillRef idx="1">
+              <a:schemeClr val="accent1">
+                <a:hueOff val="0"/>
+                <a:satOff val="0"/>
+                <a:lumOff val="0"/>
+                <a:alphaOff val="0"/>
+              </a:schemeClr>
+            </a:fillRef>
+            <a:effectRef idx="0">
+              <a:schemeClr val="accent1">
+                <a:hueOff val="0"/>
+                <a:satOff val="0"/>
+                <a:lumOff val="0"/>
+                <a:alphaOff val="0"/>
+              </a:schemeClr>
+            </a:effectRef>
+            <a:fontRef idx="minor">
+              <a:schemeClr val="lt1"/>
+            </a:fontRef>
+          </p:style>
+          <p:txBody>
+            <a:bodyPr spcFirstLastPara="0" vert="horz" wrap="square" lIns="192024" tIns="109728" rIns="192024" bIns="109728" numCol="1" spcCol="1270" anchor="ctr" anchorCtr="0">
+              <a:noAutofit/>
+            </a:bodyPr>
+            <a:lstStyle/>
+            <a:p>
+              <a:pPr marL="0" lvl="0" indent="0" algn="ctr" defTabSz="1200150">
+                <a:lnSpc>
+                  <a:spcPct val="90000"/>
+                </a:lnSpc>
+                <a:spcBef>
+                  <a:spcPct val="0"/>
+                </a:spcBef>
+                <a:spcAft>
+                  <a:spcPct val="35000"/>
+                </a:spcAft>
+                <a:buNone/>
+              </a:pPr>
+              <a:r>
+                <a:rPr lang="en-US" sz="2700" kern="1200" dirty="0"/>
+                <a:t>Reviewers</a:t>
+              </a:r>
+            </a:p>
+          </p:txBody>
+        </p:sp>
+        <p:sp>
+          <p:nvSpPr>
+            <p:cNvPr id="18" name="Freeform 17">
+              <a:extLst>
+                <a:ext uri="{FF2B5EF4-FFF2-40B4-BE49-F238E27FC236}">
+                  <a16:creationId xmlns:a16="http://schemas.microsoft.com/office/drawing/2014/main" id="{7EB700D0-AB32-224C-BEFF-B1AA3CB09AA0}"/>
+                </a:ext>
+              </a:extLst>
+            </p:cNvPr>
+            <p:cNvSpPr/>
+            <p:nvPr/>
+          </p:nvSpPr>
+          <p:spPr>
+            <a:xfrm>
+              <a:off x="8301291" y="2327769"/>
+              <a:ext cx="3525142" cy="3543623"/>
+            </a:xfrm>
+            <a:custGeom>
+              <a:avLst/>
+              <a:gdLst>
+                <a:gd name="connsiteX0" fmla="*/ 0 w 3525142"/>
+                <a:gd name="connsiteY0" fmla="*/ 0 h 3543623"/>
+                <a:gd name="connsiteX1" fmla="*/ 3525142 w 3525142"/>
+                <a:gd name="connsiteY1" fmla="*/ 0 h 3543623"/>
+                <a:gd name="connsiteX2" fmla="*/ 3525142 w 3525142"/>
+                <a:gd name="connsiteY2" fmla="*/ 3543623 h 3543623"/>
+                <a:gd name="connsiteX3" fmla="*/ 0 w 3525142"/>
+                <a:gd name="connsiteY3" fmla="*/ 3543623 h 3543623"/>
+                <a:gd name="connsiteX4" fmla="*/ 0 w 3525142"/>
+                <a:gd name="connsiteY4" fmla="*/ 0 h 3543623"/>
+              </a:gdLst>
+              <a:ahLst/>
+              <a:cxnLst>
+                <a:cxn ang="0">
+                  <a:pos x="connsiteX0" y="connsiteY0"/>
+                </a:cxn>
+                <a:cxn ang="0">
+                  <a:pos x="connsiteX1" y="connsiteY1"/>
+                </a:cxn>
+                <a:cxn ang="0">
+                  <a:pos x="connsiteX2" y="connsiteY2"/>
+                </a:cxn>
+                <a:cxn ang="0">
+                  <a:pos x="connsiteX3" y="connsiteY3"/>
+                </a:cxn>
+                <a:cxn ang="0">
+                  <a:pos x="connsiteX4" y="connsiteY4"/>
+                </a:cxn>
+              </a:cxnLst>
+              <a:rect l="l" t="t" r="r" b="b"/>
+              <a:pathLst>
+                <a:path w="3525142" h="3543623">
+                  <a:moveTo>
+                    <a:pt x="0" y="0"/>
+                  </a:moveTo>
+                  <a:lnTo>
+                    <a:pt x="3525142" y="0"/>
+                  </a:lnTo>
+                  <a:lnTo>
+                    <a:pt x="3525142" y="3543623"/>
+                  </a:lnTo>
+                  <a:lnTo>
+                    <a:pt x="0" y="3543623"/>
+                  </a:lnTo>
+                  <a:lnTo>
+                    <a:pt x="0" y="0"/>
+                  </a:lnTo>
+                  <a:close/>
+                </a:path>
+              </a:pathLst>
+            </a:custGeom>
+          </p:spPr>
+          <p:style>
+            <a:lnRef idx="2">
+              <a:schemeClr val="accent1">
+                <a:alpha val="90000"/>
+                <a:tint val="40000"/>
+                <a:hueOff val="0"/>
+                <a:satOff val="0"/>
+                <a:lumOff val="0"/>
+                <a:alphaOff val="0"/>
+              </a:schemeClr>
+            </a:lnRef>
+            <a:fillRef idx="1">
+              <a:schemeClr val="accent1">
+                <a:alpha val="90000"/>
+                <a:tint val="40000"/>
+                <a:hueOff val="0"/>
+                <a:satOff val="0"/>
+                <a:lumOff val="0"/>
+                <a:alphaOff val="0"/>
+              </a:schemeClr>
+            </a:fillRef>
+            <a:effectRef idx="0">
+              <a:schemeClr val="accent1">
+                <a:alpha val="90000"/>
+                <a:tint val="40000"/>
+                <a:hueOff val="0"/>
+                <a:satOff val="0"/>
+                <a:lumOff val="0"/>
+                <a:alphaOff val="0"/>
+              </a:schemeClr>
+            </a:effectRef>
+            <a:fontRef idx="minor">
+              <a:schemeClr val="dk1">
+                <a:hueOff val="0"/>
+                <a:satOff val="0"/>
+                <a:lumOff val="0"/>
+                <a:alphaOff val="0"/>
+              </a:schemeClr>
+            </a:fontRef>
+          </p:style>
+          <p:txBody>
+            <a:bodyPr spcFirstLastPara="0" vert="horz" wrap="square" lIns="144018" tIns="144018" rIns="192024" bIns="216027" numCol="1" spcCol="1270" anchor="t" anchorCtr="0">
+              <a:noAutofit/>
+            </a:bodyPr>
+            <a:lstStyle/>
+            <a:p>
+              <a:pPr marL="0" lvl="1" indent="0" algn="l" defTabSz="1200150">
+                <a:lnSpc>
+                  <a:spcPct val="90000"/>
+                </a:lnSpc>
+                <a:spcBef>
+                  <a:spcPct val="0"/>
+                </a:spcBef>
+                <a:spcAft>
+                  <a:spcPct val="15000"/>
+                </a:spcAft>
+                <a:buNone/>
+              </a:pPr>
+              <a:r>
+                <a:rPr lang="en-US" sz="2700" kern="1200" dirty="0"/>
+                <a:t>There is no evidence of strong association between the reviewer’s own characteristics (including past relationship with the author) and the vote outcome.</a:t>
+              </a:r>
+            </a:p>
+          </p:txBody>
+        </p:sp>
+      </p:grpSp>
+      <p:sp>
+        <p:nvSpPr>
+          <p:cNvPr id="4" name="Footer Placeholder 3">
+            <a:extLst>
+              <a:ext uri="{FF2B5EF4-FFF2-40B4-BE49-F238E27FC236}">
+                <a16:creationId xmlns:a16="http://schemas.microsoft.com/office/drawing/2014/main" id="{42BC3F0B-90D7-E347-8848-B0129F5076B0}"/>
+              </a:ext>
+            </a:extLst>
+          </p:cNvPr>
+          <p:cNvSpPr>
+            <a:spLocks noGrp="1"/>
+          </p:cNvSpPr>
+          <p:nvPr>
+            <p:ph type="ftr" sz="quarter" idx="11"/>
+          </p:nvPr>
+        </p:nvSpPr>
+        <p:spPr/>
+        <p:txBody>
+          <a:bodyPr/>
+          <a:lstStyle/>
+          <a:p>
+            <a:r>
+              <a:rPr lang="en-US"/>
+              <a:t>Review Dynamics in Open-Source Software: A Case Study of OpenStack</a:t>
+            </a:r>
+            <a:endParaRPr lang="en-US" dirty="0"/>
+          </a:p>
+        </p:txBody>
+      </p:sp>
+      <p:sp>
+        <p:nvSpPr>
+          <p:cNvPr id="5" name="Slide Number Placeholder 4">
+            <a:extLst>
+              <a:ext uri="{FF2B5EF4-FFF2-40B4-BE49-F238E27FC236}">
+                <a16:creationId xmlns:a16="http://schemas.microsoft.com/office/drawing/2014/main" id="{C94D88ED-83E7-D544-BA04-5F8286F6DEF1}"/>
+              </a:ext>
+            </a:extLst>
+          </p:cNvPr>
+          <p:cNvSpPr>
+            <a:spLocks noGrp="1"/>
+          </p:cNvSpPr>
+          <p:nvPr>
+            <p:ph type="sldNum" sz="quarter" idx="12"/>
+          </p:nvPr>
+        </p:nvSpPr>
+        <p:spPr/>
+        <p:txBody>
+          <a:bodyPr/>
+          <a:lstStyle/>
+          <a:p>
+            <a:r>
+              <a:rPr lang="en-US"/>
+              <a:t>PAGE  </a:t>
+            </a:r>
+            <a:fld id="{93005692-73BE-493E-93AB-ECD6027A7652}" type="slidenum">
+              <a:rPr lang="en-US" smtClean="0"/>
+              <a:pPr/>
+              <a:t>44</a:t>
+            </a:fld>
+            <a:endParaRPr lang="en-US" dirty="0"/>
+          </a:p>
+        </p:txBody>
+      </p:sp>
+    </p:spTree>
+    <p:extLst>
+      <p:ext uri="{BB962C8B-B14F-4D97-AF65-F5344CB8AC3E}">
+        <p14:creationId xmlns:p14="http://schemas.microsoft.com/office/powerpoint/2010/main" val="1296010110"/>
+      </p:ext>
+    </p:extLst>
+  </p:cSld>
+  <p:clrMapOvr>
+    <a:masterClrMapping/>
+  </p:clrMapOvr>
+  <mc:AlternateContent xmlns:mc="http://schemas.openxmlformats.org/markup-compatibility/2006" xmlns:p14="http://schemas.microsoft.com/office/powerpoint/2010/main">
+    <mc:Choice Requires="p14">
+      <p:transition spd="med" p14:dur="700">
+        <p:fade/>
+      </p:transition>
+    </mc:Choice>
+    <mc:Fallback xmlns="">
+      <p:transition spd="med">
+        <p:fade/>
+      </p:transition>
+    </mc:Fallback>
+  </mc:AlternateContent>
+  <p:timing>
+    <p:tnLst>
+      <p:par>
+        <p:cTn id="1" dur="indefinite" restart="never" nodeType="tmRoot">
+          <p:childTnLst>
+            <p:seq concurrent="1" nextAc="seek">
+              <p:cTn id="2" dur="indefinite" nodeType="mainSeq">
+                <p:childTnLst>
+                  <p:par>
+                    <p:cTn id="3" fill="hold">
+                      <p:stCondLst>
+                        <p:cond delay="indefinite"/>
+                      </p:stCondLst>
+                      <p:childTnLst>
+                        <p:par>
+                          <p:cTn id="4" fill="hold">
+                            <p:stCondLst>
+                              <p:cond delay="0"/>
+                            </p:stCondLst>
+                            <p:childTnLst>
+                              <p:par>
+                                <p:cTn id="5" presetID="1" presetClass="entr" presetSubtype="0" fill="hold" nodeType="clickEffect">
+                                  <p:stCondLst>
+                                    <p:cond delay="0"/>
+                                  </p:stCondLst>
+                                  <p:childTnLst>
+                                    <p:set>
+                                      <p:cBhvr>
+                                        <p:cTn id="6" dur="1" fill="hold">
+                                          <p:stCondLst>
+                                            <p:cond delay="0"/>
+                                          </p:stCondLst>
+                                        </p:cTn>
+                                        <p:tgtEl>
+                                          <p:spTgt spid="19"/>
+                                        </p:tgtEl>
+                                        <p:attrNameLst>
+                                          <p:attrName>style.visibility</p:attrName>
+                                        </p:attrNameLst>
+                                      </p:cBhvr>
+                                      <p:to>
+                                        <p:strVal val="visible"/>
+                                      </p:to>
+                                    </p:set>
+                                  </p:childTnLst>
+                                </p:cTn>
+                              </p:par>
+                            </p:childTnLst>
+                          </p:cTn>
+                        </p:par>
+                      </p:childTnLst>
+                    </p:cTn>
+                  </p:par>
+                  <p:par>
+                    <p:cTn id="7" fill="hold">
+                      <p:stCondLst>
+                        <p:cond delay="indefinite"/>
+                      </p:stCondLst>
+                      <p:childTnLst>
+                        <p:par>
+                          <p:cTn id="8" fill="hold">
+                            <p:stCondLst>
+                              <p:cond delay="0"/>
+                            </p:stCondLst>
+                            <p:childTnLst>
+                              <p:par>
+                                <p:cTn id="9" presetID="1" presetClass="entr" presetSubtype="0" fill="hold" nodeType="clickEffect">
+                                  <p:stCondLst>
+                                    <p:cond delay="0"/>
+                                  </p:stCondLst>
+                                  <p:childTnLst>
+                                    <p:set>
+                                      <p:cBhvr>
+                                        <p:cTn id="10" dur="1" fill="hold">
+                                          <p:stCondLst>
+                                            <p:cond delay="0"/>
+                                          </p:stCondLst>
+                                        </p:cTn>
+                                        <p:tgtEl>
+                                          <p:spTgt spid="20"/>
+                                        </p:tgtEl>
+                                        <p:attrNameLst>
+                                          <p:attrName>style.visibility</p:attrName>
+                                        </p:attrNameLst>
+                                      </p:cBhvr>
+                                      <p:to>
+                                        <p:strVal val="visible"/>
+                                      </p:to>
+                                    </p:set>
+                                  </p:childTnLst>
+                                </p:cTn>
+                              </p:par>
+                            </p:childTnLst>
+                          </p:cTn>
+                        </p:par>
+                      </p:childTnLst>
+                    </p:cTn>
+                  </p:par>
+                  <p:par>
+                    <p:cTn id="11" fill="hold">
+                      <p:stCondLst>
+                        <p:cond delay="indefinite"/>
+                      </p:stCondLst>
+                      <p:childTnLst>
+                        <p:par>
+                          <p:cTn id="12" fill="hold">
+                            <p:stCondLst>
+                              <p:cond delay="0"/>
+                            </p:stCondLst>
+                            <p:childTnLst>
+                              <p:par>
+                                <p:cTn id="13" presetID="1" presetClass="entr" presetSubtype="0" fill="hold" nodeType="clickEffect">
+                                  <p:stCondLst>
+                                    <p:cond delay="0"/>
+                                  </p:stCondLst>
+                                  <p:childTnLst>
+                                    <p:set>
+                                      <p:cBhvr>
+                                        <p:cTn id="14" dur="1" fill="hold">
+                                          <p:stCondLst>
+                                            <p:cond delay="0"/>
+                                          </p:stCondLst>
+                                        </p:cTn>
+                                        <p:tgtEl>
+                                          <p:spTgt spid="21"/>
+                                        </p:tgtEl>
+                                        <p:attrNameLst>
+                                          <p:attrName>style.visibility</p:attrName>
+                                        </p:attrNameLst>
+                                      </p:cBhvr>
+                                      <p:to>
+                                        <p:strVal val="visible"/>
+                                      </p:to>
+                                    </p:set>
+                                  </p:childTnLst>
+                                </p:cTn>
+                              </p:par>
+                            </p:childTnLst>
+                          </p:cTn>
+                        </p:par>
+                      </p:childTnLst>
+                    </p:cTn>
+                  </p:par>
+                </p:childTnLst>
+              </p:cTn>
+              <p:prevCondLst>
+                <p:cond evt="onPrev" delay="0">
+                  <p:tgtEl>
+                    <p:sldTgt/>
+                  </p:tgtEl>
+                </p:cond>
+              </p:prevCondLst>
+              <p:nextCondLst>
+                <p:cond evt="onNext" delay="0">
+                  <p:tgtEl>
+                    <p:sldTgt/>
+                  </p:tgtEl>
+                </p:cond>
+              </p:nextCondLst>
+            </p:seq>
+          </p:childTnLst>
+        </p:cTn>
+      </p:par>
+    </p:tnLst>
+  </p:timing>
+</p:sld>
+</file>
+
+<file path=ppt/slides/slide45.xml><?xml version="1.0" encoding="utf-8"?>
+<p:sld xmlns:a="http://schemas.openxmlformats.org/drawingml/2006/main" xmlns:r="http://schemas.openxmlformats.org/officeDocument/2006/relationships" xmlns:p="http://schemas.openxmlformats.org/presentationml/2006/main">
+  <p:cSld>
+    <p:spTree>
+      <p:nvGrpSpPr>
+        <p:cNvPr id="1" name=""/>
+        <p:cNvGrpSpPr/>
+        <p:nvPr/>
+      </p:nvGrpSpPr>
+      <p:grpSpPr>
+        <a:xfrm>
+          <a:off x="0" y="0"/>
+          <a:ext cx="0" cy="0"/>
+          <a:chOff x="0" y="0"/>
+          <a:chExt cx="0" cy="0"/>
+        </a:xfrm>
+      </p:grpSpPr>
+      <p:sp>
+        <p:nvSpPr>
+          <p:cNvPr id="2" name="Title 1">
+            <a:extLst>
+              <a:ext uri="{FF2B5EF4-FFF2-40B4-BE49-F238E27FC236}">
+                <a16:creationId xmlns:a16="http://schemas.microsoft.com/office/drawing/2014/main" id="{1520AD37-FF71-6949-95A0-0F5A6A919EB3}"/>
+              </a:ext>
+            </a:extLst>
+          </p:cNvPr>
+          <p:cNvSpPr>
+            <a:spLocks noGrp="1"/>
+          </p:cNvSpPr>
+          <p:nvPr>
+            <p:ph type="title"/>
+          </p:nvPr>
+        </p:nvSpPr>
+        <p:spPr/>
+        <p:txBody>
+          <a:bodyPr>
+            <a:normAutofit/>
+          </a:bodyPr>
+          <a:lstStyle/>
+          <a:p>
+            <a:r>
+              <a:rPr lang="en-US" dirty="0"/>
+              <a:t>Some personal lessons learned</a:t>
+            </a:r>
+          </a:p>
+        </p:txBody>
+      </p:sp>
+      <p:grpSp>
+        <p:nvGrpSpPr>
+          <p:cNvPr id="19" name="Group 18">
+            <a:extLst>
+              <a:ext uri="{FF2B5EF4-FFF2-40B4-BE49-F238E27FC236}">
+                <a16:creationId xmlns:a16="http://schemas.microsoft.com/office/drawing/2014/main" id="{EDCC6E20-B054-B649-AA88-895C6AAF03AD}"/>
+              </a:ext>
+            </a:extLst>
+          </p:cNvPr>
+          <p:cNvGrpSpPr/>
+          <p:nvPr/>
+        </p:nvGrpSpPr>
+        <p:grpSpPr>
+          <a:xfrm>
+            <a:off x="263964" y="1550169"/>
+            <a:ext cx="5354472" cy="4321223"/>
+            <a:chOff x="263965" y="1550169"/>
+            <a:chExt cx="3525142" cy="4321223"/>
+          </a:xfrm>
+        </p:grpSpPr>
+        <p:sp>
+          <p:nvSpPr>
+            <p:cNvPr id="13" name="Freeform 12">
+              <a:extLst>
+                <a:ext uri="{FF2B5EF4-FFF2-40B4-BE49-F238E27FC236}">
+                  <a16:creationId xmlns:a16="http://schemas.microsoft.com/office/drawing/2014/main" id="{F346E50C-D366-FD42-964D-79CE032A16B2}"/>
+                </a:ext>
+              </a:extLst>
+            </p:cNvPr>
+            <p:cNvSpPr/>
+            <p:nvPr/>
+          </p:nvSpPr>
+          <p:spPr>
+            <a:xfrm>
+              <a:off x="263965" y="1550169"/>
+              <a:ext cx="3525142" cy="777600"/>
+            </a:xfrm>
+            <a:custGeom>
+              <a:avLst/>
+              <a:gdLst>
+                <a:gd name="connsiteX0" fmla="*/ 0 w 3525142"/>
+                <a:gd name="connsiteY0" fmla="*/ 0 h 777600"/>
+                <a:gd name="connsiteX1" fmla="*/ 3525142 w 3525142"/>
+                <a:gd name="connsiteY1" fmla="*/ 0 h 777600"/>
+                <a:gd name="connsiteX2" fmla="*/ 3525142 w 3525142"/>
+                <a:gd name="connsiteY2" fmla="*/ 777600 h 777600"/>
+                <a:gd name="connsiteX3" fmla="*/ 0 w 3525142"/>
+                <a:gd name="connsiteY3" fmla="*/ 777600 h 777600"/>
+                <a:gd name="connsiteX4" fmla="*/ 0 w 3525142"/>
+                <a:gd name="connsiteY4" fmla="*/ 0 h 777600"/>
+              </a:gdLst>
+              <a:ahLst/>
+              <a:cxnLst>
+                <a:cxn ang="0">
+                  <a:pos x="connsiteX0" y="connsiteY0"/>
+                </a:cxn>
+                <a:cxn ang="0">
+                  <a:pos x="connsiteX1" y="connsiteY1"/>
+                </a:cxn>
+                <a:cxn ang="0">
+                  <a:pos x="connsiteX2" y="connsiteY2"/>
+                </a:cxn>
+                <a:cxn ang="0">
+                  <a:pos x="connsiteX3" y="connsiteY3"/>
+                </a:cxn>
+                <a:cxn ang="0">
+                  <a:pos x="connsiteX4" y="connsiteY4"/>
+                </a:cxn>
+              </a:cxnLst>
+              <a:rect l="l" t="t" r="r" b="b"/>
+              <a:pathLst>
+                <a:path w="3525142" h="777600">
+                  <a:moveTo>
+                    <a:pt x="0" y="0"/>
+                  </a:moveTo>
+                  <a:lnTo>
+                    <a:pt x="3525142" y="0"/>
+                  </a:lnTo>
+                  <a:lnTo>
+                    <a:pt x="3525142" y="777600"/>
+                  </a:lnTo>
+                  <a:lnTo>
+                    <a:pt x="0" y="777600"/>
+                  </a:lnTo>
+                  <a:lnTo>
+                    <a:pt x="0" y="0"/>
+                  </a:lnTo>
+                  <a:close/>
+                </a:path>
+              </a:pathLst>
+            </a:custGeom>
+          </p:spPr>
+          <p:style>
+            <a:lnRef idx="2">
+              <a:schemeClr val="accent1">
+                <a:hueOff val="0"/>
+                <a:satOff val="0"/>
+                <a:lumOff val="0"/>
+                <a:alphaOff val="0"/>
+              </a:schemeClr>
+            </a:lnRef>
+            <a:fillRef idx="1">
+              <a:schemeClr val="accent1">
+                <a:hueOff val="0"/>
+                <a:satOff val="0"/>
+                <a:lumOff val="0"/>
+                <a:alphaOff val="0"/>
+              </a:schemeClr>
+            </a:fillRef>
+            <a:effectRef idx="0">
+              <a:schemeClr val="accent1">
+                <a:hueOff val="0"/>
+                <a:satOff val="0"/>
+                <a:lumOff val="0"/>
+                <a:alphaOff val="0"/>
+              </a:schemeClr>
+            </a:effectRef>
+            <a:fontRef idx="minor">
+              <a:schemeClr val="lt1"/>
+            </a:fontRef>
+          </p:style>
+          <p:txBody>
+            <a:bodyPr spcFirstLastPara="0" vert="horz" wrap="square" lIns="192024" tIns="109728" rIns="192024" bIns="109728" numCol="1" spcCol="1270" anchor="ctr" anchorCtr="0">
+              <a:noAutofit/>
+            </a:bodyPr>
+            <a:lstStyle/>
+            <a:p>
+              <a:pPr marL="0" lvl="0" indent="0" algn="ctr" defTabSz="1200150">
+                <a:lnSpc>
+                  <a:spcPct val="90000"/>
+                </a:lnSpc>
+                <a:spcBef>
+                  <a:spcPct val="0"/>
+                </a:spcBef>
+                <a:spcAft>
+                  <a:spcPct val="35000"/>
+                </a:spcAft>
+                <a:buNone/>
+              </a:pPr>
+              <a:r>
+                <a:rPr lang="en-US" sz="2700" kern="1200" dirty="0"/>
+                <a:t>Data</a:t>
+              </a:r>
+            </a:p>
+          </p:txBody>
+        </p:sp>
+        <p:sp>
+          <p:nvSpPr>
+            <p:cNvPr id="14" name="Freeform 13">
+              <a:extLst>
+                <a:ext uri="{FF2B5EF4-FFF2-40B4-BE49-F238E27FC236}">
+                  <a16:creationId xmlns:a16="http://schemas.microsoft.com/office/drawing/2014/main" id="{BDC6742F-2800-034C-B61D-3ADFE92D5150}"/>
+                </a:ext>
+              </a:extLst>
+            </p:cNvPr>
+            <p:cNvSpPr/>
+            <p:nvPr/>
+          </p:nvSpPr>
+          <p:spPr>
+            <a:xfrm>
+              <a:off x="263965" y="2327769"/>
+              <a:ext cx="3525142" cy="3543623"/>
+            </a:xfrm>
+            <a:custGeom>
+              <a:avLst/>
+              <a:gdLst>
+                <a:gd name="connsiteX0" fmla="*/ 0 w 3525142"/>
+                <a:gd name="connsiteY0" fmla="*/ 0 h 3543623"/>
+                <a:gd name="connsiteX1" fmla="*/ 3525142 w 3525142"/>
+                <a:gd name="connsiteY1" fmla="*/ 0 h 3543623"/>
+                <a:gd name="connsiteX2" fmla="*/ 3525142 w 3525142"/>
+                <a:gd name="connsiteY2" fmla="*/ 3543623 h 3543623"/>
+                <a:gd name="connsiteX3" fmla="*/ 0 w 3525142"/>
+                <a:gd name="connsiteY3" fmla="*/ 3543623 h 3543623"/>
+                <a:gd name="connsiteX4" fmla="*/ 0 w 3525142"/>
+                <a:gd name="connsiteY4" fmla="*/ 0 h 3543623"/>
+              </a:gdLst>
+              <a:ahLst/>
+              <a:cxnLst>
+                <a:cxn ang="0">
+                  <a:pos x="connsiteX0" y="connsiteY0"/>
+                </a:cxn>
+                <a:cxn ang="0">
+                  <a:pos x="connsiteX1" y="connsiteY1"/>
+                </a:cxn>
+                <a:cxn ang="0">
+                  <a:pos x="connsiteX2" y="connsiteY2"/>
+                </a:cxn>
+                <a:cxn ang="0">
+                  <a:pos x="connsiteX3" y="connsiteY3"/>
+                </a:cxn>
+                <a:cxn ang="0">
+                  <a:pos x="connsiteX4" y="connsiteY4"/>
+                </a:cxn>
+              </a:cxnLst>
+              <a:rect l="l" t="t" r="r" b="b"/>
+              <a:pathLst>
+                <a:path w="3525142" h="3543623">
+                  <a:moveTo>
+                    <a:pt x="0" y="0"/>
+                  </a:moveTo>
+                  <a:lnTo>
+                    <a:pt x="3525142" y="0"/>
+                  </a:lnTo>
+                  <a:lnTo>
+                    <a:pt x="3525142" y="3543623"/>
+                  </a:lnTo>
+                  <a:lnTo>
+                    <a:pt x="0" y="3543623"/>
+                  </a:lnTo>
+                  <a:lnTo>
+                    <a:pt x="0" y="0"/>
+                  </a:lnTo>
+                  <a:close/>
+                </a:path>
+              </a:pathLst>
+            </a:custGeom>
+          </p:spPr>
+          <p:style>
+            <a:lnRef idx="2">
+              <a:schemeClr val="accent1">
+                <a:alpha val="90000"/>
+                <a:tint val="40000"/>
+                <a:hueOff val="0"/>
+                <a:satOff val="0"/>
+                <a:lumOff val="0"/>
+                <a:alphaOff val="0"/>
+              </a:schemeClr>
+            </a:lnRef>
+            <a:fillRef idx="1">
+              <a:schemeClr val="accent1">
+                <a:alpha val="90000"/>
+                <a:tint val="40000"/>
+                <a:hueOff val="0"/>
+                <a:satOff val="0"/>
+                <a:lumOff val="0"/>
+                <a:alphaOff val="0"/>
+              </a:schemeClr>
+            </a:fillRef>
+            <a:effectRef idx="0">
+              <a:schemeClr val="accent1">
+                <a:alpha val="90000"/>
+                <a:tint val="40000"/>
+                <a:hueOff val="0"/>
+                <a:satOff val="0"/>
+                <a:lumOff val="0"/>
+                <a:alphaOff val="0"/>
+              </a:schemeClr>
+            </a:effectRef>
+            <a:fontRef idx="minor">
+              <a:schemeClr val="dk1">
+                <a:hueOff val="0"/>
+                <a:satOff val="0"/>
+                <a:lumOff val="0"/>
+                <a:alphaOff val="0"/>
+              </a:schemeClr>
+            </a:fontRef>
+          </p:style>
+          <p:txBody>
+            <a:bodyPr spcFirstLastPara="0" vert="horz" wrap="square" lIns="144018" tIns="144018" rIns="192024" bIns="216027" numCol="1" spcCol="1270" anchor="t" anchorCtr="0">
+              <a:noAutofit/>
+            </a:bodyPr>
+            <a:lstStyle/>
+            <a:p>
+              <a:pPr marL="0" lvl="1" defTabSz="1200150">
+                <a:lnSpc>
+                  <a:spcPct val="90000"/>
+                </a:lnSpc>
+                <a:spcBef>
+                  <a:spcPct val="0"/>
+                </a:spcBef>
+                <a:spcAft>
+                  <a:spcPct val="15000"/>
+                </a:spcAft>
+              </a:pPr>
+              <a:r>
+                <a:rPr lang="en-US" sz="2600" kern="1200" dirty="0"/>
+                <a:t>Always use virtual environments to ensure package consistencies and reproducibility.</a:t>
+              </a:r>
+            </a:p>
+            <a:p>
+              <a:pPr marL="0" lvl="1" defTabSz="1200150">
+                <a:lnSpc>
+                  <a:spcPct val="90000"/>
+                </a:lnSpc>
+                <a:spcBef>
+                  <a:spcPct val="0"/>
+                </a:spcBef>
+                <a:spcAft>
+                  <a:spcPct val="15000"/>
+                </a:spcAft>
+              </a:pPr>
+              <a:endParaRPr lang="en-US" sz="2600" dirty="0"/>
+            </a:p>
+            <a:p>
+              <a:pPr marL="0" lvl="1" defTabSz="1200150">
+                <a:lnSpc>
+                  <a:spcPct val="90000"/>
+                </a:lnSpc>
+                <a:spcBef>
+                  <a:spcPct val="0"/>
+                </a:spcBef>
+                <a:spcAft>
+                  <a:spcPct val="15000"/>
+                </a:spcAft>
+              </a:pPr>
+              <a:r>
+                <a:rPr lang="en-US" sz="2600" kern="1200" dirty="0"/>
+                <a:t>Conduct thorough spot-checks on data points, covering all possible scenarios, to make sure that the data pipeline is correct.</a:t>
+              </a:r>
+            </a:p>
+          </p:txBody>
+        </p:sp>
+      </p:grpSp>
+      <p:grpSp>
+        <p:nvGrpSpPr>
+          <p:cNvPr id="20" name="Group 19">
+            <a:extLst>
+              <a:ext uri="{FF2B5EF4-FFF2-40B4-BE49-F238E27FC236}">
+                <a16:creationId xmlns:a16="http://schemas.microsoft.com/office/drawing/2014/main" id="{37103187-E157-5143-8012-B78656087C85}"/>
+              </a:ext>
+            </a:extLst>
+          </p:cNvPr>
+          <p:cNvGrpSpPr/>
+          <p:nvPr/>
+        </p:nvGrpSpPr>
+        <p:grpSpPr>
+          <a:xfrm>
+            <a:off x="6475140" y="1550169"/>
+            <a:ext cx="5354472" cy="4321223"/>
+            <a:chOff x="4282628" y="1550169"/>
+            <a:chExt cx="3525142" cy="4321223"/>
+          </a:xfrm>
+        </p:grpSpPr>
+        <p:sp>
+          <p:nvSpPr>
+            <p:cNvPr id="15" name="Freeform 14">
+              <a:extLst>
+                <a:ext uri="{FF2B5EF4-FFF2-40B4-BE49-F238E27FC236}">
+                  <a16:creationId xmlns:a16="http://schemas.microsoft.com/office/drawing/2014/main" id="{4A38F118-1A6D-2B46-9A1A-260AE4F21875}"/>
+                </a:ext>
+              </a:extLst>
+            </p:cNvPr>
+            <p:cNvSpPr/>
+            <p:nvPr/>
+          </p:nvSpPr>
+          <p:spPr>
+            <a:xfrm>
+              <a:off x="4282628" y="1550169"/>
+              <a:ext cx="3525142" cy="777600"/>
+            </a:xfrm>
+            <a:custGeom>
+              <a:avLst/>
+              <a:gdLst>
+                <a:gd name="connsiteX0" fmla="*/ 0 w 3525142"/>
+                <a:gd name="connsiteY0" fmla="*/ 0 h 777600"/>
+                <a:gd name="connsiteX1" fmla="*/ 3525142 w 3525142"/>
+                <a:gd name="connsiteY1" fmla="*/ 0 h 777600"/>
+                <a:gd name="connsiteX2" fmla="*/ 3525142 w 3525142"/>
+                <a:gd name="connsiteY2" fmla="*/ 777600 h 777600"/>
+                <a:gd name="connsiteX3" fmla="*/ 0 w 3525142"/>
+                <a:gd name="connsiteY3" fmla="*/ 777600 h 777600"/>
+                <a:gd name="connsiteX4" fmla="*/ 0 w 3525142"/>
+                <a:gd name="connsiteY4" fmla="*/ 0 h 777600"/>
+              </a:gdLst>
+              <a:ahLst/>
+              <a:cxnLst>
+                <a:cxn ang="0">
+                  <a:pos x="connsiteX0" y="connsiteY0"/>
+                </a:cxn>
+                <a:cxn ang="0">
+                  <a:pos x="connsiteX1" y="connsiteY1"/>
+                </a:cxn>
+                <a:cxn ang="0">
+                  <a:pos x="connsiteX2" y="connsiteY2"/>
+                </a:cxn>
+                <a:cxn ang="0">
+                  <a:pos x="connsiteX3" y="connsiteY3"/>
+                </a:cxn>
+                <a:cxn ang="0">
+                  <a:pos x="connsiteX4" y="connsiteY4"/>
+                </a:cxn>
+              </a:cxnLst>
+              <a:rect l="l" t="t" r="r" b="b"/>
+              <a:pathLst>
+                <a:path w="3525142" h="777600">
+                  <a:moveTo>
+                    <a:pt x="0" y="0"/>
+                  </a:moveTo>
+                  <a:lnTo>
+                    <a:pt x="3525142" y="0"/>
+                  </a:lnTo>
+                  <a:lnTo>
+                    <a:pt x="3525142" y="777600"/>
+                  </a:lnTo>
+                  <a:lnTo>
+                    <a:pt x="0" y="777600"/>
+                  </a:lnTo>
+                  <a:lnTo>
+                    <a:pt x="0" y="0"/>
+                  </a:lnTo>
+                  <a:close/>
+                </a:path>
+              </a:pathLst>
+            </a:custGeom>
+          </p:spPr>
+          <p:style>
+            <a:lnRef idx="2">
+              <a:schemeClr val="accent1">
+                <a:hueOff val="0"/>
+                <a:satOff val="0"/>
+                <a:lumOff val="0"/>
+                <a:alphaOff val="0"/>
+              </a:schemeClr>
+            </a:lnRef>
+            <a:fillRef idx="1">
+              <a:schemeClr val="accent1">
+                <a:hueOff val="0"/>
+                <a:satOff val="0"/>
+                <a:lumOff val="0"/>
+                <a:alphaOff val="0"/>
+              </a:schemeClr>
+            </a:fillRef>
+            <a:effectRef idx="0">
+              <a:schemeClr val="accent1">
+                <a:hueOff val="0"/>
+                <a:satOff val="0"/>
+                <a:lumOff val="0"/>
+                <a:alphaOff val="0"/>
+              </a:schemeClr>
+            </a:effectRef>
+            <a:fontRef idx="minor">
+              <a:schemeClr val="lt1"/>
+            </a:fontRef>
+          </p:style>
+          <p:txBody>
+            <a:bodyPr spcFirstLastPara="0" vert="horz" wrap="square" lIns="192024" tIns="109728" rIns="192024" bIns="109728" numCol="1" spcCol="1270" anchor="ctr" anchorCtr="0">
+              <a:noAutofit/>
+            </a:bodyPr>
+            <a:lstStyle/>
+            <a:p>
+              <a:pPr marL="0" lvl="0" indent="0" algn="ctr" defTabSz="1200150">
+                <a:lnSpc>
+                  <a:spcPct val="90000"/>
+                </a:lnSpc>
+                <a:spcBef>
+                  <a:spcPct val="0"/>
+                </a:spcBef>
+                <a:spcAft>
+                  <a:spcPct val="35000"/>
+                </a:spcAft>
+                <a:buNone/>
+              </a:pPr>
+              <a:r>
+                <a:rPr lang="en-US" sz="2700" dirty="0"/>
+                <a:t>Model</a:t>
+              </a:r>
+              <a:endParaRPr lang="en-US" sz="2700" kern="1200" dirty="0"/>
+            </a:p>
+          </p:txBody>
+        </p:sp>
+        <p:sp>
+          <p:nvSpPr>
+            <p:cNvPr id="16" name="Freeform 15">
+              <a:extLst>
+                <a:ext uri="{FF2B5EF4-FFF2-40B4-BE49-F238E27FC236}">
+                  <a16:creationId xmlns:a16="http://schemas.microsoft.com/office/drawing/2014/main" id="{CE1D8E1D-23AB-C743-9B78-9696DEEFBE42}"/>
+                </a:ext>
+              </a:extLst>
+            </p:cNvPr>
+            <p:cNvSpPr/>
+            <p:nvPr/>
+          </p:nvSpPr>
+          <p:spPr>
+            <a:xfrm>
+              <a:off x="4282628" y="2327769"/>
+              <a:ext cx="3525142" cy="3543623"/>
+            </a:xfrm>
+            <a:custGeom>
+              <a:avLst/>
+              <a:gdLst>
+                <a:gd name="connsiteX0" fmla="*/ 0 w 3525142"/>
+                <a:gd name="connsiteY0" fmla="*/ 0 h 3543623"/>
+                <a:gd name="connsiteX1" fmla="*/ 3525142 w 3525142"/>
+                <a:gd name="connsiteY1" fmla="*/ 0 h 3543623"/>
+                <a:gd name="connsiteX2" fmla="*/ 3525142 w 3525142"/>
+                <a:gd name="connsiteY2" fmla="*/ 3543623 h 3543623"/>
+                <a:gd name="connsiteX3" fmla="*/ 0 w 3525142"/>
+                <a:gd name="connsiteY3" fmla="*/ 3543623 h 3543623"/>
+                <a:gd name="connsiteX4" fmla="*/ 0 w 3525142"/>
+                <a:gd name="connsiteY4" fmla="*/ 0 h 3543623"/>
+              </a:gdLst>
+              <a:ahLst/>
+              <a:cxnLst>
+                <a:cxn ang="0">
+                  <a:pos x="connsiteX0" y="connsiteY0"/>
+                </a:cxn>
+                <a:cxn ang="0">
+                  <a:pos x="connsiteX1" y="connsiteY1"/>
+                </a:cxn>
+                <a:cxn ang="0">
+                  <a:pos x="connsiteX2" y="connsiteY2"/>
+                </a:cxn>
+                <a:cxn ang="0">
+                  <a:pos x="connsiteX3" y="connsiteY3"/>
+                </a:cxn>
+                <a:cxn ang="0">
+                  <a:pos x="connsiteX4" y="connsiteY4"/>
+                </a:cxn>
+              </a:cxnLst>
+              <a:rect l="l" t="t" r="r" b="b"/>
+              <a:pathLst>
+                <a:path w="3525142" h="3543623">
+                  <a:moveTo>
+                    <a:pt x="0" y="0"/>
+                  </a:moveTo>
+                  <a:lnTo>
+                    <a:pt x="3525142" y="0"/>
+                  </a:lnTo>
+                  <a:lnTo>
+                    <a:pt x="3525142" y="3543623"/>
+                  </a:lnTo>
+                  <a:lnTo>
+                    <a:pt x="0" y="3543623"/>
+                  </a:lnTo>
+                  <a:lnTo>
+                    <a:pt x="0" y="0"/>
+                  </a:lnTo>
+                  <a:close/>
+                </a:path>
+              </a:pathLst>
+            </a:custGeom>
+          </p:spPr>
+          <p:style>
+            <a:lnRef idx="2">
+              <a:schemeClr val="accent1">
+                <a:alpha val="90000"/>
+                <a:tint val="40000"/>
+                <a:hueOff val="0"/>
+                <a:satOff val="0"/>
+                <a:lumOff val="0"/>
+                <a:alphaOff val="0"/>
+              </a:schemeClr>
+            </a:lnRef>
+            <a:fillRef idx="1">
+              <a:schemeClr val="accent1">
+                <a:alpha val="90000"/>
+                <a:tint val="40000"/>
+                <a:hueOff val="0"/>
+                <a:satOff val="0"/>
+                <a:lumOff val="0"/>
+                <a:alphaOff val="0"/>
+              </a:schemeClr>
+            </a:fillRef>
+            <a:effectRef idx="0">
+              <a:schemeClr val="accent1">
+                <a:alpha val="90000"/>
+                <a:tint val="40000"/>
+                <a:hueOff val="0"/>
+                <a:satOff val="0"/>
+                <a:lumOff val="0"/>
+                <a:alphaOff val="0"/>
+              </a:schemeClr>
+            </a:effectRef>
+            <a:fontRef idx="minor">
+              <a:schemeClr val="dk1">
+                <a:hueOff val="0"/>
+                <a:satOff val="0"/>
+                <a:lumOff val="0"/>
+                <a:alphaOff val="0"/>
+              </a:schemeClr>
+            </a:fontRef>
+          </p:style>
+          <p:txBody>
+            <a:bodyPr spcFirstLastPara="0" vert="horz" wrap="square" lIns="144018" tIns="144018" rIns="192024" bIns="216027" numCol="1" spcCol="1270" anchor="t" anchorCtr="0">
+              <a:noAutofit/>
+            </a:bodyPr>
+            <a:lstStyle/>
+            <a:p>
+              <a:pPr marL="0" lvl="1" indent="0" algn="l" defTabSz="1200150">
+                <a:lnSpc>
+                  <a:spcPct val="90000"/>
+                </a:lnSpc>
+                <a:spcBef>
+                  <a:spcPct val="0"/>
+                </a:spcBef>
+                <a:spcAft>
+                  <a:spcPct val="15000"/>
+                </a:spcAft>
+                <a:buNone/>
+              </a:pPr>
+              <a:r>
+                <a:rPr lang="en-US" sz="2600" dirty="0"/>
+                <a:t>LMM is useful in situations with random effects.</a:t>
+              </a:r>
+            </a:p>
+            <a:p>
+              <a:pPr marL="0" lvl="1" indent="0" algn="l" defTabSz="1200150">
+                <a:lnSpc>
+                  <a:spcPct val="90000"/>
+                </a:lnSpc>
+                <a:spcBef>
+                  <a:spcPct val="0"/>
+                </a:spcBef>
+                <a:spcAft>
+                  <a:spcPct val="15000"/>
+                </a:spcAft>
+                <a:buNone/>
+              </a:pPr>
+              <a:endParaRPr lang="en-US" sz="2600" dirty="0"/>
+            </a:p>
+            <a:p>
+              <a:pPr marL="0" lvl="1" indent="0" algn="l" defTabSz="1200150">
+                <a:lnSpc>
+                  <a:spcPct val="90000"/>
+                </a:lnSpc>
+                <a:spcBef>
+                  <a:spcPct val="0"/>
+                </a:spcBef>
+                <a:spcAft>
+                  <a:spcPct val="15000"/>
+                </a:spcAft>
+                <a:buNone/>
+              </a:pPr>
+              <a:r>
+                <a:rPr lang="en-US" sz="2600" dirty="0"/>
+                <a:t>Always conduct </a:t>
+              </a:r>
+              <a:r>
+                <a:rPr lang="en-US" sz="2600" kern="1200" dirty="0"/>
+                <a:t>validation against unseen datasets to check for generalizability.</a:t>
+              </a:r>
+            </a:p>
+          </p:txBody>
+        </p:sp>
+      </p:grpSp>
+      <p:sp>
+        <p:nvSpPr>
+          <p:cNvPr id="4" name="Footer Placeholder 3">
+            <a:extLst>
+              <a:ext uri="{FF2B5EF4-FFF2-40B4-BE49-F238E27FC236}">
+                <a16:creationId xmlns:a16="http://schemas.microsoft.com/office/drawing/2014/main" id="{42BC3F0B-90D7-E347-8848-B0129F5076B0}"/>
+              </a:ext>
+            </a:extLst>
+          </p:cNvPr>
+          <p:cNvSpPr>
+            <a:spLocks noGrp="1"/>
+          </p:cNvSpPr>
+          <p:nvPr>
+            <p:ph type="ftr" sz="quarter" idx="11"/>
+          </p:nvPr>
+        </p:nvSpPr>
+        <p:spPr/>
+        <p:txBody>
+          <a:bodyPr/>
+          <a:lstStyle/>
+          <a:p>
+            <a:r>
+              <a:rPr lang="en-US"/>
+              <a:t>Review Dynamics in Open-Source Software: A Case Study of OpenStack</a:t>
+            </a:r>
+            <a:endParaRPr lang="en-US" dirty="0"/>
+          </a:p>
+        </p:txBody>
+      </p:sp>
+      <p:sp>
+        <p:nvSpPr>
+          <p:cNvPr id="5" name="Slide Number Placeholder 4">
+            <a:extLst>
+              <a:ext uri="{FF2B5EF4-FFF2-40B4-BE49-F238E27FC236}">
+                <a16:creationId xmlns:a16="http://schemas.microsoft.com/office/drawing/2014/main" id="{C94D88ED-83E7-D544-BA04-5F8286F6DEF1}"/>
+              </a:ext>
+            </a:extLst>
+          </p:cNvPr>
+          <p:cNvSpPr>
+            <a:spLocks noGrp="1"/>
+          </p:cNvSpPr>
+          <p:nvPr>
+            <p:ph type="sldNum" sz="quarter" idx="12"/>
+          </p:nvPr>
+        </p:nvSpPr>
+        <p:spPr/>
+        <p:txBody>
+          <a:bodyPr/>
+          <a:lstStyle/>
+          <a:p>
+            <a:r>
+              <a:rPr lang="en-US"/>
+              <a:t>PAGE  </a:t>
+            </a:r>
+            <a:fld id="{93005692-73BE-493E-93AB-ECD6027A7652}" type="slidenum">
+              <a:rPr lang="en-US" smtClean="0"/>
+              <a:pPr/>
+              <a:t>45</a:t>
+            </a:fld>
+            <a:endParaRPr lang="en-US" dirty="0"/>
+          </a:p>
+        </p:txBody>
+      </p:sp>
+    </p:spTree>
+    <p:extLst>
+      <p:ext uri="{BB962C8B-B14F-4D97-AF65-F5344CB8AC3E}">
+        <p14:creationId xmlns:p14="http://schemas.microsoft.com/office/powerpoint/2010/main" val="343007765"/>
+      </p:ext>
+    </p:extLst>
+  </p:cSld>
+  <p:clrMapOvr>
+    <a:masterClrMapping/>
+  </p:clrMapOvr>
+  <mc:AlternateContent xmlns:mc="http://schemas.openxmlformats.org/markup-compatibility/2006" xmlns:p14="http://schemas.microsoft.com/office/powerpoint/2010/main">
+    <mc:Choice Requires="p14">
+      <p:transition spd="med" p14:dur="700">
+        <p:fade/>
+      </p:transition>
+    </mc:Choice>
+    <mc:Fallback xmlns="">
+      <p:transition spd="med">
+        <p:fade/>
+      </p:transition>
+    </mc:Fallback>
+  </mc:AlternateContent>
+  <p:timing>
+    <p:tnLst>
+      <p:par>
+        <p:cTn id="1" dur="indefinite" restart="never" nodeType="tmRoot">
+          <p:childTnLst>
+            <p:seq concurrent="1" nextAc="seek">
+              <p:cTn id="2" dur="indefinite" nodeType="mainSeq">
+                <p:childTnLst>
+                  <p:par>
+                    <p:cTn id="3" fill="hold">
+                      <p:stCondLst>
+                        <p:cond delay="indefinite"/>
+                      </p:stCondLst>
+                      <p:childTnLst>
+                        <p:par>
+                          <p:cTn id="4" fill="hold">
+                            <p:stCondLst>
+                              <p:cond delay="0"/>
+                            </p:stCondLst>
+                            <p:childTnLst>
+                              <p:par>
+                                <p:cTn id="5" presetID="1" presetClass="entr" presetSubtype="0" fill="hold" nodeType="clickEffect">
+                                  <p:stCondLst>
+                                    <p:cond delay="0"/>
+                                  </p:stCondLst>
+                                  <p:childTnLst>
+                                    <p:set>
+                                      <p:cBhvr>
+                                        <p:cTn id="6" dur="1" fill="hold">
+                                          <p:stCondLst>
+                                            <p:cond delay="0"/>
+                                          </p:stCondLst>
+                                        </p:cTn>
+                                        <p:tgtEl>
+                                          <p:spTgt spid="19"/>
+                                        </p:tgtEl>
+                                        <p:attrNameLst>
+                                          <p:attrName>style.visibility</p:attrName>
+                                        </p:attrNameLst>
+                                      </p:cBhvr>
+                                      <p:to>
+                                        <p:strVal val="visible"/>
+                                      </p:to>
+                                    </p:set>
+                                  </p:childTnLst>
+                                </p:cTn>
+                              </p:par>
+                            </p:childTnLst>
+                          </p:cTn>
+                        </p:par>
+                      </p:childTnLst>
+                    </p:cTn>
+                  </p:par>
+                  <p:par>
+                    <p:cTn id="7" fill="hold">
+                      <p:stCondLst>
+                        <p:cond delay="indefinite"/>
+                      </p:stCondLst>
+                      <p:childTnLst>
+                        <p:par>
+                          <p:cTn id="8" fill="hold">
+                            <p:stCondLst>
+                              <p:cond delay="0"/>
+                            </p:stCondLst>
+                            <p:childTnLst>
+                              <p:par>
+                                <p:cTn id="9" presetID="1" presetClass="entr" presetSubtype="0" fill="hold" nodeType="clickEffect">
+                                  <p:stCondLst>
+                                    <p:cond delay="0"/>
+                                  </p:stCondLst>
+                                  <p:childTnLst>
+                                    <p:set>
+                                      <p:cBhvr>
+                                        <p:cTn id="10" dur="1" fill="hold">
+                                          <p:stCondLst>
+                                            <p:cond delay="0"/>
+                                          </p:stCondLst>
+                                        </p:cTn>
+                                        <p:tgtEl>
+                                          <p:spTgt spid="20"/>
+                                        </p:tgtEl>
+                                        <p:attrNameLst>
+                                          <p:attrName>style.visibility</p:attrName>
+                                        </p:attrNameLst>
+                                      </p:cBhvr>
+                                      <p:to>
+                                        <p:strVal val="visible"/>
+                                      </p:to>
+                                    </p:set>
+                                  </p:childTnLst>
+                                </p:cTn>
+                              </p:par>
+                            </p:childTnLst>
+                          </p:cTn>
+                        </p:par>
+                      </p:childTnLst>
+                    </p:cTn>
+                  </p:par>
+                </p:childTnLst>
+              </p:cTn>
+              <p:prevCondLst>
+                <p:cond evt="onPrev" delay="0">
+                  <p:tgtEl>
+                    <p:sldTgt/>
+                  </p:tgtEl>
+                </p:cond>
+              </p:prevCondLst>
+              <p:nextCondLst>
+                <p:cond evt="onNext" delay="0">
+                  <p:tgtEl>
+                    <p:sldTgt/>
+                  </p:tgtEl>
+                </p:cond>
+              </p:nextCondLst>
+            </p:seq>
+          </p:childTnLst>
+        </p:cTn>
+      </p:par>
+    </p:tnLst>
+  </p:timing>
 </p:sld>
 </file>
 
